--- a/presentation/presentation.pptx
+++ b/presentation/presentation.pptx
@@ -20,16 +20,18 @@
     <p:sldId id="265" r:id="rId15"/>
     <p:sldId id="266" r:id="rId16"/>
     <p:sldId id="267" r:id="rId17"/>
+    <p:sldId id="268" r:id="rId18"/>
+    <p:sldId id="269" r:id="rId19"/>
   </p:sldIdLst>
   <p:sldSz cy="6858000" cx="12192000"/>
   <p:notesSz cx="6761150" cy="9942500"/>
   <p:embeddedFontLst>
     <p:embeddedFont>
       <p:font typeface="Open Sans"/>
-      <p:regular r:id="rId18"/>
-      <p:bold r:id="rId19"/>
-      <p:italic r:id="rId20"/>
-      <p:boldItalic r:id="rId21"/>
+      <p:regular r:id="rId20"/>
+      <p:bold r:id="rId21"/>
+      <p:italic r:id="rId22"/>
+      <p:boldItalic r:id="rId23"/>
     </p:embeddedFont>
   </p:embeddedFontLst>
   <p:defaultTextStyle>
@@ -1594,7 +1596,7 @@
   <p:cSld>
     <p:spTree>
       <p:nvGrpSpPr>
-        <p:cNvPr id="168" name="Shape 168"/>
+        <p:cNvPr id="174" name="Shape 174"/>
         <p:cNvGrpSpPr/>
         <p:nvPr/>
       </p:nvGrpSpPr>
@@ -1608,7 +1610,7 @@
       </p:grpSpPr>
       <p:sp>
         <p:nvSpPr>
-          <p:cNvPr id="169" name="Google Shape;169;g29f92348849_0_1:notes"/>
+          <p:cNvPr id="175" name="Google Shape;175;g29f6ee2ec7e_0_49:notes"/>
           <p:cNvSpPr/>
           <p:nvPr>
             <p:ph idx="2" type="sldImg"/>
@@ -1653,7 +1655,7 @@
       </p:sp>
       <p:sp>
         <p:nvSpPr>
-          <p:cNvPr id="170" name="Google Shape;170;g29f92348849_0_1:notes"/>
+          <p:cNvPr id="176" name="Google Shape;176;g29f6ee2ec7e_0_49:notes"/>
           <p:cNvSpPr txBox="1"/>
           <p:nvPr>
             <p:ph idx="1" type="body"/>
@@ -1685,19 +1687,23 @@
               <a:spcAft>
                 <a:spcPts val="0"/>
               </a:spcAft>
-              <a:buSzPts val="1100"/>
               <a:buNone/>
             </a:pPr>
             <a:r>
               <a:t/>
             </a:r>
-            <a:endParaRPr/>
+            <a:endParaRPr b="1" sz="1000">
+              <a:latin typeface="Times New Roman"/>
+              <a:ea typeface="Times New Roman"/>
+              <a:cs typeface="Times New Roman"/>
+              <a:sym typeface="Times New Roman"/>
+            </a:endParaRPr>
           </a:p>
         </p:txBody>
       </p:sp>
       <p:sp>
         <p:nvSpPr>
-          <p:cNvPr id="171" name="Google Shape;171;g29f92348849_0_1:notes"/>
+          <p:cNvPr id="177" name="Google Shape;177;g29f6ee2ec7e_0_49:notes"/>
           <p:cNvSpPr txBox="1"/>
           <p:nvPr>
             <p:ph idx="12" type="sldNum"/>
@@ -1752,7 +1758,7 @@
   <p:cSld>
     <p:spTree>
       <p:nvGrpSpPr>
-        <p:cNvPr id="176" name="Shape 176"/>
+        <p:cNvPr id="182" name="Shape 182"/>
         <p:cNvGrpSpPr/>
         <p:nvPr/>
       </p:nvGrpSpPr>
@@ -1766,7 +1772,7 @@
       </p:grpSpPr>
       <p:sp>
         <p:nvSpPr>
-          <p:cNvPr id="177" name="Google Shape;177;g24625ab792e_0_224:notes"/>
+          <p:cNvPr id="183" name="Google Shape;183;g29f6ee2ec7e_0_60:notes"/>
           <p:cNvSpPr/>
           <p:nvPr>
             <p:ph idx="2" type="sldImg"/>
@@ -1811,7 +1817,7 @@
       </p:sp>
       <p:sp>
         <p:nvSpPr>
-          <p:cNvPr id="178" name="Google Shape;178;g24625ab792e_0_224:notes"/>
+          <p:cNvPr id="184" name="Google Shape;184;g29f6ee2ec7e_0_60:notes"/>
           <p:cNvSpPr txBox="1"/>
           <p:nvPr>
             <p:ph idx="1" type="body"/>
@@ -1846,13 +1852,7 @@
               <a:buNone/>
             </a:pPr>
             <a:r>
-              <a:rPr b="1" lang="ru-RU" sz="1000">
-                <a:latin typeface="Times New Roman"/>
-                <a:ea typeface="Times New Roman"/>
-                <a:cs typeface="Times New Roman"/>
-                <a:sym typeface="Times New Roman"/>
-              </a:rPr>
-              <a:t>Я так и не смог достать график битрейта записи у InfluxDB (и ничего похожего), я очень долго пытался 🥺</a:t>
+              <a:t/>
             </a:r>
             <a:endParaRPr b="1" sz="1000">
               <a:latin typeface="Times New Roman"/>
@@ -1865,7 +1865,7 @@
       </p:sp>
       <p:sp>
         <p:nvSpPr>
-          <p:cNvPr id="179" name="Google Shape;179;g24625ab792e_0_224:notes"/>
+          <p:cNvPr id="185" name="Google Shape;185;g29f6ee2ec7e_0_60:notes"/>
           <p:cNvSpPr txBox="1"/>
           <p:nvPr>
             <p:ph idx="12" type="sldNum"/>
@@ -1920,7 +1920,7 @@
   <p:cSld>
     <p:spTree>
       <p:nvGrpSpPr>
-        <p:cNvPr id="184" name="Shape 184"/>
+        <p:cNvPr id="190" name="Shape 190"/>
         <p:cNvGrpSpPr/>
         <p:nvPr/>
       </p:nvGrpSpPr>
@@ -1934,7 +1934,165 @@
       </p:grpSpPr>
       <p:sp>
         <p:nvSpPr>
-          <p:cNvPr id="185" name="Google Shape;185;g24625ab792e_0_16:notes"/>
+          <p:cNvPr id="191" name="Google Shape;191;p3:notes"/>
+          <p:cNvSpPr/>
+          <p:nvPr>
+            <p:ph idx="2" type="sldImg"/>
+          </p:nvPr>
+        </p:nvSpPr>
+        <p:spPr>
+          <a:xfrm>
+            <a:off x="398463" y="1243013"/>
+            <a:ext cx="5964237" cy="3355975"/>
+          </a:xfrm>
+          <a:custGeom>
+            <a:rect b="b" l="l" r="r" t="t"/>
+            <a:pathLst>
+              <a:path extrusionOk="0" h="120000" w="120000">
+                <a:moveTo>
+                  <a:pt x="0" y="0"/>
+                </a:moveTo>
+                <a:lnTo>
+                  <a:pt x="120000" y="0"/>
+                </a:lnTo>
+                <a:lnTo>
+                  <a:pt x="120000" y="120000"/>
+                </a:lnTo>
+                <a:lnTo>
+                  <a:pt x="0" y="120000"/>
+                </a:lnTo>
+                <a:close/>
+              </a:path>
+            </a:pathLst>
+          </a:custGeom>
+          <a:noFill/>
+          <a:ln cap="flat" cmpd="sng" w="12700">
+            <a:solidFill>
+              <a:srgbClr val="000000"/>
+            </a:solidFill>
+            <a:prstDash val="solid"/>
+            <a:round/>
+            <a:headEnd len="sm" w="sm" type="none"/>
+            <a:tailEnd len="sm" w="sm" type="none"/>
+          </a:ln>
+        </p:spPr>
+      </p:sp>
+      <p:sp>
+        <p:nvSpPr>
+          <p:cNvPr id="192" name="Google Shape;192;p3:notes"/>
+          <p:cNvSpPr txBox="1"/>
+          <p:nvPr>
+            <p:ph idx="1" type="body"/>
+          </p:nvPr>
+        </p:nvSpPr>
+        <p:spPr>
+          <a:xfrm>
+            <a:off x="676117" y="4784835"/>
+            <a:ext cx="5408930" cy="3914864"/>
+          </a:xfrm>
+          <a:prstGeom prst="rect">
+            <a:avLst/>
+          </a:prstGeom>
+          <a:noFill/>
+          <a:ln>
+            <a:noFill/>
+          </a:ln>
+        </p:spPr>
+        <p:txBody>
+          <a:bodyPr anchorCtr="0" anchor="t" bIns="45700" lIns="91425" spcFirstLastPara="1" rIns="91425" wrap="square" tIns="45700">
+            <a:noAutofit/>
+          </a:bodyPr>
+          <a:lstStyle/>
+          <a:p>
+            <a:pPr indent="0" lvl="0" marL="0" rtl="0" algn="l">
+              <a:spcBef>
+                <a:spcPts val="0"/>
+              </a:spcBef>
+              <a:spcAft>
+                <a:spcPts val="0"/>
+              </a:spcAft>
+              <a:buSzPts val="1100"/>
+              <a:buNone/>
+            </a:pPr>
+            <a:r>
+              <a:t/>
+            </a:r>
+            <a:endParaRPr/>
+          </a:p>
+        </p:txBody>
+      </p:sp>
+      <p:sp>
+        <p:nvSpPr>
+          <p:cNvPr id="193" name="Google Shape;193;p3:notes"/>
+          <p:cNvSpPr txBox="1"/>
+          <p:nvPr>
+            <p:ph idx="12" type="sldNum"/>
+          </p:nvPr>
+        </p:nvSpPr>
+        <p:spPr>
+          <a:xfrm>
+            <a:off x="3829761" y="9443662"/>
+            <a:ext cx="2929837" cy="498851"/>
+          </a:xfrm>
+          <a:prstGeom prst="rect">
+            <a:avLst/>
+          </a:prstGeom>
+          <a:noFill/>
+          <a:ln>
+            <a:noFill/>
+          </a:ln>
+        </p:spPr>
+        <p:txBody>
+          <a:bodyPr anchorCtr="0" anchor="b" bIns="45700" lIns="91425" spcFirstLastPara="1" rIns="91425" wrap="square" tIns="45700">
+            <a:noAutofit/>
+          </a:bodyPr>
+          <a:lstStyle/>
+          <a:p>
+            <a:pPr indent="0" lvl="0" marL="0" rtl="0" algn="r">
+              <a:spcBef>
+                <a:spcPts val="0"/>
+              </a:spcBef>
+              <a:spcAft>
+                <a:spcPts val="0"/>
+              </a:spcAft>
+              <a:buNone/>
+            </a:pPr>
+            <a:fld id="{00000000-1234-1234-1234-123412341234}" type="slidenum">
+              <a:rPr lang="ru-RU"/>
+              <a:t>‹#›</a:t>
+            </a:fld>
+            <a:endParaRPr/>
+          </a:p>
+        </p:txBody>
+      </p:sp>
+    </p:spTree>
+  </p:cSld>
+  <p:clrMapOvr>
+    <a:masterClrMapping/>
+  </p:clrMapOvr>
+</p:notes>
+</file>
+
+<file path=ppt/notesSlides/notesSlide13.xml><?xml version="1.0" encoding="utf-8"?>
+<p:notes xmlns:a="http://schemas.openxmlformats.org/drawingml/2006/main" xmlns:r="http://schemas.openxmlformats.org/officeDocument/2006/relationships" xmlns:mc="http://schemas.openxmlformats.org/markup-compatibility/2006" xmlns:mv="urn:schemas-microsoft-com:mac:vml" xmlns:p="http://schemas.openxmlformats.org/presentationml/2006/main" xmlns:c="http://schemas.openxmlformats.org/drawingml/2006/chart" xmlns:dgm="http://schemas.openxmlformats.org/drawingml/2006/diagram" xmlns:o="urn:schemas-microsoft-com:office:office" xmlns:v="urn:schemas-microsoft-com:vml" xmlns:pvml="urn:schemas-microsoft-com:office:powerpoint" xmlns:com="http://schemas.openxmlformats.org/drawingml/2006/compatibility" xmlns:p14="http://schemas.microsoft.com/office/powerpoint/2010/main" xmlns:p15="http://schemas.microsoft.com/office/powerpoint/2012/main" xmlns:ahyp="http://schemas.microsoft.com/office/drawing/2018/hyperlinkcolor" showMasterPhAnim="0" showMasterSp="0">
+  <p:cSld>
+    <p:spTree>
+      <p:nvGrpSpPr>
+        <p:cNvPr id="198" name="Shape 198"/>
+        <p:cNvGrpSpPr/>
+        <p:nvPr/>
+      </p:nvGrpSpPr>
+      <p:grpSpPr>
+        <a:xfrm>
+          <a:off x="0" y="0"/>
+          <a:ext cx="0" cy="0"/>
+          <a:chOff x="0" y="0"/>
+          <a:chExt cx="0" cy="0"/>
+        </a:xfrm>
+      </p:grpSpPr>
+      <p:sp>
+        <p:nvSpPr>
+          <p:cNvPr id="199" name="Google Shape;199;g29f92348849_0_1:notes"/>
           <p:cNvSpPr/>
           <p:nvPr>
             <p:ph idx="2" type="sldImg"/>
@@ -1979,7 +2137,7 @@
       </p:sp>
       <p:sp>
         <p:nvSpPr>
-          <p:cNvPr id="186" name="Google Shape;186;g24625ab792e_0_16:notes"/>
+          <p:cNvPr id="200" name="Google Shape;200;g29f92348849_0_1:notes"/>
           <p:cNvSpPr txBox="1"/>
           <p:nvPr>
             <p:ph idx="1" type="body"/>
@@ -2011,6 +2169,164 @@
               <a:spcAft>
                 <a:spcPts val="0"/>
               </a:spcAft>
+              <a:buSzPts val="1100"/>
+              <a:buNone/>
+            </a:pPr>
+            <a:r>
+              <a:t/>
+            </a:r>
+            <a:endParaRPr/>
+          </a:p>
+        </p:txBody>
+      </p:sp>
+      <p:sp>
+        <p:nvSpPr>
+          <p:cNvPr id="201" name="Google Shape;201;g29f92348849_0_1:notes"/>
+          <p:cNvSpPr txBox="1"/>
+          <p:nvPr>
+            <p:ph idx="12" type="sldNum"/>
+          </p:nvPr>
+        </p:nvSpPr>
+        <p:spPr>
+          <a:xfrm>
+            <a:off x="3829761" y="9443662"/>
+            <a:ext cx="2929800" cy="498900"/>
+          </a:xfrm>
+          <a:prstGeom prst="rect">
+            <a:avLst/>
+          </a:prstGeom>
+          <a:noFill/>
+          <a:ln>
+            <a:noFill/>
+          </a:ln>
+        </p:spPr>
+        <p:txBody>
+          <a:bodyPr anchorCtr="0" anchor="b" bIns="45700" lIns="91425" spcFirstLastPara="1" rIns="91425" wrap="square" tIns="45700">
+            <a:noAutofit/>
+          </a:bodyPr>
+          <a:lstStyle/>
+          <a:p>
+            <a:pPr indent="0" lvl="0" marL="0" rtl="0" algn="r">
+              <a:spcBef>
+                <a:spcPts val="0"/>
+              </a:spcBef>
+              <a:spcAft>
+                <a:spcPts val="0"/>
+              </a:spcAft>
+              <a:buNone/>
+            </a:pPr>
+            <a:fld id="{00000000-1234-1234-1234-123412341234}" type="slidenum">
+              <a:rPr lang="ru-RU"/>
+              <a:t>‹#›</a:t>
+            </a:fld>
+            <a:endParaRPr/>
+          </a:p>
+        </p:txBody>
+      </p:sp>
+    </p:spTree>
+  </p:cSld>
+  <p:clrMapOvr>
+    <a:masterClrMapping/>
+  </p:clrMapOvr>
+</p:notes>
+</file>
+
+<file path=ppt/notesSlides/notesSlide14.xml><?xml version="1.0" encoding="utf-8"?>
+<p:notes xmlns:a="http://schemas.openxmlformats.org/drawingml/2006/main" xmlns:r="http://schemas.openxmlformats.org/officeDocument/2006/relationships" xmlns:mc="http://schemas.openxmlformats.org/markup-compatibility/2006" xmlns:mv="urn:schemas-microsoft-com:mac:vml" xmlns:p="http://schemas.openxmlformats.org/presentationml/2006/main" xmlns:c="http://schemas.openxmlformats.org/drawingml/2006/chart" xmlns:dgm="http://schemas.openxmlformats.org/drawingml/2006/diagram" xmlns:o="urn:schemas-microsoft-com:office:office" xmlns:v="urn:schemas-microsoft-com:vml" xmlns:pvml="urn:schemas-microsoft-com:office:powerpoint" xmlns:com="http://schemas.openxmlformats.org/drawingml/2006/compatibility" xmlns:p14="http://schemas.microsoft.com/office/powerpoint/2010/main" xmlns:p15="http://schemas.microsoft.com/office/powerpoint/2012/main" xmlns:ahyp="http://schemas.microsoft.com/office/drawing/2018/hyperlinkcolor" showMasterPhAnim="0" showMasterSp="0">
+  <p:cSld>
+    <p:spTree>
+      <p:nvGrpSpPr>
+        <p:cNvPr id="206" name="Shape 206"/>
+        <p:cNvGrpSpPr/>
+        <p:nvPr/>
+      </p:nvGrpSpPr>
+      <p:grpSpPr>
+        <a:xfrm>
+          <a:off x="0" y="0"/>
+          <a:ext cx="0" cy="0"/>
+          <a:chOff x="0" y="0"/>
+          <a:chExt cx="0" cy="0"/>
+        </a:xfrm>
+      </p:grpSpPr>
+      <p:sp>
+        <p:nvSpPr>
+          <p:cNvPr id="207" name="Google Shape;207;g24625ab792e_0_16:notes"/>
+          <p:cNvSpPr/>
+          <p:nvPr>
+            <p:ph idx="2" type="sldImg"/>
+          </p:nvPr>
+        </p:nvSpPr>
+        <p:spPr>
+          <a:xfrm>
+            <a:off x="398463" y="1243013"/>
+            <a:ext cx="5964300" cy="3356100"/>
+          </a:xfrm>
+          <a:custGeom>
+            <a:rect b="b" l="l" r="r" t="t"/>
+            <a:pathLst>
+              <a:path extrusionOk="0" h="120000" w="120000">
+                <a:moveTo>
+                  <a:pt x="0" y="0"/>
+                </a:moveTo>
+                <a:lnTo>
+                  <a:pt x="120000" y="0"/>
+                </a:lnTo>
+                <a:lnTo>
+                  <a:pt x="120000" y="120000"/>
+                </a:lnTo>
+                <a:lnTo>
+                  <a:pt x="0" y="120000"/>
+                </a:lnTo>
+                <a:close/>
+              </a:path>
+            </a:pathLst>
+          </a:custGeom>
+          <a:noFill/>
+          <a:ln cap="flat" cmpd="sng" w="12700">
+            <a:solidFill>
+              <a:srgbClr val="000000"/>
+            </a:solidFill>
+            <a:prstDash val="solid"/>
+            <a:round/>
+            <a:headEnd len="sm" w="sm" type="none"/>
+            <a:tailEnd len="sm" w="sm" type="none"/>
+          </a:ln>
+        </p:spPr>
+      </p:sp>
+      <p:sp>
+        <p:nvSpPr>
+          <p:cNvPr id="208" name="Google Shape;208;g24625ab792e_0_16:notes"/>
+          <p:cNvSpPr txBox="1"/>
+          <p:nvPr>
+            <p:ph idx="1" type="body"/>
+          </p:nvPr>
+        </p:nvSpPr>
+        <p:spPr>
+          <a:xfrm>
+            <a:off x="676117" y="4784835"/>
+            <a:ext cx="5409000" cy="3915000"/>
+          </a:xfrm>
+          <a:prstGeom prst="rect">
+            <a:avLst/>
+          </a:prstGeom>
+          <a:noFill/>
+          <a:ln>
+            <a:noFill/>
+          </a:ln>
+        </p:spPr>
+        <p:txBody>
+          <a:bodyPr anchorCtr="0" anchor="t" bIns="45700" lIns="91425" spcFirstLastPara="1" rIns="91425" wrap="square" tIns="45700">
+            <a:noAutofit/>
+          </a:bodyPr>
+          <a:lstStyle/>
+          <a:p>
+            <a:pPr indent="0" lvl="0" marL="0" rtl="0" algn="l">
+              <a:spcBef>
+                <a:spcPts val="0"/>
+              </a:spcBef>
+              <a:spcAft>
+                <a:spcPts val="0"/>
+              </a:spcAft>
               <a:buNone/>
             </a:pPr>
             <a:r>
@@ -2027,7 +2343,7 @@
       </p:sp>
       <p:sp>
         <p:nvSpPr>
-          <p:cNvPr id="187" name="Google Shape;187;g24625ab792e_0_16:notes"/>
+          <p:cNvPr id="209" name="Google Shape;209;g24625ab792e_0_16:notes"/>
           <p:cNvSpPr txBox="1"/>
           <p:nvPr>
             <p:ph idx="12" type="sldNum"/>
@@ -2406,7 +2722,7 @@
   <p:cSld>
     <p:spTree>
       <p:nvGrpSpPr>
-        <p:cNvPr id="113" name="Shape 113"/>
+        <p:cNvPr id="114" name="Shape 114"/>
         <p:cNvGrpSpPr/>
         <p:nvPr/>
       </p:nvGrpSpPr>
@@ -2420,7 +2736,7 @@
       </p:grpSpPr>
       <p:sp>
         <p:nvSpPr>
-          <p:cNvPr id="114" name="Google Shape;114;g29f6ee2ec7e_0_16:notes"/>
+          <p:cNvPr id="115" name="Google Shape;115;g2a14a5eee53_0_0:notes"/>
           <p:cNvSpPr/>
           <p:nvPr>
             <p:ph idx="2" type="sldImg"/>
@@ -2465,7 +2781,7 @@
       </p:sp>
       <p:sp>
         <p:nvSpPr>
-          <p:cNvPr id="115" name="Google Shape;115;g29f6ee2ec7e_0_16:notes"/>
+          <p:cNvPr id="116" name="Google Shape;116;g2a14a5eee53_0_0:notes"/>
           <p:cNvSpPr txBox="1"/>
           <p:nvPr>
             <p:ph idx="1" type="body"/>
@@ -2513,7 +2829,7 @@
       </p:sp>
       <p:sp>
         <p:nvSpPr>
-          <p:cNvPr id="116" name="Google Shape;116;g29f6ee2ec7e_0_16:notes"/>
+          <p:cNvPr id="117" name="Google Shape;117;g2a14a5eee53_0_0:notes"/>
           <p:cNvSpPr txBox="1"/>
           <p:nvPr>
             <p:ph idx="12" type="sldNum"/>
@@ -2568,7 +2884,7 @@
   <p:cSld>
     <p:spTree>
       <p:nvGrpSpPr>
-        <p:cNvPr id="122" name="Shape 122"/>
+        <p:cNvPr id="124" name="Shape 124"/>
         <p:cNvGrpSpPr/>
         <p:nvPr/>
       </p:nvGrpSpPr>
@@ -2582,7 +2898,7 @@
       </p:grpSpPr>
       <p:sp>
         <p:nvSpPr>
-          <p:cNvPr id="123" name="Google Shape;123;g29f6ee2ec7e_0_27:notes"/>
+          <p:cNvPr id="125" name="Google Shape;125;g2a14a5eee53_0_19:notes"/>
           <p:cNvSpPr/>
           <p:nvPr>
             <p:ph idx="2" type="sldImg"/>
@@ -2627,7 +2943,7 @@
       </p:sp>
       <p:sp>
         <p:nvSpPr>
-          <p:cNvPr id="124" name="Google Shape;124;g29f6ee2ec7e_0_27:notes"/>
+          <p:cNvPr id="126" name="Google Shape;126;g2a14a5eee53_0_19:notes"/>
           <p:cNvSpPr txBox="1"/>
           <p:nvPr>
             <p:ph idx="1" type="body"/>
@@ -2675,7 +2991,7 @@
       </p:sp>
       <p:sp>
         <p:nvSpPr>
-          <p:cNvPr id="125" name="Google Shape;125;g29f6ee2ec7e_0_27:notes"/>
+          <p:cNvPr id="127" name="Google Shape;127;g2a14a5eee53_0_19:notes"/>
           <p:cNvSpPr txBox="1"/>
           <p:nvPr>
             <p:ph idx="12" type="sldNum"/>
@@ -2730,7 +3046,7 @@
   <p:cSld>
     <p:spTree>
       <p:nvGrpSpPr>
-        <p:cNvPr id="130" name="Shape 130"/>
+        <p:cNvPr id="136" name="Shape 136"/>
         <p:cNvGrpSpPr/>
         <p:nvPr/>
       </p:nvGrpSpPr>
@@ -2744,7 +3060,7 @@
       </p:grpSpPr>
       <p:sp>
         <p:nvSpPr>
-          <p:cNvPr id="131" name="Google Shape;131;g29f6ee2ec7e_0_38:notes"/>
+          <p:cNvPr id="137" name="Google Shape;137;g2a14a5eee53_0_13:notes"/>
           <p:cNvSpPr/>
           <p:nvPr>
             <p:ph idx="2" type="sldImg"/>
@@ -2789,7 +3105,7 @@
       </p:sp>
       <p:sp>
         <p:nvSpPr>
-          <p:cNvPr id="132" name="Google Shape;132;g29f6ee2ec7e_0_38:notes"/>
+          <p:cNvPr id="138" name="Google Shape;138;g2a14a5eee53_0_13:notes"/>
           <p:cNvSpPr txBox="1"/>
           <p:nvPr>
             <p:ph idx="1" type="body"/>
@@ -2837,7 +3153,7 @@
       </p:sp>
       <p:sp>
         <p:nvSpPr>
-          <p:cNvPr id="133" name="Google Shape;133;g29f6ee2ec7e_0_38:notes"/>
+          <p:cNvPr id="139" name="Google Shape;139;g2a14a5eee53_0_13:notes"/>
           <p:cNvSpPr txBox="1"/>
           <p:nvPr>
             <p:ph idx="12" type="sldNum"/>
@@ -2892,7 +3208,7 @@
   <p:cSld>
     <p:spTree>
       <p:nvGrpSpPr>
-        <p:cNvPr id="140" name="Shape 140"/>
+        <p:cNvPr id="148" name="Shape 148"/>
         <p:cNvGrpSpPr/>
         <p:nvPr/>
       </p:nvGrpSpPr>
@@ -2906,7 +3222,7 @@
       </p:grpSpPr>
       <p:sp>
         <p:nvSpPr>
-          <p:cNvPr id="141" name="Google Shape;141;g29f6ee2ec7e_0_49:notes"/>
+          <p:cNvPr id="149" name="Google Shape;149;g29f6ee2ec7e_0_16:notes"/>
           <p:cNvSpPr/>
           <p:nvPr>
             <p:ph idx="2" type="sldImg"/>
@@ -2951,7 +3267,7 @@
       </p:sp>
       <p:sp>
         <p:nvSpPr>
-          <p:cNvPr id="142" name="Google Shape;142;g29f6ee2ec7e_0_49:notes"/>
+          <p:cNvPr id="150" name="Google Shape;150;g29f6ee2ec7e_0_16:notes"/>
           <p:cNvSpPr txBox="1"/>
           <p:nvPr>
             <p:ph idx="1" type="body"/>
@@ -2999,7 +3315,7 @@
       </p:sp>
       <p:sp>
         <p:nvSpPr>
-          <p:cNvPr id="143" name="Google Shape;143;g29f6ee2ec7e_0_49:notes"/>
+          <p:cNvPr id="151" name="Google Shape;151;g29f6ee2ec7e_0_16:notes"/>
           <p:cNvSpPr txBox="1"/>
           <p:nvPr>
             <p:ph idx="12" type="sldNum"/>
@@ -3054,7 +3370,7 @@
   <p:cSld>
     <p:spTree>
       <p:nvGrpSpPr>
-        <p:cNvPr id="150" name="Shape 150"/>
+        <p:cNvPr id="158" name="Shape 158"/>
         <p:cNvGrpSpPr/>
         <p:nvPr/>
       </p:nvGrpSpPr>
@@ -3068,7 +3384,7 @@
       </p:grpSpPr>
       <p:sp>
         <p:nvSpPr>
-          <p:cNvPr id="151" name="Google Shape;151;g29f6ee2ec7e_0_60:notes"/>
+          <p:cNvPr id="159" name="Google Shape;159;g29f6ee2ec7e_0_27:notes"/>
           <p:cNvSpPr/>
           <p:nvPr>
             <p:ph idx="2" type="sldImg"/>
@@ -3113,7 +3429,7 @@
       </p:sp>
       <p:sp>
         <p:nvSpPr>
-          <p:cNvPr id="152" name="Google Shape;152;g29f6ee2ec7e_0_60:notes"/>
+          <p:cNvPr id="160" name="Google Shape;160;g29f6ee2ec7e_0_27:notes"/>
           <p:cNvSpPr txBox="1"/>
           <p:nvPr>
             <p:ph idx="1" type="body"/>
@@ -3161,7 +3477,7 @@
       </p:sp>
       <p:sp>
         <p:nvSpPr>
-          <p:cNvPr id="153" name="Google Shape;153;g29f6ee2ec7e_0_60:notes"/>
+          <p:cNvPr id="161" name="Google Shape;161;g29f6ee2ec7e_0_27:notes"/>
           <p:cNvSpPr txBox="1"/>
           <p:nvPr>
             <p:ph idx="12" type="sldNum"/>
@@ -3216,7 +3532,7 @@
   <p:cSld>
     <p:spTree>
       <p:nvGrpSpPr>
-        <p:cNvPr id="160" name="Shape 160"/>
+        <p:cNvPr id="166" name="Shape 166"/>
         <p:cNvGrpSpPr/>
         <p:nvPr/>
       </p:nvGrpSpPr>
@@ -3230,7 +3546,7 @@
       </p:grpSpPr>
       <p:sp>
         <p:nvSpPr>
-          <p:cNvPr id="161" name="Google Shape;161;p3:notes"/>
+          <p:cNvPr id="167" name="Google Shape;167;g29f6ee2ec7e_0_38:notes"/>
           <p:cNvSpPr/>
           <p:nvPr>
             <p:ph idx="2" type="sldImg"/>
@@ -3239,7 +3555,7 @@
         <p:spPr>
           <a:xfrm>
             <a:off x="398463" y="1243013"/>
-            <a:ext cx="5964237" cy="3355975"/>
+            <a:ext cx="5964300" cy="3356100"/>
           </a:xfrm>
           <a:custGeom>
             <a:rect b="b" l="l" r="r" t="t"/>
@@ -3275,7 +3591,7 @@
       </p:sp>
       <p:sp>
         <p:nvSpPr>
-          <p:cNvPr id="162" name="Google Shape;162;p3:notes"/>
+          <p:cNvPr id="168" name="Google Shape;168;g29f6ee2ec7e_0_38:notes"/>
           <p:cNvSpPr txBox="1"/>
           <p:nvPr>
             <p:ph idx="1" type="body"/>
@@ -3284,7 +3600,7 @@
         <p:spPr>
           <a:xfrm>
             <a:off x="676117" y="4784835"/>
-            <a:ext cx="5408930" cy="3914864"/>
+            <a:ext cx="5409000" cy="3915000"/>
           </a:xfrm>
           <a:prstGeom prst="rect">
             <a:avLst/>
@@ -3307,19 +3623,23 @@
               <a:spcAft>
                 <a:spcPts val="0"/>
               </a:spcAft>
-              <a:buSzPts val="1100"/>
               <a:buNone/>
             </a:pPr>
             <a:r>
               <a:t/>
             </a:r>
-            <a:endParaRPr/>
+            <a:endParaRPr b="1" sz="1000">
+              <a:latin typeface="Times New Roman"/>
+              <a:ea typeface="Times New Roman"/>
+              <a:cs typeface="Times New Roman"/>
+              <a:sym typeface="Times New Roman"/>
+            </a:endParaRPr>
           </a:p>
         </p:txBody>
       </p:sp>
       <p:sp>
         <p:nvSpPr>
-          <p:cNvPr id="163" name="Google Shape;163;p3:notes"/>
+          <p:cNvPr id="169" name="Google Shape;169;g29f6ee2ec7e_0_38:notes"/>
           <p:cNvSpPr txBox="1"/>
           <p:nvPr>
             <p:ph idx="12" type="sldNum"/>
@@ -3328,7 +3648,7 @@
         <p:spPr>
           <a:xfrm>
             <a:off x="3829761" y="9443662"/>
-            <a:ext cx="2929837" cy="498851"/>
+            <a:ext cx="2929800" cy="498900"/>
           </a:xfrm>
           <a:prstGeom prst="rect">
             <a:avLst/>
@@ -13872,7 +14192,16 @@
                 <a:cs typeface="Times New Roman"/>
                 <a:sym typeface="Times New Roman"/>
               </a:rPr>
-              <a:t>Научный руководитель: Строганов Юрий Владимирович</a:t>
+              <a:t>Р</a:t>
+            </a:r>
+            <a:r>
+              <a:rPr lang="ru-RU">
+                <a:latin typeface="Times New Roman"/>
+                <a:ea typeface="Times New Roman"/>
+                <a:cs typeface="Times New Roman"/>
+                <a:sym typeface="Times New Roman"/>
+              </a:rPr>
+              <a:t>уководитель: Строганов Юрий Владимирович</a:t>
             </a:r>
             <a:endParaRPr>
               <a:latin typeface="Times New Roman"/>
@@ -14029,7 +14358,7 @@
   <p:cSld>
     <p:spTree>
       <p:nvGrpSpPr>
-        <p:cNvPr id="172" name="Shape 172"/>
+        <p:cNvPr id="178" name="Shape 178"/>
         <p:cNvGrpSpPr/>
         <p:nvPr/>
       </p:nvGrpSpPr>
@@ -14043,7 +14372,2562 @@
       </p:grpSpPr>
       <p:sp>
         <p:nvSpPr>
-          <p:cNvPr id="173" name="Google Shape;173;p23"/>
+          <p:cNvPr id="179" name="Google Shape;179;p23"/>
+          <p:cNvSpPr txBox="1"/>
+          <p:nvPr>
+            <p:ph type="title"/>
+          </p:nvPr>
+        </p:nvSpPr>
+        <p:spPr>
+          <a:xfrm>
+            <a:off x="838175" y="0"/>
+            <a:ext cx="10515600" cy="1325700"/>
+          </a:xfrm>
+          <a:prstGeom prst="rect">
+            <a:avLst/>
+          </a:prstGeom>
+          <a:noFill/>
+          <a:ln>
+            <a:noFill/>
+          </a:ln>
+        </p:spPr>
+        <p:txBody>
+          <a:bodyPr anchorCtr="0" anchor="ctr" bIns="45700" lIns="91425" spcFirstLastPara="1" rIns="91425" wrap="square" tIns="45700">
+            <a:normAutofit/>
+          </a:bodyPr>
+          <a:lstStyle/>
+          <a:p>
+            <a:pPr indent="0" lvl="0" marL="0" rtl="0" algn="l">
+              <a:spcBef>
+                <a:spcPts val="0"/>
+              </a:spcBef>
+              <a:spcAft>
+                <a:spcPts val="0"/>
+              </a:spcAft>
+              <a:buClr>
+                <a:schemeClr val="dk1"/>
+              </a:buClr>
+              <a:buSzPts val="4400"/>
+              <a:buFont typeface="Times New Roman"/>
+              <a:buNone/>
+            </a:pPr>
+            <a:r>
+              <a:rPr lang="ru-RU">
+                <a:latin typeface="Times New Roman"/>
+                <a:ea typeface="Times New Roman"/>
+                <a:cs typeface="Times New Roman"/>
+                <a:sym typeface="Times New Roman"/>
+              </a:rPr>
+              <a:t>Управление памятью в </a:t>
+            </a:r>
+            <a:r>
+              <a:rPr lang="ru-RU">
+                <a:latin typeface="Times New Roman"/>
+                <a:ea typeface="Times New Roman"/>
+                <a:cs typeface="Times New Roman"/>
+                <a:sym typeface="Times New Roman"/>
+              </a:rPr>
+              <a:t>C#</a:t>
+            </a:r>
+            <a:endParaRPr>
+              <a:latin typeface="Times New Roman"/>
+              <a:ea typeface="Times New Roman"/>
+              <a:cs typeface="Times New Roman"/>
+              <a:sym typeface="Times New Roman"/>
+            </a:endParaRPr>
+          </a:p>
+        </p:txBody>
+      </p:sp>
+      <p:sp>
+        <p:nvSpPr>
+          <p:cNvPr id="180" name="Google Shape;180;p23"/>
+          <p:cNvSpPr txBox="1"/>
+          <p:nvPr/>
+        </p:nvSpPr>
+        <p:spPr>
+          <a:xfrm>
+            <a:off x="502925" y="1022300"/>
+            <a:ext cx="11186100" cy="5529600"/>
+          </a:xfrm>
+          <a:prstGeom prst="rect">
+            <a:avLst/>
+          </a:prstGeom>
+          <a:noFill/>
+          <a:ln>
+            <a:noFill/>
+          </a:ln>
+        </p:spPr>
+        <p:txBody>
+          <a:bodyPr anchorCtr="0" anchor="t" bIns="91425" lIns="91425" spcFirstLastPara="1" rIns="91425" wrap="square" tIns="91425">
+            <a:noAutofit/>
+          </a:bodyPr>
+          <a:lstStyle/>
+          <a:p>
+            <a:pPr indent="-387350" lvl="0" marL="457200" rtl="0" algn="l">
+              <a:lnSpc>
+                <a:spcPct val="90000"/>
+              </a:lnSpc>
+              <a:spcBef>
+                <a:spcPts val="1600"/>
+              </a:spcBef>
+              <a:spcAft>
+                <a:spcPts val="0"/>
+              </a:spcAft>
+              <a:buClr>
+                <a:schemeClr val="dk1"/>
+              </a:buClr>
+              <a:buSzPts val="2500"/>
+              <a:buFont typeface="Times New Roman"/>
+              <a:buChar char="-"/>
+            </a:pPr>
+            <a:r>
+              <a:rPr lang="ru-RU" sz="2500">
+                <a:solidFill>
+                  <a:schemeClr val="dk1"/>
+                </a:solidFill>
+                <a:latin typeface="Times New Roman"/>
+                <a:ea typeface="Times New Roman"/>
+                <a:cs typeface="Times New Roman"/>
+                <a:sym typeface="Times New Roman"/>
+              </a:rPr>
+              <a:t>Управление памятью на уровне среды выполнения </a:t>
+            </a:r>
+            <a:r>
+              <a:rPr lang="ru-RU" sz="2500">
+                <a:solidFill>
+                  <a:schemeClr val="dk1"/>
+                </a:solidFill>
+                <a:latin typeface="Times New Roman"/>
+                <a:ea typeface="Times New Roman"/>
+                <a:cs typeface="Times New Roman"/>
+                <a:sym typeface="Times New Roman"/>
+              </a:rPr>
+              <a:t>–</a:t>
+            </a:r>
+            <a:r>
+              <a:rPr lang="ru-RU" sz="2500">
+                <a:solidFill>
+                  <a:schemeClr val="dk1"/>
+                </a:solidFill>
+                <a:latin typeface="Times New Roman"/>
+                <a:ea typeface="Times New Roman"/>
+                <a:cs typeface="Times New Roman"/>
+                <a:sym typeface="Times New Roman"/>
+              </a:rPr>
+              <a:t> платформы .NET.</a:t>
+            </a:r>
+            <a:endParaRPr sz="2500">
+              <a:solidFill>
+                <a:schemeClr val="dk1"/>
+              </a:solidFill>
+              <a:latin typeface="Times New Roman"/>
+              <a:ea typeface="Times New Roman"/>
+              <a:cs typeface="Times New Roman"/>
+              <a:sym typeface="Times New Roman"/>
+            </a:endParaRPr>
+          </a:p>
+          <a:p>
+            <a:pPr indent="-387350" lvl="0" marL="457200" rtl="0" algn="l">
+              <a:lnSpc>
+                <a:spcPct val="90000"/>
+              </a:lnSpc>
+              <a:spcBef>
+                <a:spcPts val="0"/>
+              </a:spcBef>
+              <a:spcAft>
+                <a:spcPts val="0"/>
+              </a:spcAft>
+              <a:buClr>
+                <a:schemeClr val="dk1"/>
+              </a:buClr>
+              <a:buSzPts val="2500"/>
+              <a:buFont typeface="Times New Roman"/>
+              <a:buChar char="-"/>
+            </a:pPr>
+            <a:r>
+              <a:rPr lang="ru-RU" sz="2500">
+                <a:solidFill>
+                  <a:schemeClr val="dk1"/>
+                </a:solidFill>
+                <a:latin typeface="Times New Roman"/>
+                <a:ea typeface="Times New Roman"/>
+                <a:cs typeface="Times New Roman"/>
+                <a:sym typeface="Times New Roman"/>
+              </a:rPr>
+              <a:t>Использование файла подкачки при нехватке памяти.</a:t>
+            </a:r>
+            <a:endParaRPr sz="2500">
+              <a:solidFill>
+                <a:schemeClr val="dk1"/>
+              </a:solidFill>
+              <a:latin typeface="Times New Roman"/>
+              <a:ea typeface="Times New Roman"/>
+              <a:cs typeface="Times New Roman"/>
+              <a:sym typeface="Times New Roman"/>
+            </a:endParaRPr>
+          </a:p>
+          <a:p>
+            <a:pPr indent="-387350" lvl="0" marL="457200" rtl="0" algn="l">
+              <a:lnSpc>
+                <a:spcPct val="90000"/>
+              </a:lnSpc>
+              <a:spcBef>
+                <a:spcPts val="0"/>
+              </a:spcBef>
+              <a:spcAft>
+                <a:spcPts val="0"/>
+              </a:spcAft>
+              <a:buClr>
+                <a:schemeClr val="dk1"/>
+              </a:buClr>
+              <a:buSzPts val="2500"/>
+              <a:buFont typeface="Times New Roman"/>
+              <a:buChar char="-"/>
+            </a:pPr>
+            <a:r>
+              <a:rPr lang="ru-RU" sz="2500">
+                <a:solidFill>
+                  <a:schemeClr val="dk1"/>
+                </a:solidFill>
+                <a:latin typeface="Times New Roman"/>
+                <a:ea typeface="Times New Roman"/>
+                <a:cs typeface="Times New Roman"/>
+                <a:sym typeface="Times New Roman"/>
+              </a:rPr>
+              <a:t>Хранение объектов размером более 85000 байт в отдельном разделе – LOH.</a:t>
+            </a:r>
+            <a:endParaRPr sz="2500">
+              <a:solidFill>
+                <a:schemeClr val="dk1"/>
+              </a:solidFill>
+              <a:latin typeface="Times New Roman"/>
+              <a:ea typeface="Times New Roman"/>
+              <a:cs typeface="Times New Roman"/>
+              <a:sym typeface="Times New Roman"/>
+            </a:endParaRPr>
+          </a:p>
+          <a:p>
+            <a:pPr indent="-387350" lvl="0" marL="457200" rtl="0" algn="l">
+              <a:lnSpc>
+                <a:spcPct val="90000"/>
+              </a:lnSpc>
+              <a:spcBef>
+                <a:spcPts val="0"/>
+              </a:spcBef>
+              <a:spcAft>
+                <a:spcPts val="0"/>
+              </a:spcAft>
+              <a:buClr>
+                <a:schemeClr val="dk1"/>
+              </a:buClr>
+              <a:buSzPts val="2500"/>
+              <a:buFont typeface="Times New Roman"/>
+              <a:buChar char="-"/>
+            </a:pPr>
+            <a:r>
+              <a:rPr lang="ru-RU" sz="2500">
+                <a:solidFill>
+                  <a:schemeClr val="dk1"/>
+                </a:solidFill>
+                <a:latin typeface="Times New Roman"/>
+                <a:ea typeface="Times New Roman"/>
+                <a:cs typeface="Times New Roman"/>
+                <a:sym typeface="Times New Roman"/>
+              </a:rPr>
+              <a:t>Сборка мусора по алгоритму mark-compact.</a:t>
+            </a:r>
+            <a:endParaRPr sz="2500">
+              <a:solidFill>
+                <a:schemeClr val="dk1"/>
+              </a:solidFill>
+              <a:latin typeface="Times New Roman"/>
+              <a:ea typeface="Times New Roman"/>
+              <a:cs typeface="Times New Roman"/>
+              <a:sym typeface="Times New Roman"/>
+            </a:endParaRPr>
+          </a:p>
+          <a:p>
+            <a:pPr indent="-387350" lvl="0" marL="457200" rtl="0" algn="l">
+              <a:lnSpc>
+                <a:spcPct val="90000"/>
+              </a:lnSpc>
+              <a:spcBef>
+                <a:spcPts val="0"/>
+              </a:spcBef>
+              <a:spcAft>
+                <a:spcPts val="0"/>
+              </a:spcAft>
+              <a:buClr>
+                <a:schemeClr val="dk1"/>
+              </a:buClr>
+              <a:buSzPts val="2500"/>
+              <a:buFont typeface="Times New Roman"/>
+              <a:buChar char="-"/>
+            </a:pPr>
+            <a:r>
+              <a:rPr lang="ru-RU" sz="2500">
+                <a:solidFill>
+                  <a:schemeClr val="dk1"/>
+                </a:solidFill>
+                <a:latin typeface="Times New Roman"/>
+                <a:ea typeface="Times New Roman"/>
+                <a:cs typeface="Times New Roman"/>
+                <a:sym typeface="Times New Roman"/>
+              </a:rPr>
+              <a:t>Использование алгоритма поколений.</a:t>
+            </a:r>
+            <a:endParaRPr sz="2500">
+              <a:solidFill>
+                <a:schemeClr val="dk1"/>
+              </a:solidFill>
+              <a:latin typeface="Times New Roman"/>
+              <a:ea typeface="Times New Roman"/>
+              <a:cs typeface="Times New Roman"/>
+              <a:sym typeface="Times New Roman"/>
+            </a:endParaRPr>
+          </a:p>
+          <a:p>
+            <a:pPr indent="-387350" lvl="0" marL="457200" rtl="0" algn="l">
+              <a:lnSpc>
+                <a:spcPct val="90000"/>
+              </a:lnSpc>
+              <a:spcBef>
+                <a:spcPts val="0"/>
+              </a:spcBef>
+              <a:spcAft>
+                <a:spcPts val="0"/>
+              </a:spcAft>
+              <a:buClr>
+                <a:schemeClr val="dk1"/>
+              </a:buClr>
+              <a:buSzPts val="2500"/>
+              <a:buFont typeface="Times New Roman"/>
+              <a:buChar char="-"/>
+            </a:pPr>
+            <a:r>
+              <a:rPr lang="ru-RU" sz="2500">
+                <a:solidFill>
+                  <a:schemeClr val="dk1"/>
+                </a:solidFill>
+                <a:latin typeface="Times New Roman"/>
+                <a:ea typeface="Times New Roman"/>
+                <a:cs typeface="Times New Roman"/>
+                <a:sym typeface="Times New Roman"/>
+              </a:rPr>
+              <a:t>Предоставление возможности выбора режима сборки мусора:</a:t>
+            </a:r>
+            <a:endParaRPr sz="2500">
+              <a:solidFill>
+                <a:schemeClr val="dk1"/>
+              </a:solidFill>
+              <a:latin typeface="Times New Roman"/>
+              <a:ea typeface="Times New Roman"/>
+              <a:cs typeface="Times New Roman"/>
+              <a:sym typeface="Times New Roman"/>
+            </a:endParaRPr>
+          </a:p>
+          <a:p>
+            <a:pPr indent="-387350" lvl="1" marL="914400" rtl="0" algn="l">
+              <a:lnSpc>
+                <a:spcPct val="90000"/>
+              </a:lnSpc>
+              <a:spcBef>
+                <a:spcPts val="0"/>
+              </a:spcBef>
+              <a:spcAft>
+                <a:spcPts val="0"/>
+              </a:spcAft>
+              <a:buClr>
+                <a:schemeClr val="dk1"/>
+              </a:buClr>
+              <a:buSzPts val="2500"/>
+              <a:buFont typeface="Times New Roman"/>
+              <a:buChar char="-"/>
+            </a:pPr>
+            <a:r>
+              <a:rPr lang="ru-RU" sz="2500">
+                <a:solidFill>
+                  <a:schemeClr val="dk1"/>
+                </a:solidFill>
+                <a:latin typeface="Times New Roman"/>
+                <a:ea typeface="Times New Roman"/>
+                <a:cs typeface="Times New Roman"/>
+                <a:sym typeface="Times New Roman"/>
+              </a:rPr>
+              <a:t>сборка мусора рабочей станции;</a:t>
+            </a:r>
+            <a:endParaRPr sz="2500">
+              <a:solidFill>
+                <a:schemeClr val="dk1"/>
+              </a:solidFill>
+              <a:latin typeface="Times New Roman"/>
+              <a:ea typeface="Times New Roman"/>
+              <a:cs typeface="Times New Roman"/>
+              <a:sym typeface="Times New Roman"/>
+            </a:endParaRPr>
+          </a:p>
+          <a:p>
+            <a:pPr indent="-387350" lvl="1" marL="914400" rtl="0" algn="l">
+              <a:lnSpc>
+                <a:spcPct val="90000"/>
+              </a:lnSpc>
+              <a:spcBef>
+                <a:spcPts val="0"/>
+              </a:spcBef>
+              <a:spcAft>
+                <a:spcPts val="0"/>
+              </a:spcAft>
+              <a:buClr>
+                <a:schemeClr val="dk1"/>
+              </a:buClr>
+              <a:buSzPts val="2500"/>
+              <a:buFont typeface="Times New Roman"/>
+              <a:buChar char="-"/>
+            </a:pPr>
+            <a:r>
+              <a:rPr lang="ru-RU" sz="2500">
+                <a:solidFill>
+                  <a:schemeClr val="dk1"/>
+                </a:solidFill>
+                <a:latin typeface="Times New Roman"/>
+                <a:ea typeface="Times New Roman"/>
+                <a:cs typeface="Times New Roman"/>
+                <a:sym typeface="Times New Roman"/>
+              </a:rPr>
+              <a:t>серверная сборка мусора.</a:t>
+            </a:r>
+            <a:endParaRPr sz="2500">
+              <a:solidFill>
+                <a:schemeClr val="dk1"/>
+              </a:solidFill>
+              <a:latin typeface="Times New Roman"/>
+              <a:ea typeface="Times New Roman"/>
+              <a:cs typeface="Times New Roman"/>
+              <a:sym typeface="Times New Roman"/>
+            </a:endParaRPr>
+          </a:p>
+        </p:txBody>
+      </p:sp>
+      <p:sp>
+        <p:nvSpPr>
+          <p:cNvPr id="181" name="Google Shape;181;p23"/>
+          <p:cNvSpPr txBox="1"/>
+          <p:nvPr>
+            <p:ph idx="12" type="sldNum"/>
+          </p:nvPr>
+        </p:nvSpPr>
+        <p:spPr>
+          <a:xfrm>
+            <a:off x="8610600" y="6356350"/>
+            <a:ext cx="2743200" cy="365100"/>
+          </a:xfrm>
+          <a:prstGeom prst="rect">
+            <a:avLst/>
+          </a:prstGeom>
+        </p:spPr>
+        <p:txBody>
+          <a:bodyPr anchorCtr="0" anchor="ctr" bIns="45700" lIns="91425" spcFirstLastPara="1" rIns="91425" wrap="square" tIns="45700">
+            <a:noAutofit/>
+          </a:bodyPr>
+          <a:lstStyle/>
+          <a:p>
+            <a:pPr indent="0" lvl="0" marL="0" rtl="0" algn="r">
+              <a:spcBef>
+                <a:spcPts val="0"/>
+              </a:spcBef>
+              <a:spcAft>
+                <a:spcPts val="0"/>
+              </a:spcAft>
+              <a:buClr>
+                <a:srgbClr val="000000"/>
+              </a:buClr>
+              <a:buFont typeface="Arial"/>
+              <a:buNone/>
+            </a:pPr>
+            <a:fld id="{00000000-1234-1234-1234-123412341234}" type="slidenum">
+              <a:rPr lang="ru-RU"/>
+              <a:t>‹#›</a:t>
+            </a:fld>
+            <a:endParaRPr/>
+          </a:p>
+        </p:txBody>
+      </p:sp>
+    </p:spTree>
+  </p:cSld>
+  <p:clrMapOvr>
+    <a:masterClrMapping/>
+  </p:clrMapOvr>
+</p:sld>
+</file>
+
+<file path=ppt/slides/slide11.xml><?xml version="1.0" encoding="utf-8"?>
+<p:sld xmlns:a="http://schemas.openxmlformats.org/drawingml/2006/main" xmlns:r="http://schemas.openxmlformats.org/officeDocument/2006/relationships" xmlns:mc="http://schemas.openxmlformats.org/markup-compatibility/2006" xmlns:mv="urn:schemas-microsoft-com:mac:vml" xmlns:p="http://schemas.openxmlformats.org/presentationml/2006/main" xmlns:c="http://schemas.openxmlformats.org/drawingml/2006/chart" xmlns:dgm="http://schemas.openxmlformats.org/drawingml/2006/diagram" xmlns:o="urn:schemas-microsoft-com:office:office" xmlns:v="urn:schemas-microsoft-com:vml" xmlns:pvml="urn:schemas-microsoft-com:office:powerpoint" xmlns:com="http://schemas.openxmlformats.org/drawingml/2006/compatibility" xmlns:p14="http://schemas.microsoft.com/office/powerpoint/2010/main" xmlns:p15="http://schemas.microsoft.com/office/powerpoint/2012/main" xmlns:ahyp="http://schemas.microsoft.com/office/drawing/2018/hyperlinkcolor">
+  <p:cSld>
+    <p:spTree>
+      <p:nvGrpSpPr>
+        <p:cNvPr id="186" name="Shape 186"/>
+        <p:cNvGrpSpPr/>
+        <p:nvPr/>
+      </p:nvGrpSpPr>
+      <p:grpSpPr>
+        <a:xfrm>
+          <a:off x="0" y="0"/>
+          <a:ext cx="0" cy="0"/>
+          <a:chOff x="0" y="0"/>
+          <a:chExt cx="0" cy="0"/>
+        </a:xfrm>
+      </p:grpSpPr>
+      <p:sp>
+        <p:nvSpPr>
+          <p:cNvPr id="187" name="Google Shape;187;p24"/>
+          <p:cNvSpPr txBox="1"/>
+          <p:nvPr>
+            <p:ph type="title"/>
+          </p:nvPr>
+        </p:nvSpPr>
+        <p:spPr>
+          <a:xfrm>
+            <a:off x="838175" y="0"/>
+            <a:ext cx="10515600" cy="1325700"/>
+          </a:xfrm>
+          <a:prstGeom prst="rect">
+            <a:avLst/>
+          </a:prstGeom>
+          <a:noFill/>
+          <a:ln>
+            <a:noFill/>
+          </a:ln>
+        </p:spPr>
+        <p:txBody>
+          <a:bodyPr anchorCtr="0" anchor="ctr" bIns="45700" lIns="91425" spcFirstLastPara="1" rIns="91425" wrap="square" tIns="45700">
+            <a:normAutofit/>
+          </a:bodyPr>
+          <a:lstStyle/>
+          <a:p>
+            <a:pPr indent="0" lvl="0" marL="0" rtl="0" algn="l">
+              <a:spcBef>
+                <a:spcPts val="0"/>
+              </a:spcBef>
+              <a:spcAft>
+                <a:spcPts val="0"/>
+              </a:spcAft>
+              <a:buClr>
+                <a:schemeClr val="dk1"/>
+              </a:buClr>
+              <a:buSzPts val="4400"/>
+              <a:buFont typeface="Times New Roman"/>
+              <a:buNone/>
+            </a:pPr>
+            <a:r>
+              <a:rPr lang="ru-RU">
+                <a:latin typeface="Times New Roman"/>
+                <a:ea typeface="Times New Roman"/>
+                <a:cs typeface="Times New Roman"/>
+                <a:sym typeface="Times New Roman"/>
+              </a:rPr>
+              <a:t>Управление памятью в </a:t>
+            </a:r>
+            <a:r>
+              <a:rPr lang="ru-RU">
+                <a:latin typeface="Times New Roman"/>
+                <a:ea typeface="Times New Roman"/>
+                <a:cs typeface="Times New Roman"/>
+                <a:sym typeface="Times New Roman"/>
+              </a:rPr>
+              <a:t>Golang</a:t>
+            </a:r>
+            <a:endParaRPr>
+              <a:latin typeface="Times New Roman"/>
+              <a:ea typeface="Times New Roman"/>
+              <a:cs typeface="Times New Roman"/>
+              <a:sym typeface="Times New Roman"/>
+            </a:endParaRPr>
+          </a:p>
+        </p:txBody>
+      </p:sp>
+      <p:sp>
+        <p:nvSpPr>
+          <p:cNvPr id="188" name="Google Shape;188;p24"/>
+          <p:cNvSpPr txBox="1"/>
+          <p:nvPr/>
+        </p:nvSpPr>
+        <p:spPr>
+          <a:xfrm>
+            <a:off x="502925" y="1022300"/>
+            <a:ext cx="11348100" cy="5603700"/>
+          </a:xfrm>
+          <a:prstGeom prst="rect">
+            <a:avLst/>
+          </a:prstGeom>
+          <a:noFill/>
+          <a:ln>
+            <a:noFill/>
+          </a:ln>
+        </p:spPr>
+        <p:txBody>
+          <a:bodyPr anchorCtr="0" anchor="t" bIns="91425" lIns="91425" spcFirstLastPara="1" rIns="91425" wrap="square" tIns="91425">
+            <a:noAutofit/>
+          </a:bodyPr>
+          <a:lstStyle/>
+          <a:p>
+            <a:pPr indent="-387350" lvl="0" marL="457200" rtl="0" algn="l">
+              <a:lnSpc>
+                <a:spcPct val="90000"/>
+              </a:lnSpc>
+              <a:spcBef>
+                <a:spcPts val="1600"/>
+              </a:spcBef>
+              <a:spcAft>
+                <a:spcPts val="0"/>
+              </a:spcAft>
+              <a:buClr>
+                <a:schemeClr val="dk1"/>
+              </a:buClr>
+              <a:buSzPts val="2500"/>
+              <a:buFont typeface="Times New Roman"/>
+              <a:buChar char="-"/>
+            </a:pPr>
+            <a:r>
+              <a:rPr lang="ru-RU" sz="2500">
+                <a:solidFill>
+                  <a:schemeClr val="dk1"/>
+                </a:solidFill>
+                <a:latin typeface="Times New Roman"/>
+                <a:ea typeface="Times New Roman"/>
+                <a:cs typeface="Times New Roman"/>
+                <a:sym typeface="Times New Roman"/>
+              </a:rPr>
+              <a:t>Среда выполнения встроена в исполняемый файл.</a:t>
+            </a:r>
+            <a:endParaRPr sz="2500">
+              <a:solidFill>
+                <a:schemeClr val="dk1"/>
+              </a:solidFill>
+              <a:latin typeface="Times New Roman"/>
+              <a:ea typeface="Times New Roman"/>
+              <a:cs typeface="Times New Roman"/>
+              <a:sym typeface="Times New Roman"/>
+            </a:endParaRPr>
+          </a:p>
+          <a:p>
+            <a:pPr indent="-387350" lvl="0" marL="457200" rtl="0" algn="l">
+              <a:lnSpc>
+                <a:spcPct val="90000"/>
+              </a:lnSpc>
+              <a:spcBef>
+                <a:spcPts val="0"/>
+              </a:spcBef>
+              <a:spcAft>
+                <a:spcPts val="0"/>
+              </a:spcAft>
+              <a:buClr>
+                <a:schemeClr val="dk1"/>
+              </a:buClr>
+              <a:buSzPts val="2500"/>
+              <a:buFont typeface="Times New Roman"/>
+              <a:buChar char="-"/>
+            </a:pPr>
+            <a:r>
+              <a:rPr lang="ru-RU" sz="2500">
+                <a:solidFill>
+                  <a:schemeClr val="dk1"/>
+                </a:solidFill>
+                <a:latin typeface="Times New Roman"/>
+                <a:ea typeface="Times New Roman"/>
+                <a:cs typeface="Times New Roman"/>
+                <a:sym typeface="Times New Roman"/>
+              </a:rPr>
+              <a:t>Использование классов размеров для выделения памяти.</a:t>
+            </a:r>
+            <a:endParaRPr sz="2500">
+              <a:solidFill>
+                <a:schemeClr val="dk1"/>
+              </a:solidFill>
+              <a:latin typeface="Times New Roman"/>
+              <a:ea typeface="Times New Roman"/>
+              <a:cs typeface="Times New Roman"/>
+              <a:sym typeface="Times New Roman"/>
+            </a:endParaRPr>
+          </a:p>
+          <a:p>
+            <a:pPr indent="-387350" lvl="0" marL="457200" rtl="0" algn="l">
+              <a:lnSpc>
+                <a:spcPct val="90000"/>
+              </a:lnSpc>
+              <a:spcBef>
+                <a:spcPts val="0"/>
+              </a:spcBef>
+              <a:spcAft>
+                <a:spcPts val="0"/>
+              </a:spcAft>
+              <a:buClr>
+                <a:schemeClr val="dk1"/>
+              </a:buClr>
+              <a:buSzPts val="2500"/>
+              <a:buFont typeface="Times New Roman"/>
+              <a:buChar char="-"/>
+            </a:pPr>
+            <a:r>
+              <a:rPr lang="ru-RU" sz="2500">
+                <a:solidFill>
+                  <a:schemeClr val="dk1"/>
+                </a:solidFill>
+                <a:latin typeface="Times New Roman"/>
+                <a:ea typeface="Times New Roman"/>
+                <a:cs typeface="Times New Roman"/>
+                <a:sym typeface="Times New Roman"/>
+              </a:rPr>
+              <a:t>Сборка мусора по алгоритму concurrent mark-sweep.</a:t>
+            </a:r>
+            <a:endParaRPr sz="2500">
+              <a:solidFill>
+                <a:schemeClr val="dk1"/>
+              </a:solidFill>
+              <a:latin typeface="Times New Roman"/>
+              <a:ea typeface="Times New Roman"/>
+              <a:cs typeface="Times New Roman"/>
+              <a:sym typeface="Times New Roman"/>
+            </a:endParaRPr>
+          </a:p>
+          <a:p>
+            <a:pPr indent="-387350" lvl="0" marL="457200" rtl="0" algn="l">
+              <a:lnSpc>
+                <a:spcPct val="90000"/>
+              </a:lnSpc>
+              <a:spcBef>
+                <a:spcPts val="0"/>
+              </a:spcBef>
+              <a:spcAft>
+                <a:spcPts val="0"/>
+              </a:spcAft>
+              <a:buClr>
+                <a:schemeClr val="dk1"/>
+              </a:buClr>
+              <a:buSzPts val="2500"/>
+              <a:buFont typeface="Times New Roman"/>
+              <a:buChar char="-"/>
+            </a:pPr>
+            <a:r>
+              <a:rPr lang="ru-RU" sz="2500">
+                <a:solidFill>
+                  <a:schemeClr val="dk1"/>
+                </a:solidFill>
+                <a:latin typeface="Times New Roman"/>
+                <a:ea typeface="Times New Roman"/>
+                <a:cs typeface="Times New Roman"/>
+                <a:sym typeface="Times New Roman"/>
+              </a:rPr>
+              <a:t>Использование барьеров записи для конкурентной сборки мусора.</a:t>
+            </a:r>
+            <a:endParaRPr sz="2500">
+              <a:solidFill>
+                <a:schemeClr val="dk1"/>
+              </a:solidFill>
+              <a:latin typeface="Times New Roman"/>
+              <a:ea typeface="Times New Roman"/>
+              <a:cs typeface="Times New Roman"/>
+              <a:sym typeface="Times New Roman"/>
+            </a:endParaRPr>
+          </a:p>
+          <a:p>
+            <a:pPr indent="-387350" lvl="0" marL="457200" rtl="0" algn="l">
+              <a:lnSpc>
+                <a:spcPct val="90000"/>
+              </a:lnSpc>
+              <a:spcBef>
+                <a:spcPts val="0"/>
+              </a:spcBef>
+              <a:spcAft>
+                <a:spcPts val="0"/>
+              </a:spcAft>
+              <a:buClr>
+                <a:schemeClr val="dk1"/>
+              </a:buClr>
+              <a:buSzPts val="2500"/>
+              <a:buFont typeface="Times New Roman"/>
+              <a:buChar char="-"/>
+            </a:pPr>
+            <a:r>
+              <a:rPr lang="ru-RU" sz="2500">
+                <a:solidFill>
+                  <a:schemeClr val="dk1"/>
+                </a:solidFill>
+                <a:latin typeface="Times New Roman"/>
+                <a:ea typeface="Times New Roman"/>
+                <a:cs typeface="Times New Roman"/>
+                <a:sym typeface="Times New Roman"/>
+              </a:rPr>
+              <a:t>Предоставление возможности настройки периодичности сборки мусора и</a:t>
+            </a:r>
+            <a:br>
+              <a:rPr lang="ru-RU" sz="2500">
+                <a:solidFill>
+                  <a:schemeClr val="dk1"/>
+                </a:solidFill>
+                <a:latin typeface="Times New Roman"/>
+                <a:ea typeface="Times New Roman"/>
+                <a:cs typeface="Times New Roman"/>
+                <a:sym typeface="Times New Roman"/>
+              </a:rPr>
+            </a:br>
+            <a:r>
+              <a:rPr lang="ru-RU" sz="2500">
+                <a:solidFill>
+                  <a:schemeClr val="dk1"/>
+                </a:solidFill>
+                <a:latin typeface="Times New Roman"/>
+                <a:ea typeface="Times New Roman"/>
+                <a:cs typeface="Times New Roman"/>
+                <a:sym typeface="Times New Roman"/>
+              </a:rPr>
+              <a:t>ограничения доступной памяти.</a:t>
+            </a:r>
+            <a:endParaRPr sz="2500">
+              <a:solidFill>
+                <a:schemeClr val="dk1"/>
+              </a:solidFill>
+              <a:latin typeface="Times New Roman"/>
+              <a:ea typeface="Times New Roman"/>
+              <a:cs typeface="Times New Roman"/>
+              <a:sym typeface="Times New Roman"/>
+            </a:endParaRPr>
+          </a:p>
+          <a:p>
+            <a:pPr indent="-387350" lvl="0" marL="457200" rtl="0" algn="l">
+              <a:lnSpc>
+                <a:spcPct val="90000"/>
+              </a:lnSpc>
+              <a:spcBef>
+                <a:spcPts val="0"/>
+              </a:spcBef>
+              <a:spcAft>
+                <a:spcPts val="0"/>
+              </a:spcAft>
+              <a:buClr>
+                <a:schemeClr val="dk1"/>
+              </a:buClr>
+              <a:buSzPts val="2500"/>
+              <a:buFont typeface="Times New Roman"/>
+              <a:buChar char="-"/>
+            </a:pPr>
+            <a:r>
+              <a:rPr lang="ru-RU" sz="2500">
+                <a:solidFill>
+                  <a:schemeClr val="dk1"/>
+                </a:solidFill>
+                <a:latin typeface="Times New Roman"/>
+                <a:ea typeface="Times New Roman"/>
+                <a:cs typeface="Times New Roman"/>
+                <a:sym typeface="Times New Roman"/>
+              </a:rPr>
+              <a:t>Предоставление арен памят</a:t>
+            </a:r>
+            <a:r>
+              <a:rPr lang="ru-RU" sz="2500">
+                <a:solidFill>
+                  <a:schemeClr val="dk1"/>
+                </a:solidFill>
+                <a:latin typeface="Times New Roman"/>
+                <a:ea typeface="Times New Roman"/>
+                <a:cs typeface="Times New Roman"/>
+                <a:sym typeface="Times New Roman"/>
+              </a:rPr>
+              <a:t>и </a:t>
+            </a:r>
+            <a:r>
+              <a:rPr lang="ru-RU" sz="2500">
+                <a:solidFill>
+                  <a:schemeClr val="dk1"/>
+                </a:solidFill>
+                <a:latin typeface="Times New Roman"/>
+                <a:ea typeface="Times New Roman"/>
+                <a:cs typeface="Times New Roman"/>
+                <a:sym typeface="Times New Roman"/>
+              </a:rPr>
+              <a:t>для реализации пользовательских</a:t>
+            </a:r>
+            <a:br>
+              <a:rPr lang="ru-RU" sz="2500">
+                <a:solidFill>
+                  <a:schemeClr val="dk1"/>
+                </a:solidFill>
+                <a:latin typeface="Times New Roman"/>
+                <a:ea typeface="Times New Roman"/>
+                <a:cs typeface="Times New Roman"/>
+                <a:sym typeface="Times New Roman"/>
+              </a:rPr>
+            </a:br>
+            <a:r>
+              <a:rPr lang="ru-RU" sz="2500">
+                <a:solidFill>
+                  <a:schemeClr val="dk1"/>
+                </a:solidFill>
+                <a:latin typeface="Times New Roman"/>
+                <a:ea typeface="Times New Roman"/>
+                <a:cs typeface="Times New Roman"/>
+                <a:sym typeface="Times New Roman"/>
+              </a:rPr>
+              <a:t>аллокаторов.</a:t>
+            </a:r>
+            <a:endParaRPr sz="2500">
+              <a:solidFill>
+                <a:schemeClr val="dk1"/>
+              </a:solidFill>
+              <a:latin typeface="Times New Roman"/>
+              <a:ea typeface="Times New Roman"/>
+              <a:cs typeface="Times New Roman"/>
+              <a:sym typeface="Times New Roman"/>
+            </a:endParaRPr>
+          </a:p>
+        </p:txBody>
+      </p:sp>
+      <p:sp>
+        <p:nvSpPr>
+          <p:cNvPr id="189" name="Google Shape;189;p24"/>
+          <p:cNvSpPr txBox="1"/>
+          <p:nvPr>
+            <p:ph idx="12" type="sldNum"/>
+          </p:nvPr>
+        </p:nvSpPr>
+        <p:spPr>
+          <a:xfrm>
+            <a:off x="8610600" y="6356350"/>
+            <a:ext cx="2743200" cy="365100"/>
+          </a:xfrm>
+          <a:prstGeom prst="rect">
+            <a:avLst/>
+          </a:prstGeom>
+        </p:spPr>
+        <p:txBody>
+          <a:bodyPr anchorCtr="0" anchor="ctr" bIns="45700" lIns="91425" spcFirstLastPara="1" rIns="91425" wrap="square" tIns="45700">
+            <a:noAutofit/>
+          </a:bodyPr>
+          <a:lstStyle/>
+          <a:p>
+            <a:pPr indent="0" lvl="0" marL="0" rtl="0" algn="r">
+              <a:spcBef>
+                <a:spcPts val="0"/>
+              </a:spcBef>
+              <a:spcAft>
+                <a:spcPts val="0"/>
+              </a:spcAft>
+              <a:buClr>
+                <a:srgbClr val="000000"/>
+              </a:buClr>
+              <a:buFont typeface="Arial"/>
+              <a:buNone/>
+            </a:pPr>
+            <a:fld id="{00000000-1234-1234-1234-123412341234}" type="slidenum">
+              <a:rPr lang="ru-RU"/>
+              <a:t>‹#›</a:t>
+            </a:fld>
+            <a:endParaRPr/>
+          </a:p>
+        </p:txBody>
+      </p:sp>
+    </p:spTree>
+  </p:cSld>
+  <p:clrMapOvr>
+    <a:masterClrMapping/>
+  </p:clrMapOvr>
+</p:sld>
+</file>
+
+<file path=ppt/slides/slide12.xml><?xml version="1.0" encoding="utf-8"?>
+<p:sld xmlns:a="http://schemas.openxmlformats.org/drawingml/2006/main" xmlns:r="http://schemas.openxmlformats.org/officeDocument/2006/relationships" xmlns:mc="http://schemas.openxmlformats.org/markup-compatibility/2006" xmlns:mv="urn:schemas-microsoft-com:mac:vml" xmlns:p="http://schemas.openxmlformats.org/presentationml/2006/main" xmlns:c="http://schemas.openxmlformats.org/drawingml/2006/chart" xmlns:dgm="http://schemas.openxmlformats.org/drawingml/2006/diagram" xmlns:o="urn:schemas-microsoft-com:office:office" xmlns:v="urn:schemas-microsoft-com:vml" xmlns:pvml="urn:schemas-microsoft-com:office:powerpoint" xmlns:com="http://schemas.openxmlformats.org/drawingml/2006/compatibility" xmlns:p14="http://schemas.microsoft.com/office/powerpoint/2010/main" xmlns:p15="http://schemas.microsoft.com/office/powerpoint/2012/main" xmlns:ahyp="http://schemas.microsoft.com/office/drawing/2018/hyperlinkcolor">
+  <p:cSld>
+    <p:spTree>
+      <p:nvGrpSpPr>
+        <p:cNvPr id="194" name="Shape 194"/>
+        <p:cNvGrpSpPr/>
+        <p:nvPr/>
+      </p:nvGrpSpPr>
+      <p:grpSpPr>
+        <a:xfrm>
+          <a:off x="0" y="0"/>
+          <a:ext cx="0" cy="0"/>
+          <a:chOff x="0" y="0"/>
+          <a:chExt cx="0" cy="0"/>
+        </a:xfrm>
+      </p:grpSpPr>
+      <p:sp>
+        <p:nvSpPr>
+          <p:cNvPr id="195" name="Google Shape;195;p25"/>
+          <p:cNvSpPr txBox="1"/>
+          <p:nvPr>
+            <p:ph type="title"/>
+          </p:nvPr>
+        </p:nvSpPr>
+        <p:spPr>
+          <a:xfrm>
+            <a:off x="838200" y="0"/>
+            <a:ext cx="10896300" cy="1325700"/>
+          </a:xfrm>
+          <a:prstGeom prst="rect">
+            <a:avLst/>
+          </a:prstGeom>
+          <a:noFill/>
+          <a:ln>
+            <a:noFill/>
+          </a:ln>
+        </p:spPr>
+        <p:txBody>
+          <a:bodyPr anchorCtr="0" anchor="ctr" bIns="45700" lIns="91425" spcFirstLastPara="1" rIns="91425" wrap="square" tIns="45700">
+            <a:normAutofit/>
+          </a:bodyPr>
+          <a:lstStyle/>
+          <a:p>
+            <a:pPr indent="0" lvl="0" marL="0" rtl="0" algn="l">
+              <a:lnSpc>
+                <a:spcPct val="90000"/>
+              </a:lnSpc>
+              <a:spcBef>
+                <a:spcPts val="0"/>
+              </a:spcBef>
+              <a:spcAft>
+                <a:spcPts val="0"/>
+              </a:spcAft>
+              <a:buClr>
+                <a:schemeClr val="dk1"/>
+              </a:buClr>
+              <a:buSzPts val="4400"/>
+              <a:buFont typeface="Times New Roman"/>
+              <a:buNone/>
+            </a:pPr>
+            <a:r>
+              <a:rPr lang="ru-RU">
+                <a:latin typeface="Times New Roman"/>
+                <a:ea typeface="Times New Roman"/>
+                <a:cs typeface="Times New Roman"/>
+                <a:sym typeface="Times New Roman"/>
+              </a:rPr>
+              <a:t>Классификация существующих решений (1)</a:t>
+            </a:r>
+            <a:endParaRPr>
+              <a:latin typeface="Times New Roman"/>
+              <a:ea typeface="Times New Roman"/>
+              <a:cs typeface="Times New Roman"/>
+              <a:sym typeface="Times New Roman"/>
+            </a:endParaRPr>
+          </a:p>
+        </p:txBody>
+      </p:sp>
+      <p:sp>
+        <p:nvSpPr>
+          <p:cNvPr id="196" name="Google Shape;196;p25"/>
+          <p:cNvSpPr txBox="1"/>
+          <p:nvPr>
+            <p:ph idx="12" type="sldNum"/>
+          </p:nvPr>
+        </p:nvSpPr>
+        <p:spPr>
+          <a:xfrm>
+            <a:off x="8610600" y="6356350"/>
+            <a:ext cx="2743200" cy="365100"/>
+          </a:xfrm>
+          <a:prstGeom prst="rect">
+            <a:avLst/>
+          </a:prstGeom>
+        </p:spPr>
+        <p:txBody>
+          <a:bodyPr anchorCtr="0" anchor="ctr" bIns="45700" lIns="91425" spcFirstLastPara="1" rIns="91425" wrap="square" tIns="45700">
+            <a:noAutofit/>
+          </a:bodyPr>
+          <a:lstStyle/>
+          <a:p>
+            <a:pPr indent="0" lvl="0" marL="0" rtl="0" algn="r">
+              <a:spcBef>
+                <a:spcPts val="0"/>
+              </a:spcBef>
+              <a:spcAft>
+                <a:spcPts val="0"/>
+              </a:spcAft>
+              <a:buClr>
+                <a:srgbClr val="000000"/>
+              </a:buClr>
+              <a:buFont typeface="Arial"/>
+              <a:buNone/>
+            </a:pPr>
+            <a:fld id="{00000000-1234-1234-1234-123412341234}" type="slidenum">
+              <a:rPr lang="ru-RU"/>
+              <a:t>‹#›</a:t>
+            </a:fld>
+            <a:endParaRPr/>
+          </a:p>
+        </p:txBody>
+      </p:sp>
+      <p:graphicFrame>
+        <p:nvGraphicFramePr>
+          <p:cNvPr id="197" name="Google Shape;197;p25"/>
+          <p:cNvGraphicFramePr/>
+          <p:nvPr/>
+        </p:nvGraphicFramePr>
+        <p:xfrm>
+          <a:off x="647400" y="1325700"/>
+          <a:ext cx="3000000" cy="3000000"/>
+        </p:xfrm>
+        <a:graphic>
+          <a:graphicData uri="http://schemas.openxmlformats.org/drawingml/2006/table">
+            <a:tbl>
+              <a:tblPr>
+                <a:noFill/>
+                <a:tableStyleId>{34F6A1B4-45BB-4973-A7C4-5B9904845896}</a:tableStyleId>
+              </a:tblPr>
+              <a:tblGrid>
+                <a:gridCol w="2305775"/>
+                <a:gridCol w="1889850"/>
+                <a:gridCol w="1839650"/>
+                <a:gridCol w="2732375"/>
+                <a:gridCol w="1990400"/>
+              </a:tblGrid>
+              <a:tr h="255025">
+                <a:tc>
+                  <a:txBody>
+                    <a:bodyPr/>
+                    <a:lstStyle/>
+                    <a:p>
+                      <a:pPr indent="0" lvl="0" marL="0" rtl="0" algn="ctr">
+                        <a:spcBef>
+                          <a:spcPts val="0"/>
+                        </a:spcBef>
+                        <a:spcAft>
+                          <a:spcPts val="0"/>
+                        </a:spcAft>
+                        <a:buNone/>
+                      </a:pPr>
+                      <a:r>
+                        <a:rPr lang="ru-RU" sz="2000">
+                          <a:latin typeface="Times New Roman"/>
+                          <a:ea typeface="Times New Roman"/>
+                          <a:cs typeface="Times New Roman"/>
+                          <a:sym typeface="Times New Roman"/>
+                        </a:rPr>
+                        <a:t>Язык программирования</a:t>
+                      </a:r>
+                      <a:endParaRPr sz="2000">
+                        <a:latin typeface="Times New Roman"/>
+                        <a:ea typeface="Times New Roman"/>
+                        <a:cs typeface="Times New Roman"/>
+                        <a:sym typeface="Times New Roman"/>
+                      </a:endParaRPr>
+                    </a:p>
+                  </a:txBody>
+                  <a:tcPr marT="91425" marB="91425" marR="91425" marL="91425" anchor="ctr"/>
+                </a:tc>
+                <a:tc>
+                  <a:txBody>
+                    <a:bodyPr/>
+                    <a:lstStyle/>
+                    <a:p>
+                      <a:pPr indent="0" lvl="0" marL="0" rtl="0" algn="ctr">
+                        <a:spcBef>
+                          <a:spcPts val="0"/>
+                        </a:spcBef>
+                        <a:spcAft>
+                          <a:spcPts val="0"/>
+                        </a:spcAft>
+                        <a:buNone/>
+                      </a:pPr>
+                      <a:r>
+                        <a:rPr lang="ru-RU" sz="2000">
+                          <a:latin typeface="Times New Roman"/>
+                          <a:ea typeface="Times New Roman"/>
+                          <a:cs typeface="Times New Roman"/>
+                          <a:sym typeface="Times New Roman"/>
+                        </a:rPr>
+                        <a:t>Сборщик мусора</a:t>
+                      </a:r>
+                      <a:endParaRPr sz="2000">
+                        <a:latin typeface="Times New Roman"/>
+                        <a:ea typeface="Times New Roman"/>
+                        <a:cs typeface="Times New Roman"/>
+                        <a:sym typeface="Times New Roman"/>
+                      </a:endParaRPr>
+                    </a:p>
+                  </a:txBody>
+                  <a:tcPr marT="91425" marB="91425" marR="91425" marL="91425" anchor="ctr"/>
+                </a:tc>
+                <a:tc>
+                  <a:txBody>
+                    <a:bodyPr/>
+                    <a:lstStyle/>
+                    <a:p>
+                      <a:pPr indent="0" lvl="0" marL="0" rtl="0" algn="ctr">
+                        <a:spcBef>
+                          <a:spcPts val="0"/>
+                        </a:spcBef>
+                        <a:spcAft>
+                          <a:spcPts val="0"/>
+                        </a:spcAft>
+                        <a:buNone/>
+                      </a:pPr>
+                      <a:r>
+                        <a:rPr lang="ru-RU" sz="2000">
+                          <a:latin typeface="Times New Roman"/>
+                          <a:ea typeface="Times New Roman"/>
+                          <a:cs typeface="Times New Roman"/>
+                          <a:sym typeface="Times New Roman"/>
+                        </a:rPr>
+                        <a:t>Использование поколений</a:t>
+                      </a:r>
+                      <a:endParaRPr sz="2000">
+                        <a:latin typeface="Times New Roman"/>
+                        <a:ea typeface="Times New Roman"/>
+                        <a:cs typeface="Times New Roman"/>
+                        <a:sym typeface="Times New Roman"/>
+                      </a:endParaRPr>
+                    </a:p>
+                  </a:txBody>
+                  <a:tcPr marT="91425" marB="91425" marR="91425" marL="91425" anchor="ctr"/>
+                </a:tc>
+                <a:tc>
+                  <a:txBody>
+                    <a:bodyPr/>
+                    <a:lstStyle/>
+                    <a:p>
+                      <a:pPr indent="0" lvl="0" marL="0" rtl="0" algn="ctr">
+                        <a:spcBef>
+                          <a:spcPts val="0"/>
+                        </a:spcBef>
+                        <a:spcAft>
+                          <a:spcPts val="0"/>
+                        </a:spcAft>
+                        <a:buNone/>
+                      </a:pPr>
+                      <a:r>
+                        <a:rPr lang="ru-RU" sz="2000">
+                          <a:latin typeface="Times New Roman"/>
+                          <a:ea typeface="Times New Roman"/>
+                          <a:cs typeface="Times New Roman"/>
+                          <a:sym typeface="Times New Roman"/>
+                        </a:rPr>
+                        <a:t>Отсутствие хранения доп. данных в объектах</a:t>
+                      </a:r>
+                      <a:endParaRPr sz="2000">
+                        <a:latin typeface="Times New Roman"/>
+                        <a:ea typeface="Times New Roman"/>
+                        <a:cs typeface="Times New Roman"/>
+                        <a:sym typeface="Times New Roman"/>
+                      </a:endParaRPr>
+                    </a:p>
+                  </a:txBody>
+                  <a:tcPr marT="91425" marB="91425" marR="91425" marL="91425" anchor="ctr"/>
+                </a:tc>
+                <a:tc>
+                  <a:txBody>
+                    <a:bodyPr/>
+                    <a:lstStyle/>
+                    <a:p>
+                      <a:pPr indent="0" lvl="0" marL="0" rtl="0" algn="ctr">
+                        <a:spcBef>
+                          <a:spcPts val="0"/>
+                        </a:spcBef>
+                        <a:spcAft>
+                          <a:spcPts val="0"/>
+                        </a:spcAft>
+                        <a:buNone/>
+                      </a:pPr>
+                      <a:r>
+                        <a:rPr lang="ru-RU" sz="2000">
+                          <a:latin typeface="Times New Roman"/>
+                          <a:ea typeface="Times New Roman"/>
+                          <a:cs typeface="Times New Roman"/>
+                          <a:sym typeface="Times New Roman"/>
+                        </a:rPr>
+                        <a:t>Конкурентная сборка мусора</a:t>
+                      </a:r>
+                      <a:endParaRPr sz="2000">
+                        <a:latin typeface="Times New Roman"/>
+                        <a:ea typeface="Times New Roman"/>
+                        <a:cs typeface="Times New Roman"/>
+                        <a:sym typeface="Times New Roman"/>
+                      </a:endParaRPr>
+                    </a:p>
+                  </a:txBody>
+                  <a:tcPr marT="91425" marB="91425" marR="91425" marL="91425" anchor="ctr"/>
+                </a:tc>
+              </a:tr>
+              <a:tr h="128550">
+                <a:tc>
+                  <a:txBody>
+                    <a:bodyPr/>
+                    <a:lstStyle/>
+                    <a:p>
+                      <a:pPr indent="0" lvl="0" marL="0" rtl="0" algn="ctr">
+                        <a:spcBef>
+                          <a:spcPts val="0"/>
+                        </a:spcBef>
+                        <a:spcAft>
+                          <a:spcPts val="0"/>
+                        </a:spcAft>
+                        <a:buNone/>
+                      </a:pPr>
+                      <a:r>
+                        <a:rPr b="1" lang="ru-RU" sz="2000">
+                          <a:latin typeface="Times New Roman"/>
+                          <a:ea typeface="Times New Roman"/>
+                          <a:cs typeface="Times New Roman"/>
+                          <a:sym typeface="Times New Roman"/>
+                        </a:rPr>
+                        <a:t>Python</a:t>
+                      </a:r>
+                      <a:endParaRPr b="1" sz="2000">
+                        <a:latin typeface="Times New Roman"/>
+                        <a:ea typeface="Times New Roman"/>
+                        <a:cs typeface="Times New Roman"/>
+                        <a:sym typeface="Times New Roman"/>
+                      </a:endParaRPr>
+                    </a:p>
+                  </a:txBody>
+                  <a:tcPr marT="91425" marB="91425" marR="91425" marL="91425" anchor="ctr"/>
+                </a:tc>
+                <a:tc>
+                  <a:txBody>
+                    <a:bodyPr/>
+                    <a:lstStyle/>
+                    <a:p>
+                      <a:pPr indent="0" lvl="0" marL="0" rtl="0" algn="ctr">
+                        <a:spcBef>
+                          <a:spcPts val="0"/>
+                        </a:spcBef>
+                        <a:spcAft>
+                          <a:spcPts val="0"/>
+                        </a:spcAft>
+                        <a:buNone/>
+                      </a:pPr>
+                      <a:r>
+                        <a:rPr b="1" lang="ru-RU" sz="2000">
+                          <a:latin typeface="Times New Roman"/>
+                          <a:ea typeface="Times New Roman"/>
+                          <a:cs typeface="Times New Roman"/>
+                          <a:sym typeface="Times New Roman"/>
+                        </a:rPr>
+                        <a:t>По умолчанию</a:t>
+                      </a:r>
+                      <a:endParaRPr b="1" sz="2000">
+                        <a:latin typeface="Times New Roman"/>
+                        <a:ea typeface="Times New Roman"/>
+                        <a:cs typeface="Times New Roman"/>
+                        <a:sym typeface="Times New Roman"/>
+                      </a:endParaRPr>
+                    </a:p>
+                  </a:txBody>
+                  <a:tcPr marT="91425" marB="91425" marR="91425" marL="91425" anchor="ctr"/>
+                </a:tc>
+                <a:tc>
+                  <a:txBody>
+                    <a:bodyPr/>
+                    <a:lstStyle/>
+                    <a:p>
+                      <a:pPr indent="0" lvl="0" marL="0" rtl="0" algn="ctr">
+                        <a:spcBef>
+                          <a:spcPts val="0"/>
+                        </a:spcBef>
+                        <a:spcAft>
+                          <a:spcPts val="0"/>
+                        </a:spcAft>
+                        <a:buNone/>
+                      </a:pPr>
+                      <a:r>
+                        <a:rPr b="1" lang="ru-RU" sz="2000">
+                          <a:latin typeface="Times New Roman"/>
+                          <a:ea typeface="Times New Roman"/>
+                          <a:cs typeface="Times New Roman"/>
+                          <a:sym typeface="Times New Roman"/>
+                        </a:rPr>
+                        <a:t>+</a:t>
+                      </a:r>
+                      <a:endParaRPr b="1" sz="2000">
+                        <a:latin typeface="Times New Roman"/>
+                        <a:ea typeface="Times New Roman"/>
+                        <a:cs typeface="Times New Roman"/>
+                        <a:sym typeface="Times New Roman"/>
+                      </a:endParaRPr>
+                    </a:p>
+                  </a:txBody>
+                  <a:tcPr marT="91425" marB="91425" marR="91425" marL="91425" anchor="ctr"/>
+                </a:tc>
+                <a:tc>
+                  <a:txBody>
+                    <a:bodyPr/>
+                    <a:lstStyle/>
+                    <a:p>
+                      <a:pPr indent="0" lvl="0" marL="0" rtl="0" algn="ctr">
+                        <a:spcBef>
+                          <a:spcPts val="0"/>
+                        </a:spcBef>
+                        <a:spcAft>
+                          <a:spcPts val="0"/>
+                        </a:spcAft>
+                        <a:buNone/>
+                      </a:pPr>
+                      <a:r>
+                        <a:rPr b="1" lang="ru-RU" sz="2000">
+                          <a:latin typeface="Times New Roman"/>
+                          <a:ea typeface="Times New Roman"/>
+                          <a:cs typeface="Times New Roman"/>
+                          <a:sym typeface="Times New Roman"/>
+                        </a:rPr>
+                        <a:t>-</a:t>
+                      </a:r>
+                      <a:endParaRPr b="1" sz="2000">
+                        <a:latin typeface="Times New Roman"/>
+                        <a:ea typeface="Times New Roman"/>
+                        <a:cs typeface="Times New Roman"/>
+                        <a:sym typeface="Times New Roman"/>
+                      </a:endParaRPr>
+                    </a:p>
+                  </a:txBody>
+                  <a:tcPr marT="91425" marB="91425" marR="91425" marL="91425" anchor="ctr"/>
+                </a:tc>
+                <a:tc>
+                  <a:txBody>
+                    <a:bodyPr/>
+                    <a:lstStyle/>
+                    <a:p>
+                      <a:pPr indent="0" lvl="0" marL="0" rtl="0" algn="ctr">
+                        <a:spcBef>
+                          <a:spcPts val="0"/>
+                        </a:spcBef>
+                        <a:spcAft>
+                          <a:spcPts val="0"/>
+                        </a:spcAft>
+                        <a:buNone/>
+                      </a:pPr>
+                      <a:r>
+                        <a:rPr b="1" lang="ru-RU" sz="2000">
+                          <a:latin typeface="Times New Roman"/>
+                          <a:ea typeface="Times New Roman"/>
+                          <a:cs typeface="Times New Roman"/>
+                          <a:sym typeface="Times New Roman"/>
+                        </a:rPr>
+                        <a:t>+</a:t>
+                      </a:r>
+                      <a:endParaRPr b="1" sz="2000">
+                        <a:latin typeface="Times New Roman"/>
+                        <a:ea typeface="Times New Roman"/>
+                        <a:cs typeface="Times New Roman"/>
+                        <a:sym typeface="Times New Roman"/>
+                      </a:endParaRPr>
+                    </a:p>
+                  </a:txBody>
+                  <a:tcPr marT="91425" marB="91425" marR="91425" marL="91425" anchor="ctr"/>
+                </a:tc>
+              </a:tr>
+              <a:tr h="100000">
+                <a:tc rowSpan="4">
+                  <a:txBody>
+                    <a:bodyPr/>
+                    <a:lstStyle/>
+                    <a:p>
+                      <a:pPr indent="0" lvl="0" marL="0" rtl="0" algn="ctr">
+                        <a:spcBef>
+                          <a:spcPts val="0"/>
+                        </a:spcBef>
+                        <a:spcAft>
+                          <a:spcPts val="0"/>
+                        </a:spcAft>
+                        <a:buNone/>
+                      </a:pPr>
+                      <a:r>
+                        <a:rPr b="1" lang="ru-RU" sz="2000">
+                          <a:latin typeface="Times New Roman"/>
+                          <a:ea typeface="Times New Roman"/>
+                          <a:cs typeface="Times New Roman"/>
+                          <a:sym typeface="Times New Roman"/>
+                        </a:rPr>
+                        <a:t>Java</a:t>
+                      </a:r>
+                      <a:endParaRPr b="1" sz="2000">
+                        <a:latin typeface="Times New Roman"/>
+                        <a:ea typeface="Times New Roman"/>
+                        <a:cs typeface="Times New Roman"/>
+                        <a:sym typeface="Times New Roman"/>
+                      </a:endParaRPr>
+                    </a:p>
+                  </a:txBody>
+                  <a:tcPr marT="91425" marB="91425" marR="91425" marL="91425" anchor="ctr"/>
+                </a:tc>
+                <a:tc>
+                  <a:txBody>
+                    <a:bodyPr/>
+                    <a:lstStyle/>
+                    <a:p>
+                      <a:pPr indent="0" lvl="0" marL="0" rtl="0" algn="ctr">
+                        <a:spcBef>
+                          <a:spcPts val="0"/>
+                        </a:spcBef>
+                        <a:spcAft>
+                          <a:spcPts val="0"/>
+                        </a:spcAft>
+                        <a:buNone/>
+                      </a:pPr>
+                      <a:r>
+                        <a:rPr b="1" lang="ru-RU" sz="2000">
+                          <a:latin typeface="Times New Roman"/>
+                          <a:ea typeface="Times New Roman"/>
+                          <a:cs typeface="Times New Roman"/>
+                          <a:sym typeface="Times New Roman"/>
+                        </a:rPr>
+                        <a:t>Serial</a:t>
+                      </a:r>
+                      <a:endParaRPr b="1" sz="2000">
+                        <a:latin typeface="Times New Roman"/>
+                        <a:ea typeface="Times New Roman"/>
+                        <a:cs typeface="Times New Roman"/>
+                        <a:sym typeface="Times New Roman"/>
+                      </a:endParaRPr>
+                    </a:p>
+                  </a:txBody>
+                  <a:tcPr marT="91425" marB="91425" marR="91425" marL="91425" anchor="ctr"/>
+                </a:tc>
+                <a:tc>
+                  <a:txBody>
+                    <a:bodyPr/>
+                    <a:lstStyle/>
+                    <a:p>
+                      <a:pPr indent="0" lvl="0" marL="0" rtl="0" algn="ctr">
+                        <a:spcBef>
+                          <a:spcPts val="0"/>
+                        </a:spcBef>
+                        <a:spcAft>
+                          <a:spcPts val="0"/>
+                        </a:spcAft>
+                        <a:buNone/>
+                      </a:pPr>
+                      <a:r>
+                        <a:rPr b="1" lang="ru-RU" sz="2000">
+                          <a:latin typeface="Times New Roman"/>
+                          <a:ea typeface="Times New Roman"/>
+                          <a:cs typeface="Times New Roman"/>
+                          <a:sym typeface="Times New Roman"/>
+                        </a:rPr>
+                        <a:t>+</a:t>
+                      </a:r>
+                      <a:endParaRPr b="1" sz="2000">
+                        <a:latin typeface="Times New Roman"/>
+                        <a:ea typeface="Times New Roman"/>
+                        <a:cs typeface="Times New Roman"/>
+                        <a:sym typeface="Times New Roman"/>
+                      </a:endParaRPr>
+                    </a:p>
+                  </a:txBody>
+                  <a:tcPr marT="91425" marB="91425" marR="91425" marL="91425" anchor="ctr"/>
+                </a:tc>
+                <a:tc>
+                  <a:txBody>
+                    <a:bodyPr/>
+                    <a:lstStyle/>
+                    <a:p>
+                      <a:pPr indent="0" lvl="0" marL="0" rtl="0" algn="ctr">
+                        <a:spcBef>
+                          <a:spcPts val="0"/>
+                        </a:spcBef>
+                        <a:spcAft>
+                          <a:spcPts val="0"/>
+                        </a:spcAft>
+                        <a:buNone/>
+                      </a:pPr>
+                      <a:r>
+                        <a:rPr b="1" lang="ru-RU" sz="2000">
+                          <a:latin typeface="Times New Roman"/>
+                          <a:ea typeface="Times New Roman"/>
+                          <a:cs typeface="Times New Roman"/>
+                          <a:sym typeface="Times New Roman"/>
+                        </a:rPr>
+                        <a:t>+</a:t>
+                      </a:r>
+                      <a:endParaRPr b="1" sz="2000">
+                        <a:latin typeface="Times New Roman"/>
+                        <a:ea typeface="Times New Roman"/>
+                        <a:cs typeface="Times New Roman"/>
+                        <a:sym typeface="Times New Roman"/>
+                      </a:endParaRPr>
+                    </a:p>
+                  </a:txBody>
+                  <a:tcPr marT="91425" marB="91425" marR="91425" marL="91425" anchor="ctr"/>
+                </a:tc>
+                <a:tc>
+                  <a:txBody>
+                    <a:bodyPr/>
+                    <a:lstStyle/>
+                    <a:p>
+                      <a:pPr indent="0" lvl="0" marL="0" rtl="0" algn="ctr">
+                        <a:spcBef>
+                          <a:spcPts val="0"/>
+                        </a:spcBef>
+                        <a:spcAft>
+                          <a:spcPts val="0"/>
+                        </a:spcAft>
+                        <a:buNone/>
+                      </a:pPr>
+                      <a:r>
+                        <a:rPr b="1" lang="ru-RU" sz="2000">
+                          <a:latin typeface="Times New Roman"/>
+                          <a:ea typeface="Times New Roman"/>
+                          <a:cs typeface="Times New Roman"/>
+                          <a:sym typeface="Times New Roman"/>
+                        </a:rPr>
+                        <a:t>+</a:t>
+                      </a:r>
+                      <a:endParaRPr b="1" sz="2000">
+                        <a:latin typeface="Times New Roman"/>
+                        <a:ea typeface="Times New Roman"/>
+                        <a:cs typeface="Times New Roman"/>
+                        <a:sym typeface="Times New Roman"/>
+                      </a:endParaRPr>
+                    </a:p>
+                  </a:txBody>
+                  <a:tcPr marT="91425" marB="91425" marR="91425" marL="91425" anchor="ctr"/>
+                </a:tc>
+              </a:tr>
+              <a:tr h="100000">
+                <a:tc vMerge="1"/>
+                <a:tc>
+                  <a:txBody>
+                    <a:bodyPr/>
+                    <a:lstStyle/>
+                    <a:p>
+                      <a:pPr indent="0" lvl="0" marL="0" rtl="0" algn="ctr">
+                        <a:spcBef>
+                          <a:spcPts val="0"/>
+                        </a:spcBef>
+                        <a:spcAft>
+                          <a:spcPts val="0"/>
+                        </a:spcAft>
+                        <a:buNone/>
+                      </a:pPr>
+                      <a:r>
+                        <a:rPr b="1" lang="ru-RU" sz="2000">
+                          <a:latin typeface="Times New Roman"/>
+                          <a:ea typeface="Times New Roman"/>
+                          <a:cs typeface="Times New Roman"/>
+                          <a:sym typeface="Times New Roman"/>
+                        </a:rPr>
+                        <a:t>Parallel</a:t>
+                      </a:r>
+                      <a:endParaRPr b="1" sz="2000">
+                        <a:latin typeface="Times New Roman"/>
+                        <a:ea typeface="Times New Roman"/>
+                        <a:cs typeface="Times New Roman"/>
+                        <a:sym typeface="Times New Roman"/>
+                      </a:endParaRPr>
+                    </a:p>
+                  </a:txBody>
+                  <a:tcPr marT="91425" marB="91425" marR="91425" marL="91425" anchor="ctr"/>
+                </a:tc>
+                <a:tc>
+                  <a:txBody>
+                    <a:bodyPr/>
+                    <a:lstStyle/>
+                    <a:p>
+                      <a:pPr indent="0" lvl="0" marL="0" rtl="0" algn="ctr">
+                        <a:spcBef>
+                          <a:spcPts val="0"/>
+                        </a:spcBef>
+                        <a:spcAft>
+                          <a:spcPts val="0"/>
+                        </a:spcAft>
+                        <a:buNone/>
+                      </a:pPr>
+                      <a:r>
+                        <a:rPr b="1" lang="ru-RU" sz="2000">
+                          <a:latin typeface="Times New Roman"/>
+                          <a:ea typeface="Times New Roman"/>
+                          <a:cs typeface="Times New Roman"/>
+                          <a:sym typeface="Times New Roman"/>
+                        </a:rPr>
+                        <a:t>+</a:t>
+                      </a:r>
+                      <a:endParaRPr b="1" sz="2000">
+                        <a:latin typeface="Times New Roman"/>
+                        <a:ea typeface="Times New Roman"/>
+                        <a:cs typeface="Times New Roman"/>
+                        <a:sym typeface="Times New Roman"/>
+                      </a:endParaRPr>
+                    </a:p>
+                  </a:txBody>
+                  <a:tcPr marT="91425" marB="91425" marR="91425" marL="91425" anchor="ctr"/>
+                </a:tc>
+                <a:tc>
+                  <a:txBody>
+                    <a:bodyPr/>
+                    <a:lstStyle/>
+                    <a:p>
+                      <a:pPr indent="0" lvl="0" marL="0" rtl="0" algn="ctr">
+                        <a:spcBef>
+                          <a:spcPts val="0"/>
+                        </a:spcBef>
+                        <a:spcAft>
+                          <a:spcPts val="0"/>
+                        </a:spcAft>
+                        <a:buNone/>
+                      </a:pPr>
+                      <a:r>
+                        <a:rPr b="1" lang="ru-RU" sz="2000">
+                          <a:latin typeface="Times New Roman"/>
+                          <a:ea typeface="Times New Roman"/>
+                          <a:cs typeface="Times New Roman"/>
+                          <a:sym typeface="Times New Roman"/>
+                        </a:rPr>
+                        <a:t>+</a:t>
+                      </a:r>
+                      <a:endParaRPr b="1" sz="2000">
+                        <a:latin typeface="Times New Roman"/>
+                        <a:ea typeface="Times New Roman"/>
+                        <a:cs typeface="Times New Roman"/>
+                        <a:sym typeface="Times New Roman"/>
+                      </a:endParaRPr>
+                    </a:p>
+                  </a:txBody>
+                  <a:tcPr marT="91425" marB="91425" marR="91425" marL="91425" anchor="ctr"/>
+                </a:tc>
+                <a:tc>
+                  <a:txBody>
+                    <a:bodyPr/>
+                    <a:lstStyle/>
+                    <a:p>
+                      <a:pPr indent="0" lvl="0" marL="0" rtl="0" algn="ctr">
+                        <a:spcBef>
+                          <a:spcPts val="0"/>
+                        </a:spcBef>
+                        <a:spcAft>
+                          <a:spcPts val="0"/>
+                        </a:spcAft>
+                        <a:buNone/>
+                      </a:pPr>
+                      <a:r>
+                        <a:rPr b="1" lang="ru-RU" sz="2000">
+                          <a:latin typeface="Times New Roman"/>
+                          <a:ea typeface="Times New Roman"/>
+                          <a:cs typeface="Times New Roman"/>
+                          <a:sym typeface="Times New Roman"/>
+                        </a:rPr>
+                        <a:t>+</a:t>
+                      </a:r>
+                      <a:endParaRPr b="1" sz="2000">
+                        <a:latin typeface="Times New Roman"/>
+                        <a:ea typeface="Times New Roman"/>
+                        <a:cs typeface="Times New Roman"/>
+                        <a:sym typeface="Times New Roman"/>
+                      </a:endParaRPr>
+                    </a:p>
+                  </a:txBody>
+                  <a:tcPr marT="91425" marB="91425" marR="91425" marL="91425" anchor="ctr"/>
+                </a:tc>
+              </a:tr>
+              <a:tr h="100000">
+                <a:tc vMerge="1"/>
+                <a:tc>
+                  <a:txBody>
+                    <a:bodyPr/>
+                    <a:lstStyle/>
+                    <a:p>
+                      <a:pPr indent="0" lvl="0" marL="0" rtl="0" algn="ctr">
+                        <a:spcBef>
+                          <a:spcPts val="0"/>
+                        </a:spcBef>
+                        <a:spcAft>
+                          <a:spcPts val="0"/>
+                        </a:spcAft>
+                        <a:buNone/>
+                      </a:pPr>
+                      <a:r>
+                        <a:rPr b="1" lang="ru-RU" sz="2000">
+                          <a:latin typeface="Times New Roman"/>
+                          <a:ea typeface="Times New Roman"/>
+                          <a:cs typeface="Times New Roman"/>
+                          <a:sym typeface="Times New Roman"/>
+                        </a:rPr>
+                        <a:t>Garbage-First</a:t>
+                      </a:r>
+                      <a:endParaRPr b="1" sz="2000">
+                        <a:latin typeface="Times New Roman"/>
+                        <a:ea typeface="Times New Roman"/>
+                        <a:cs typeface="Times New Roman"/>
+                        <a:sym typeface="Times New Roman"/>
+                      </a:endParaRPr>
+                    </a:p>
+                  </a:txBody>
+                  <a:tcPr marT="91425" marB="91425" marR="91425" marL="91425" anchor="ctr"/>
+                </a:tc>
+                <a:tc>
+                  <a:txBody>
+                    <a:bodyPr/>
+                    <a:lstStyle/>
+                    <a:p>
+                      <a:pPr indent="0" lvl="0" marL="0" rtl="0" algn="ctr">
+                        <a:spcBef>
+                          <a:spcPts val="0"/>
+                        </a:spcBef>
+                        <a:spcAft>
+                          <a:spcPts val="0"/>
+                        </a:spcAft>
+                        <a:buNone/>
+                      </a:pPr>
+                      <a:r>
+                        <a:rPr b="1" lang="ru-RU" sz="2000">
+                          <a:latin typeface="Times New Roman"/>
+                          <a:ea typeface="Times New Roman"/>
+                          <a:cs typeface="Times New Roman"/>
+                          <a:sym typeface="Times New Roman"/>
+                        </a:rPr>
+                        <a:t>+</a:t>
+                      </a:r>
+                      <a:endParaRPr b="1" sz="2000">
+                        <a:latin typeface="Times New Roman"/>
+                        <a:ea typeface="Times New Roman"/>
+                        <a:cs typeface="Times New Roman"/>
+                        <a:sym typeface="Times New Roman"/>
+                      </a:endParaRPr>
+                    </a:p>
+                  </a:txBody>
+                  <a:tcPr marT="91425" marB="91425" marR="91425" marL="91425" anchor="ctr"/>
+                </a:tc>
+                <a:tc>
+                  <a:txBody>
+                    <a:bodyPr/>
+                    <a:lstStyle/>
+                    <a:p>
+                      <a:pPr indent="0" lvl="0" marL="0" rtl="0" algn="ctr">
+                        <a:spcBef>
+                          <a:spcPts val="0"/>
+                        </a:spcBef>
+                        <a:spcAft>
+                          <a:spcPts val="0"/>
+                        </a:spcAft>
+                        <a:buNone/>
+                      </a:pPr>
+                      <a:r>
+                        <a:rPr b="1" lang="ru-RU" sz="2000">
+                          <a:latin typeface="Times New Roman"/>
+                          <a:ea typeface="Times New Roman"/>
+                          <a:cs typeface="Times New Roman"/>
+                          <a:sym typeface="Times New Roman"/>
+                        </a:rPr>
+                        <a:t>+</a:t>
+                      </a:r>
+                      <a:endParaRPr b="1" sz="2000">
+                        <a:latin typeface="Times New Roman"/>
+                        <a:ea typeface="Times New Roman"/>
+                        <a:cs typeface="Times New Roman"/>
+                        <a:sym typeface="Times New Roman"/>
+                      </a:endParaRPr>
+                    </a:p>
+                  </a:txBody>
+                  <a:tcPr marT="91425" marB="91425" marR="91425" marL="91425" anchor="ctr"/>
+                </a:tc>
+                <a:tc>
+                  <a:txBody>
+                    <a:bodyPr/>
+                    <a:lstStyle/>
+                    <a:p>
+                      <a:pPr indent="0" lvl="0" marL="0" rtl="0" algn="ctr">
+                        <a:spcBef>
+                          <a:spcPts val="0"/>
+                        </a:spcBef>
+                        <a:spcAft>
+                          <a:spcPts val="0"/>
+                        </a:spcAft>
+                        <a:buNone/>
+                      </a:pPr>
+                      <a:r>
+                        <a:rPr b="1" lang="ru-RU" sz="2000">
+                          <a:latin typeface="Times New Roman"/>
+                          <a:ea typeface="Times New Roman"/>
+                          <a:cs typeface="Times New Roman"/>
+                          <a:sym typeface="Times New Roman"/>
+                        </a:rPr>
+                        <a:t>+</a:t>
+                      </a:r>
+                      <a:endParaRPr b="1" sz="2000">
+                        <a:latin typeface="Times New Roman"/>
+                        <a:ea typeface="Times New Roman"/>
+                        <a:cs typeface="Times New Roman"/>
+                        <a:sym typeface="Times New Roman"/>
+                      </a:endParaRPr>
+                    </a:p>
+                  </a:txBody>
+                  <a:tcPr marT="91425" marB="91425" marR="91425" marL="91425" anchor="ctr"/>
+                </a:tc>
+              </a:tr>
+              <a:tr h="100000">
+                <a:tc vMerge="1"/>
+                <a:tc>
+                  <a:txBody>
+                    <a:bodyPr/>
+                    <a:lstStyle/>
+                    <a:p>
+                      <a:pPr indent="0" lvl="0" marL="0" rtl="0" algn="ctr">
+                        <a:spcBef>
+                          <a:spcPts val="0"/>
+                        </a:spcBef>
+                        <a:spcAft>
+                          <a:spcPts val="0"/>
+                        </a:spcAft>
+                        <a:buNone/>
+                      </a:pPr>
+                      <a:r>
+                        <a:rPr b="1" lang="ru-RU" sz="2000">
+                          <a:latin typeface="Times New Roman"/>
+                          <a:ea typeface="Times New Roman"/>
+                          <a:cs typeface="Times New Roman"/>
+                          <a:sym typeface="Times New Roman"/>
+                        </a:rPr>
+                        <a:t>ZGC</a:t>
+                      </a:r>
+                      <a:endParaRPr b="1" sz="2000">
+                        <a:latin typeface="Times New Roman"/>
+                        <a:ea typeface="Times New Roman"/>
+                        <a:cs typeface="Times New Roman"/>
+                        <a:sym typeface="Times New Roman"/>
+                      </a:endParaRPr>
+                    </a:p>
+                  </a:txBody>
+                  <a:tcPr marT="91425" marB="91425" marR="91425" marL="91425" anchor="ctr"/>
+                </a:tc>
+                <a:tc>
+                  <a:txBody>
+                    <a:bodyPr/>
+                    <a:lstStyle/>
+                    <a:p>
+                      <a:pPr indent="0" lvl="0" marL="0" rtl="0" algn="ctr">
+                        <a:spcBef>
+                          <a:spcPts val="0"/>
+                        </a:spcBef>
+                        <a:spcAft>
+                          <a:spcPts val="0"/>
+                        </a:spcAft>
+                        <a:buNone/>
+                      </a:pPr>
+                      <a:r>
+                        <a:rPr b="1" lang="ru-RU" sz="2000">
+                          <a:latin typeface="Times New Roman"/>
+                          <a:ea typeface="Times New Roman"/>
+                          <a:cs typeface="Times New Roman"/>
+                          <a:sym typeface="Times New Roman"/>
+                        </a:rPr>
+                        <a:t>+</a:t>
+                      </a:r>
+                      <a:endParaRPr b="1" sz="2000">
+                        <a:latin typeface="Times New Roman"/>
+                        <a:ea typeface="Times New Roman"/>
+                        <a:cs typeface="Times New Roman"/>
+                        <a:sym typeface="Times New Roman"/>
+                      </a:endParaRPr>
+                    </a:p>
+                  </a:txBody>
+                  <a:tcPr marT="91425" marB="91425" marR="91425" marL="91425" anchor="ctr"/>
+                </a:tc>
+                <a:tc>
+                  <a:txBody>
+                    <a:bodyPr/>
+                    <a:lstStyle/>
+                    <a:p>
+                      <a:pPr indent="0" lvl="0" marL="0" rtl="0" algn="ctr">
+                        <a:spcBef>
+                          <a:spcPts val="0"/>
+                        </a:spcBef>
+                        <a:spcAft>
+                          <a:spcPts val="0"/>
+                        </a:spcAft>
+                        <a:buNone/>
+                      </a:pPr>
+                      <a:r>
+                        <a:rPr b="1" lang="ru-RU" sz="2000">
+                          <a:latin typeface="Times New Roman"/>
+                          <a:ea typeface="Times New Roman"/>
+                          <a:cs typeface="Times New Roman"/>
+                          <a:sym typeface="Times New Roman"/>
+                        </a:rPr>
+                        <a:t>+</a:t>
+                      </a:r>
+                      <a:endParaRPr b="1" sz="2000">
+                        <a:latin typeface="Times New Roman"/>
+                        <a:ea typeface="Times New Roman"/>
+                        <a:cs typeface="Times New Roman"/>
+                        <a:sym typeface="Times New Roman"/>
+                      </a:endParaRPr>
+                    </a:p>
+                  </a:txBody>
+                  <a:tcPr marT="91425" marB="91425" marR="91425" marL="91425" anchor="ctr"/>
+                </a:tc>
+                <a:tc>
+                  <a:txBody>
+                    <a:bodyPr/>
+                    <a:lstStyle/>
+                    <a:p>
+                      <a:pPr indent="0" lvl="0" marL="0" rtl="0" algn="ctr">
+                        <a:spcBef>
+                          <a:spcPts val="0"/>
+                        </a:spcBef>
+                        <a:spcAft>
+                          <a:spcPts val="0"/>
+                        </a:spcAft>
+                        <a:buNone/>
+                      </a:pPr>
+                      <a:r>
+                        <a:rPr b="1" lang="ru-RU" sz="2000">
+                          <a:latin typeface="Times New Roman"/>
+                          <a:ea typeface="Times New Roman"/>
+                          <a:cs typeface="Times New Roman"/>
+                          <a:sym typeface="Times New Roman"/>
+                        </a:rPr>
+                        <a:t>+</a:t>
+                      </a:r>
+                      <a:endParaRPr b="1" sz="2000">
+                        <a:latin typeface="Times New Roman"/>
+                        <a:ea typeface="Times New Roman"/>
+                        <a:cs typeface="Times New Roman"/>
+                        <a:sym typeface="Times New Roman"/>
+                      </a:endParaRPr>
+                    </a:p>
+                  </a:txBody>
+                  <a:tcPr marT="91425" marB="91425" marR="91425" marL="91425" anchor="ctr"/>
+                </a:tc>
+              </a:tr>
+              <a:tr h="100000">
+                <a:tc>
+                  <a:txBody>
+                    <a:bodyPr/>
+                    <a:lstStyle/>
+                    <a:p>
+                      <a:pPr indent="0" lvl="0" marL="0" rtl="0" algn="ctr">
+                        <a:spcBef>
+                          <a:spcPts val="0"/>
+                        </a:spcBef>
+                        <a:spcAft>
+                          <a:spcPts val="0"/>
+                        </a:spcAft>
+                        <a:buNone/>
+                      </a:pPr>
+                      <a:r>
+                        <a:rPr lang="ru-RU" sz="2000">
+                          <a:latin typeface="Times New Roman"/>
+                          <a:ea typeface="Times New Roman"/>
+                          <a:cs typeface="Times New Roman"/>
+                          <a:sym typeface="Times New Roman"/>
+                        </a:rPr>
+                        <a:t>JavaScript</a:t>
+                      </a:r>
+                      <a:endParaRPr sz="2000">
+                        <a:latin typeface="Times New Roman"/>
+                        <a:ea typeface="Times New Roman"/>
+                        <a:cs typeface="Times New Roman"/>
+                        <a:sym typeface="Times New Roman"/>
+                      </a:endParaRPr>
+                    </a:p>
+                  </a:txBody>
+                  <a:tcPr marT="91425" marB="91425" marR="91425" marL="91425" anchor="ctr"/>
+                </a:tc>
+                <a:tc>
+                  <a:txBody>
+                    <a:bodyPr/>
+                    <a:lstStyle/>
+                    <a:p>
+                      <a:pPr indent="0" lvl="0" marL="0" rtl="0" algn="ctr">
+                        <a:spcBef>
+                          <a:spcPts val="0"/>
+                        </a:spcBef>
+                        <a:spcAft>
+                          <a:spcPts val="0"/>
+                        </a:spcAft>
+                        <a:buNone/>
+                      </a:pPr>
+                      <a:r>
+                        <a:rPr lang="ru-RU" sz="2000">
+                          <a:solidFill>
+                            <a:schemeClr val="dk1"/>
+                          </a:solidFill>
+                          <a:latin typeface="Times New Roman"/>
+                          <a:ea typeface="Times New Roman"/>
+                          <a:cs typeface="Times New Roman"/>
+                          <a:sym typeface="Times New Roman"/>
+                        </a:rPr>
+                        <a:t>По умолчанию</a:t>
+                      </a:r>
+                      <a:endParaRPr sz="2000">
+                        <a:latin typeface="Times New Roman"/>
+                        <a:ea typeface="Times New Roman"/>
+                        <a:cs typeface="Times New Roman"/>
+                        <a:sym typeface="Times New Roman"/>
+                      </a:endParaRPr>
+                    </a:p>
+                  </a:txBody>
+                  <a:tcPr marT="91425" marB="91425" marR="91425" marL="91425" anchor="ctr"/>
+                </a:tc>
+                <a:tc>
+                  <a:txBody>
+                    <a:bodyPr/>
+                    <a:lstStyle/>
+                    <a:p>
+                      <a:pPr indent="0" lvl="0" marL="0" rtl="0" algn="ctr">
+                        <a:spcBef>
+                          <a:spcPts val="0"/>
+                        </a:spcBef>
+                        <a:spcAft>
+                          <a:spcPts val="0"/>
+                        </a:spcAft>
+                        <a:buNone/>
+                      </a:pPr>
+                      <a:r>
+                        <a:rPr lang="ru-RU" sz="2000">
+                          <a:latin typeface="Times New Roman"/>
+                          <a:ea typeface="Times New Roman"/>
+                          <a:cs typeface="Times New Roman"/>
+                          <a:sym typeface="Times New Roman"/>
+                        </a:rPr>
+                        <a:t>-</a:t>
+                      </a:r>
+                      <a:endParaRPr sz="2000">
+                        <a:latin typeface="Times New Roman"/>
+                        <a:ea typeface="Times New Roman"/>
+                        <a:cs typeface="Times New Roman"/>
+                        <a:sym typeface="Times New Roman"/>
+                      </a:endParaRPr>
+                    </a:p>
+                  </a:txBody>
+                  <a:tcPr marT="91425" marB="91425" marR="91425" marL="91425" anchor="ctr"/>
+                </a:tc>
+                <a:tc>
+                  <a:txBody>
+                    <a:bodyPr/>
+                    <a:lstStyle/>
+                    <a:p>
+                      <a:pPr indent="0" lvl="0" marL="0" rtl="0" algn="ctr">
+                        <a:spcBef>
+                          <a:spcPts val="0"/>
+                        </a:spcBef>
+                        <a:spcAft>
+                          <a:spcPts val="0"/>
+                        </a:spcAft>
+                        <a:buNone/>
+                      </a:pPr>
+                      <a:r>
+                        <a:rPr lang="ru-RU" sz="2000">
+                          <a:latin typeface="Times New Roman"/>
+                          <a:ea typeface="Times New Roman"/>
+                          <a:cs typeface="Times New Roman"/>
+                          <a:sym typeface="Times New Roman"/>
+                        </a:rPr>
+                        <a:t>+</a:t>
+                      </a:r>
+                      <a:endParaRPr sz="2000">
+                        <a:latin typeface="Times New Roman"/>
+                        <a:ea typeface="Times New Roman"/>
+                        <a:cs typeface="Times New Roman"/>
+                        <a:sym typeface="Times New Roman"/>
+                      </a:endParaRPr>
+                    </a:p>
+                  </a:txBody>
+                  <a:tcPr marT="91425" marB="91425" marR="91425" marL="91425" anchor="ctr"/>
+                </a:tc>
+                <a:tc>
+                  <a:txBody>
+                    <a:bodyPr/>
+                    <a:lstStyle/>
+                    <a:p>
+                      <a:pPr indent="0" lvl="0" marL="0" rtl="0" algn="ctr">
+                        <a:spcBef>
+                          <a:spcPts val="0"/>
+                        </a:spcBef>
+                        <a:spcAft>
+                          <a:spcPts val="0"/>
+                        </a:spcAft>
+                        <a:buNone/>
+                      </a:pPr>
+                      <a:r>
+                        <a:rPr lang="ru-RU" sz="2000">
+                          <a:latin typeface="Times New Roman"/>
+                          <a:ea typeface="Times New Roman"/>
+                          <a:cs typeface="Times New Roman"/>
+                          <a:sym typeface="Times New Roman"/>
+                        </a:rPr>
+                        <a:t>-</a:t>
+                      </a:r>
+                      <a:endParaRPr sz="2000">
+                        <a:latin typeface="Times New Roman"/>
+                        <a:ea typeface="Times New Roman"/>
+                        <a:cs typeface="Times New Roman"/>
+                        <a:sym typeface="Times New Roman"/>
+                      </a:endParaRPr>
+                    </a:p>
+                  </a:txBody>
+                  <a:tcPr marT="91425" marB="91425" marR="91425" marL="91425" anchor="ctr"/>
+                </a:tc>
+              </a:tr>
+              <a:tr h="103450">
+                <a:tc>
+                  <a:txBody>
+                    <a:bodyPr/>
+                    <a:lstStyle/>
+                    <a:p>
+                      <a:pPr indent="0" lvl="0" marL="0" rtl="0" algn="ctr">
+                        <a:spcBef>
+                          <a:spcPts val="0"/>
+                        </a:spcBef>
+                        <a:spcAft>
+                          <a:spcPts val="0"/>
+                        </a:spcAft>
+                        <a:buNone/>
+                      </a:pPr>
+                      <a:r>
+                        <a:rPr lang="ru-RU" sz="2000">
+                          <a:latin typeface="Times New Roman"/>
+                          <a:ea typeface="Times New Roman"/>
+                          <a:cs typeface="Times New Roman"/>
+                          <a:sym typeface="Times New Roman"/>
+                        </a:rPr>
+                        <a:t>C#</a:t>
+                      </a:r>
+                      <a:endParaRPr sz="2000">
+                        <a:latin typeface="Times New Roman"/>
+                        <a:ea typeface="Times New Roman"/>
+                        <a:cs typeface="Times New Roman"/>
+                        <a:sym typeface="Times New Roman"/>
+                      </a:endParaRPr>
+                    </a:p>
+                  </a:txBody>
+                  <a:tcPr marT="91425" marB="91425" marR="91425" marL="91425" anchor="ctr"/>
+                </a:tc>
+                <a:tc>
+                  <a:txBody>
+                    <a:bodyPr/>
+                    <a:lstStyle/>
+                    <a:p>
+                      <a:pPr indent="0" lvl="0" marL="0" rtl="0" algn="ctr">
+                        <a:spcBef>
+                          <a:spcPts val="0"/>
+                        </a:spcBef>
+                        <a:spcAft>
+                          <a:spcPts val="0"/>
+                        </a:spcAft>
+                        <a:buNone/>
+                      </a:pPr>
+                      <a:r>
+                        <a:rPr lang="ru-RU" sz="2000">
+                          <a:solidFill>
+                            <a:schemeClr val="dk1"/>
+                          </a:solidFill>
+                          <a:latin typeface="Times New Roman"/>
+                          <a:ea typeface="Times New Roman"/>
+                          <a:cs typeface="Times New Roman"/>
+                          <a:sym typeface="Times New Roman"/>
+                        </a:rPr>
+                        <a:t>По умолчанию</a:t>
+                      </a:r>
+                      <a:endParaRPr sz="2000">
+                        <a:latin typeface="Times New Roman"/>
+                        <a:ea typeface="Times New Roman"/>
+                        <a:cs typeface="Times New Roman"/>
+                        <a:sym typeface="Times New Roman"/>
+                      </a:endParaRPr>
+                    </a:p>
+                  </a:txBody>
+                  <a:tcPr marT="91425" marB="91425" marR="91425" marL="91425" anchor="ctr"/>
+                </a:tc>
+                <a:tc>
+                  <a:txBody>
+                    <a:bodyPr/>
+                    <a:lstStyle/>
+                    <a:p>
+                      <a:pPr indent="0" lvl="0" marL="0" rtl="0" algn="ctr">
+                        <a:spcBef>
+                          <a:spcPts val="0"/>
+                        </a:spcBef>
+                        <a:spcAft>
+                          <a:spcPts val="0"/>
+                        </a:spcAft>
+                        <a:buNone/>
+                      </a:pPr>
+                      <a:r>
+                        <a:rPr lang="ru-RU" sz="2000">
+                          <a:latin typeface="Times New Roman"/>
+                          <a:ea typeface="Times New Roman"/>
+                          <a:cs typeface="Times New Roman"/>
+                          <a:sym typeface="Times New Roman"/>
+                        </a:rPr>
+                        <a:t>+</a:t>
+                      </a:r>
+                      <a:endParaRPr sz="2000">
+                        <a:latin typeface="Times New Roman"/>
+                        <a:ea typeface="Times New Roman"/>
+                        <a:cs typeface="Times New Roman"/>
+                        <a:sym typeface="Times New Roman"/>
+                      </a:endParaRPr>
+                    </a:p>
+                  </a:txBody>
+                  <a:tcPr marT="91425" marB="91425" marR="91425" marL="91425" anchor="ctr"/>
+                </a:tc>
+                <a:tc>
+                  <a:txBody>
+                    <a:bodyPr/>
+                    <a:lstStyle/>
+                    <a:p>
+                      <a:pPr indent="0" lvl="0" marL="0" rtl="0" algn="ctr">
+                        <a:spcBef>
+                          <a:spcPts val="0"/>
+                        </a:spcBef>
+                        <a:spcAft>
+                          <a:spcPts val="0"/>
+                        </a:spcAft>
+                        <a:buNone/>
+                      </a:pPr>
+                      <a:r>
+                        <a:rPr lang="ru-RU" sz="2000">
+                          <a:latin typeface="Times New Roman"/>
+                          <a:ea typeface="Times New Roman"/>
+                          <a:cs typeface="Times New Roman"/>
+                          <a:sym typeface="Times New Roman"/>
+                        </a:rPr>
+                        <a:t>+</a:t>
+                      </a:r>
+                      <a:endParaRPr sz="2000">
+                        <a:latin typeface="Times New Roman"/>
+                        <a:ea typeface="Times New Roman"/>
+                        <a:cs typeface="Times New Roman"/>
+                        <a:sym typeface="Times New Roman"/>
+                      </a:endParaRPr>
+                    </a:p>
+                  </a:txBody>
+                  <a:tcPr marT="91425" marB="91425" marR="91425" marL="91425" anchor="ctr"/>
+                </a:tc>
+                <a:tc>
+                  <a:txBody>
+                    <a:bodyPr/>
+                    <a:lstStyle/>
+                    <a:p>
+                      <a:pPr indent="0" lvl="0" marL="0" rtl="0" algn="ctr">
+                        <a:spcBef>
+                          <a:spcPts val="0"/>
+                        </a:spcBef>
+                        <a:spcAft>
+                          <a:spcPts val="0"/>
+                        </a:spcAft>
+                        <a:buNone/>
+                      </a:pPr>
+                      <a:r>
+                        <a:rPr lang="ru-RU" sz="2000">
+                          <a:latin typeface="Times New Roman"/>
+                          <a:ea typeface="Times New Roman"/>
+                          <a:cs typeface="Times New Roman"/>
+                          <a:sym typeface="Times New Roman"/>
+                        </a:rPr>
+                        <a:t>+</a:t>
+                      </a:r>
+                      <a:endParaRPr sz="2000">
+                        <a:latin typeface="Times New Roman"/>
+                        <a:ea typeface="Times New Roman"/>
+                        <a:cs typeface="Times New Roman"/>
+                        <a:sym typeface="Times New Roman"/>
+                      </a:endParaRPr>
+                    </a:p>
+                  </a:txBody>
+                  <a:tcPr marT="91425" marB="91425" marR="91425" marL="91425" anchor="ctr"/>
+                </a:tc>
+              </a:tr>
+              <a:tr h="167075">
+                <a:tc>
+                  <a:txBody>
+                    <a:bodyPr/>
+                    <a:lstStyle/>
+                    <a:p>
+                      <a:pPr indent="0" lvl="0" marL="0" rtl="0" algn="ctr">
+                        <a:spcBef>
+                          <a:spcPts val="0"/>
+                        </a:spcBef>
+                        <a:spcAft>
+                          <a:spcPts val="0"/>
+                        </a:spcAft>
+                        <a:buNone/>
+                      </a:pPr>
+                      <a:r>
+                        <a:rPr lang="ru-RU" sz="2000">
+                          <a:latin typeface="Times New Roman"/>
+                          <a:ea typeface="Times New Roman"/>
+                          <a:cs typeface="Times New Roman"/>
+                          <a:sym typeface="Times New Roman"/>
+                        </a:rPr>
+                        <a:t>Golang</a:t>
+                      </a:r>
+                      <a:endParaRPr sz="2000">
+                        <a:latin typeface="Times New Roman"/>
+                        <a:ea typeface="Times New Roman"/>
+                        <a:cs typeface="Times New Roman"/>
+                        <a:sym typeface="Times New Roman"/>
+                      </a:endParaRPr>
+                    </a:p>
+                  </a:txBody>
+                  <a:tcPr marT="91425" marB="91425" marR="91425" marL="91425" anchor="ctr"/>
+                </a:tc>
+                <a:tc>
+                  <a:txBody>
+                    <a:bodyPr/>
+                    <a:lstStyle/>
+                    <a:p>
+                      <a:pPr indent="0" lvl="0" marL="0" rtl="0" algn="ctr">
+                        <a:spcBef>
+                          <a:spcPts val="0"/>
+                        </a:spcBef>
+                        <a:spcAft>
+                          <a:spcPts val="0"/>
+                        </a:spcAft>
+                        <a:buNone/>
+                      </a:pPr>
+                      <a:r>
+                        <a:rPr lang="ru-RU" sz="2000">
+                          <a:solidFill>
+                            <a:schemeClr val="dk1"/>
+                          </a:solidFill>
+                          <a:latin typeface="Times New Roman"/>
+                          <a:ea typeface="Times New Roman"/>
+                          <a:cs typeface="Times New Roman"/>
+                          <a:sym typeface="Times New Roman"/>
+                        </a:rPr>
+                        <a:t>По умолчанию</a:t>
+                      </a:r>
+                      <a:endParaRPr sz="2000">
+                        <a:latin typeface="Times New Roman"/>
+                        <a:ea typeface="Times New Roman"/>
+                        <a:cs typeface="Times New Roman"/>
+                        <a:sym typeface="Times New Roman"/>
+                      </a:endParaRPr>
+                    </a:p>
+                  </a:txBody>
+                  <a:tcPr marT="91425" marB="91425" marR="91425" marL="91425" anchor="ctr"/>
+                </a:tc>
+                <a:tc>
+                  <a:txBody>
+                    <a:bodyPr/>
+                    <a:lstStyle/>
+                    <a:p>
+                      <a:pPr indent="0" lvl="0" marL="0" rtl="0" algn="ctr">
+                        <a:spcBef>
+                          <a:spcPts val="0"/>
+                        </a:spcBef>
+                        <a:spcAft>
+                          <a:spcPts val="0"/>
+                        </a:spcAft>
+                        <a:buNone/>
+                      </a:pPr>
+                      <a:r>
+                        <a:rPr lang="ru-RU" sz="2000">
+                          <a:latin typeface="Times New Roman"/>
+                          <a:ea typeface="Times New Roman"/>
+                          <a:cs typeface="Times New Roman"/>
+                          <a:sym typeface="Times New Roman"/>
+                        </a:rPr>
+                        <a:t>-</a:t>
+                      </a:r>
+                      <a:endParaRPr sz="2000">
+                        <a:latin typeface="Times New Roman"/>
+                        <a:ea typeface="Times New Roman"/>
+                        <a:cs typeface="Times New Roman"/>
+                        <a:sym typeface="Times New Roman"/>
+                      </a:endParaRPr>
+                    </a:p>
+                  </a:txBody>
+                  <a:tcPr marT="91425" marB="91425" marR="91425" marL="91425" anchor="ctr"/>
+                </a:tc>
+                <a:tc>
+                  <a:txBody>
+                    <a:bodyPr/>
+                    <a:lstStyle/>
+                    <a:p>
+                      <a:pPr indent="0" lvl="0" marL="0" rtl="0" algn="ctr">
+                        <a:spcBef>
+                          <a:spcPts val="0"/>
+                        </a:spcBef>
+                        <a:spcAft>
+                          <a:spcPts val="0"/>
+                        </a:spcAft>
+                        <a:buNone/>
+                      </a:pPr>
+                      <a:r>
+                        <a:rPr lang="ru-RU" sz="2000">
+                          <a:latin typeface="Times New Roman"/>
+                          <a:ea typeface="Times New Roman"/>
+                          <a:cs typeface="Times New Roman"/>
+                          <a:sym typeface="Times New Roman"/>
+                        </a:rPr>
+                        <a:t>+</a:t>
+                      </a:r>
+                      <a:endParaRPr sz="2000">
+                        <a:latin typeface="Times New Roman"/>
+                        <a:ea typeface="Times New Roman"/>
+                        <a:cs typeface="Times New Roman"/>
+                        <a:sym typeface="Times New Roman"/>
+                      </a:endParaRPr>
+                    </a:p>
+                  </a:txBody>
+                  <a:tcPr marT="91425" marB="91425" marR="91425" marL="91425" anchor="ctr"/>
+                </a:tc>
+                <a:tc>
+                  <a:txBody>
+                    <a:bodyPr/>
+                    <a:lstStyle/>
+                    <a:p>
+                      <a:pPr indent="0" lvl="0" marL="0" rtl="0" algn="ctr">
+                        <a:spcBef>
+                          <a:spcPts val="0"/>
+                        </a:spcBef>
+                        <a:spcAft>
+                          <a:spcPts val="0"/>
+                        </a:spcAft>
+                        <a:buNone/>
+                      </a:pPr>
+                      <a:r>
+                        <a:rPr lang="ru-RU" sz="2000">
+                          <a:latin typeface="Times New Roman"/>
+                          <a:ea typeface="Times New Roman"/>
+                          <a:cs typeface="Times New Roman"/>
+                          <a:sym typeface="Times New Roman"/>
+                        </a:rPr>
+                        <a:t>+</a:t>
+                      </a:r>
+                      <a:endParaRPr sz="2000">
+                        <a:latin typeface="Times New Roman"/>
+                        <a:ea typeface="Times New Roman"/>
+                        <a:cs typeface="Times New Roman"/>
+                        <a:sym typeface="Times New Roman"/>
+                      </a:endParaRPr>
+                    </a:p>
+                  </a:txBody>
+                  <a:tcPr marT="91425" marB="91425" marR="91425" marL="91425" anchor="ctr"/>
+                </a:tc>
+              </a:tr>
+            </a:tbl>
+          </a:graphicData>
+        </a:graphic>
+      </p:graphicFrame>
+    </p:spTree>
+  </p:cSld>
+  <p:clrMapOvr>
+    <a:masterClrMapping/>
+  </p:clrMapOvr>
+</p:sld>
+</file>
+
+<file path=ppt/slides/slide13.xml><?xml version="1.0" encoding="utf-8"?>
+<p:sld xmlns:a="http://schemas.openxmlformats.org/drawingml/2006/main" xmlns:r="http://schemas.openxmlformats.org/officeDocument/2006/relationships" xmlns:mc="http://schemas.openxmlformats.org/markup-compatibility/2006" xmlns:mv="urn:schemas-microsoft-com:mac:vml" xmlns:p="http://schemas.openxmlformats.org/presentationml/2006/main" xmlns:c="http://schemas.openxmlformats.org/drawingml/2006/chart" xmlns:dgm="http://schemas.openxmlformats.org/drawingml/2006/diagram" xmlns:o="urn:schemas-microsoft-com:office:office" xmlns:v="urn:schemas-microsoft-com:vml" xmlns:pvml="urn:schemas-microsoft-com:office:powerpoint" xmlns:com="http://schemas.openxmlformats.org/drawingml/2006/compatibility" xmlns:p14="http://schemas.microsoft.com/office/powerpoint/2010/main" xmlns:p15="http://schemas.microsoft.com/office/powerpoint/2012/main" xmlns:ahyp="http://schemas.microsoft.com/office/drawing/2018/hyperlinkcolor">
+  <p:cSld>
+    <p:spTree>
+      <p:nvGrpSpPr>
+        <p:cNvPr id="202" name="Shape 202"/>
+        <p:cNvGrpSpPr/>
+        <p:nvPr/>
+      </p:nvGrpSpPr>
+      <p:grpSpPr>
+        <a:xfrm>
+          <a:off x="0" y="0"/>
+          <a:ext cx="0" cy="0"/>
+          <a:chOff x="0" y="0"/>
+          <a:chExt cx="0" cy="0"/>
+        </a:xfrm>
+      </p:grpSpPr>
+      <p:sp>
+        <p:nvSpPr>
+          <p:cNvPr id="203" name="Google Shape;203;p26"/>
           <p:cNvSpPr txBox="1"/>
           <p:nvPr>
             <p:ph type="title"/>
@@ -14105,7 +16989,7 @@
       </p:sp>
       <p:sp>
         <p:nvSpPr>
-          <p:cNvPr id="174" name="Google Shape;174;p23"/>
+          <p:cNvPr id="204" name="Google Shape;204;p26"/>
           <p:cNvSpPr txBox="1"/>
           <p:nvPr>
             <p:ph idx="12" type="sldNum"/>
@@ -14149,12 +17033,12 @@
       </p:sp>
       <p:graphicFrame>
         <p:nvGraphicFramePr>
-          <p:cNvPr id="175" name="Google Shape;175;p23"/>
+          <p:cNvPr id="205" name="Google Shape;205;p26"/>
           <p:cNvGraphicFramePr/>
           <p:nvPr/>
         </p:nvGraphicFramePr>
         <p:xfrm>
-          <a:off x="754075" y="1325700"/>
+          <a:off x="636825" y="1325700"/>
           <a:ext cx="3000000" cy="3000000"/>
         </p:xfrm>
         <a:graphic>
@@ -14162,11 +17046,11 @@
             <a:tbl>
               <a:tblPr>
                 <a:noFill/>
-                <a:tableStyleId>{2ECAA241-40DA-4E9F-A99F-C4C5CD59DEBF}</a:tableStyleId>
+                <a:tableStyleId>{34F6A1B4-45BB-4973-A7C4-5B9904845896}</a:tableStyleId>
               </a:tblPr>
               <a:tblGrid>
                 <a:gridCol w="2273975"/>
-                <a:gridCol w="1847450"/>
+                <a:gridCol w="1911050"/>
                 <a:gridCol w="1839650"/>
                 <a:gridCol w="2689975"/>
                 <a:gridCol w="2590475"/>
@@ -14354,7 +17238,7 @@
                         <a:buNone/>
                       </a:pPr>
                       <a:r>
-                        <a:rPr lang="ru-RU" sz="2000">
+                        <a:rPr b="1" lang="ru-RU" sz="2000">
                           <a:latin typeface="Times New Roman"/>
                           <a:ea typeface="Times New Roman"/>
                           <a:cs typeface="Times New Roman"/>
@@ -14362,7 +17246,7 @@
                         </a:rPr>
                         <a:t>Python</a:t>
                       </a:r>
-                      <a:endParaRPr sz="2000">
+                      <a:endParaRPr b="1" sz="2000">
                         <a:latin typeface="Times New Roman"/>
                         <a:ea typeface="Times New Roman"/>
                         <a:cs typeface="Times New Roman"/>
@@ -14387,7 +17271,7 @@
                         <a:buNone/>
                       </a:pPr>
                       <a:r>
-                        <a:rPr lang="ru-RU" sz="2000">
+                        <a:rPr b="1" lang="ru-RU" sz="2000">
                           <a:latin typeface="Times New Roman"/>
                           <a:ea typeface="Times New Roman"/>
                           <a:cs typeface="Times New Roman"/>
@@ -14395,7 +17279,7 @@
                         </a:rPr>
                         <a:t>По умолчанию</a:t>
                       </a:r>
-                      <a:endParaRPr sz="2000">
+                      <a:endParaRPr b="1" sz="2000">
                         <a:latin typeface="Times New Roman"/>
                         <a:ea typeface="Times New Roman"/>
                         <a:cs typeface="Times New Roman"/>
@@ -14420,7 +17304,7 @@
                         <a:buNone/>
                       </a:pPr>
                       <a:r>
-                        <a:rPr lang="ru-RU" sz="2000">
+                        <a:rPr b="1" lang="ru-RU" sz="2000">
                           <a:latin typeface="Times New Roman"/>
                           <a:ea typeface="Times New Roman"/>
                           <a:cs typeface="Times New Roman"/>
@@ -14428,7 +17312,7 @@
                         </a:rPr>
                         <a:t>-</a:t>
                       </a:r>
-                      <a:endParaRPr sz="2000">
+                      <a:endParaRPr b="1" sz="2000">
                         <a:latin typeface="Times New Roman"/>
                         <a:ea typeface="Times New Roman"/>
                         <a:cs typeface="Times New Roman"/>
@@ -14453,7 +17337,7 @@
                         <a:buNone/>
                       </a:pPr>
                       <a:r>
-                        <a:rPr lang="ru-RU" sz="2000">
+                        <a:rPr b="1" lang="ru-RU" sz="2000">
                           <a:latin typeface="Times New Roman"/>
                           <a:ea typeface="Times New Roman"/>
                           <a:cs typeface="Times New Roman"/>
@@ -14461,7 +17345,7 @@
                         </a:rPr>
                         <a:t>+</a:t>
                       </a:r>
-                      <a:endParaRPr sz="2000">
+                      <a:endParaRPr b="1" sz="2000">
                         <a:latin typeface="Times New Roman"/>
                         <a:ea typeface="Times New Roman"/>
                         <a:cs typeface="Times New Roman"/>
@@ -14486,7 +17370,7 @@
                         <a:buNone/>
                       </a:pPr>
                       <a:r>
-                        <a:rPr lang="ru-RU" sz="2000">
+                        <a:rPr b="1" lang="ru-RU" sz="2000">
                           <a:latin typeface="Times New Roman"/>
                           <a:ea typeface="Times New Roman"/>
                           <a:cs typeface="Times New Roman"/>
@@ -14494,7 +17378,7 @@
                         </a:rPr>
                         <a:t>1</a:t>
                       </a:r>
-                      <a:endParaRPr sz="2000">
+                      <a:endParaRPr b="1" sz="2000">
                         <a:latin typeface="Times New Roman"/>
                         <a:ea typeface="Times New Roman"/>
                         <a:cs typeface="Times New Roman"/>
@@ -14521,7 +17405,7 @@
                         <a:buNone/>
                       </a:pPr>
                       <a:r>
-                        <a:rPr lang="ru-RU" sz="2000">
+                        <a:rPr b="1" lang="ru-RU" sz="2000">
                           <a:latin typeface="Times New Roman"/>
                           <a:ea typeface="Times New Roman"/>
                           <a:cs typeface="Times New Roman"/>
@@ -14529,7 +17413,7 @@
                         </a:rPr>
                         <a:t>Java</a:t>
                       </a:r>
-                      <a:endParaRPr sz="2000">
+                      <a:endParaRPr b="1" sz="2000">
                         <a:latin typeface="Times New Roman"/>
                         <a:ea typeface="Times New Roman"/>
                         <a:cs typeface="Times New Roman"/>
@@ -14554,7 +17438,7 @@
                         <a:buNone/>
                       </a:pPr>
                       <a:r>
-                        <a:rPr lang="ru-RU" sz="2000">
+                        <a:rPr b="1" lang="ru-RU" sz="2000">
                           <a:latin typeface="Times New Roman"/>
                           <a:ea typeface="Times New Roman"/>
                           <a:cs typeface="Times New Roman"/>
@@ -14562,7 +17446,7 @@
                         </a:rPr>
                         <a:t>Serial</a:t>
                       </a:r>
-                      <a:endParaRPr sz="2000">
+                      <a:endParaRPr b="1" sz="2000">
                         <a:latin typeface="Times New Roman"/>
                         <a:ea typeface="Times New Roman"/>
                         <a:cs typeface="Times New Roman"/>
@@ -14587,7 +17471,7 @@
                         <a:buNone/>
                       </a:pPr>
                       <a:r>
-                        <a:rPr lang="ru-RU" sz="2000">
+                        <a:rPr b="1" lang="ru-RU" sz="2000">
                           <a:latin typeface="Times New Roman"/>
                           <a:ea typeface="Times New Roman"/>
                           <a:cs typeface="Times New Roman"/>
@@ -14595,7 +17479,7 @@
                         </a:rPr>
                         <a:t>-</a:t>
                       </a:r>
-                      <a:endParaRPr sz="2000">
+                      <a:endParaRPr b="1" sz="2000">
                         <a:latin typeface="Times New Roman"/>
                         <a:ea typeface="Times New Roman"/>
                         <a:cs typeface="Times New Roman"/>
@@ -14620,7 +17504,7 @@
                         <a:buNone/>
                       </a:pPr>
                       <a:r>
-                        <a:rPr lang="ru-RU" sz="2000">
+                        <a:rPr b="1" lang="ru-RU" sz="2000">
                           <a:latin typeface="Times New Roman"/>
                           <a:ea typeface="Times New Roman"/>
                           <a:cs typeface="Times New Roman"/>
@@ -14628,7 +17512,7 @@
                         </a:rPr>
                         <a:t>-</a:t>
                       </a:r>
-                      <a:endParaRPr sz="2000">
+                      <a:endParaRPr b="1" sz="2000">
                         <a:latin typeface="Times New Roman"/>
                         <a:ea typeface="Times New Roman"/>
                         <a:cs typeface="Times New Roman"/>
@@ -14653,7 +17537,7 @@
                         <a:buNone/>
                       </a:pPr>
                       <a:r>
-                        <a:rPr lang="ru-RU" sz="2000">
+                        <a:rPr b="1" lang="ru-RU" sz="2000">
                           <a:latin typeface="Times New Roman"/>
                           <a:ea typeface="Times New Roman"/>
                           <a:cs typeface="Times New Roman"/>
@@ -14661,7 +17545,7 @@
                         </a:rPr>
                         <a:t>1</a:t>
                       </a:r>
-                      <a:endParaRPr sz="2000">
+                      <a:endParaRPr b="1" sz="2000">
                         <a:latin typeface="Times New Roman"/>
                         <a:ea typeface="Times New Roman"/>
                         <a:cs typeface="Times New Roman"/>
@@ -14689,7 +17573,7 @@
                         <a:buNone/>
                       </a:pPr>
                       <a:r>
-                        <a:rPr lang="ru-RU" sz="2000">
+                        <a:rPr b="1" lang="ru-RU" sz="2000">
                           <a:latin typeface="Times New Roman"/>
                           <a:ea typeface="Times New Roman"/>
                           <a:cs typeface="Times New Roman"/>
@@ -14697,7 +17581,7 @@
                         </a:rPr>
                         <a:t>Parallel</a:t>
                       </a:r>
-                      <a:endParaRPr sz="2000">
+                      <a:endParaRPr b="1" sz="2000">
                         <a:latin typeface="Times New Roman"/>
                         <a:ea typeface="Times New Roman"/>
                         <a:cs typeface="Times New Roman"/>
@@ -14722,7 +17606,7 @@
                         <a:buNone/>
                       </a:pPr>
                       <a:r>
-                        <a:rPr lang="ru-RU" sz="2000">
+                        <a:rPr b="1" lang="ru-RU" sz="2000">
                           <a:latin typeface="Times New Roman"/>
                           <a:ea typeface="Times New Roman"/>
                           <a:cs typeface="Times New Roman"/>
@@ -14730,7 +17614,7 @@
                         </a:rPr>
                         <a:t>+</a:t>
                       </a:r>
-                      <a:endParaRPr sz="2000">
+                      <a:endParaRPr b="1" sz="2000">
                         <a:latin typeface="Times New Roman"/>
                         <a:ea typeface="Times New Roman"/>
                         <a:cs typeface="Times New Roman"/>
@@ -14755,7 +17639,7 @@
                         <a:buNone/>
                       </a:pPr>
                       <a:r>
-                        <a:rPr lang="ru-RU" sz="2000">
+                        <a:rPr b="1" lang="ru-RU" sz="2000">
                           <a:latin typeface="Times New Roman"/>
                           <a:ea typeface="Times New Roman"/>
                           <a:cs typeface="Times New Roman"/>
@@ -14763,7 +17647,7 @@
                         </a:rPr>
                         <a:t>-</a:t>
                       </a:r>
-                      <a:endParaRPr sz="2000">
+                      <a:endParaRPr b="1" sz="2000">
                         <a:latin typeface="Times New Roman"/>
                         <a:ea typeface="Times New Roman"/>
                         <a:cs typeface="Times New Roman"/>
@@ -14788,7 +17672,7 @@
                         <a:buNone/>
                       </a:pPr>
                       <a:r>
-                        <a:rPr lang="ru-RU" sz="2000">
+                        <a:rPr b="1" lang="ru-RU" sz="2000">
                           <a:latin typeface="Times New Roman"/>
                           <a:ea typeface="Times New Roman"/>
                           <a:cs typeface="Times New Roman"/>
@@ -14796,7 +17680,7 @@
                         </a:rPr>
                         <a:t>1</a:t>
                       </a:r>
-                      <a:endParaRPr sz="2000">
+                      <a:endParaRPr b="1" sz="2000">
                         <a:latin typeface="Times New Roman"/>
                         <a:ea typeface="Times New Roman"/>
                         <a:cs typeface="Times New Roman"/>
@@ -14824,7 +17708,7 @@
                         <a:buNone/>
                       </a:pPr>
                       <a:r>
-                        <a:rPr lang="ru-RU" sz="2000">
+                        <a:rPr b="1" lang="ru-RU" sz="2000">
                           <a:latin typeface="Times New Roman"/>
                           <a:ea typeface="Times New Roman"/>
                           <a:cs typeface="Times New Roman"/>
@@ -14832,7 +17716,7 @@
                         </a:rPr>
                         <a:t>Garbage-First</a:t>
                       </a:r>
-                      <a:endParaRPr sz="2000">
+                      <a:endParaRPr b="1" sz="2000">
                         <a:latin typeface="Times New Roman"/>
                         <a:ea typeface="Times New Roman"/>
                         <a:cs typeface="Times New Roman"/>
@@ -14857,7 +17741,7 @@
                         <a:buNone/>
                       </a:pPr>
                       <a:r>
-                        <a:rPr lang="ru-RU" sz="2000">
+                        <a:rPr b="1" lang="ru-RU" sz="2000">
                           <a:latin typeface="Times New Roman"/>
                           <a:ea typeface="Times New Roman"/>
                           <a:cs typeface="Times New Roman"/>
@@ -14865,7 +17749,7 @@
                         </a:rPr>
                         <a:t>+</a:t>
                       </a:r>
-                      <a:endParaRPr sz="2000">
+                      <a:endParaRPr b="1" sz="2000">
                         <a:latin typeface="Times New Roman"/>
                         <a:ea typeface="Times New Roman"/>
                         <a:cs typeface="Times New Roman"/>
@@ -14890,7 +17774,7 @@
                         <a:buNone/>
                       </a:pPr>
                       <a:r>
-                        <a:rPr lang="ru-RU" sz="2000">
+                        <a:rPr b="1" lang="ru-RU" sz="2000">
                           <a:latin typeface="Times New Roman"/>
                           <a:ea typeface="Times New Roman"/>
                           <a:cs typeface="Times New Roman"/>
@@ -14898,7 +17782,7 @@
                         </a:rPr>
                         <a:t>+</a:t>
                       </a:r>
-                      <a:endParaRPr sz="2000">
+                      <a:endParaRPr b="1" sz="2000">
                         <a:latin typeface="Times New Roman"/>
                         <a:ea typeface="Times New Roman"/>
                         <a:cs typeface="Times New Roman"/>
@@ -14923,7 +17807,7 @@
                         <a:buNone/>
                       </a:pPr>
                       <a:r>
-                        <a:rPr lang="ru-RU" sz="2000">
+                        <a:rPr b="1" lang="ru-RU" sz="2000">
                           <a:latin typeface="Times New Roman"/>
                           <a:ea typeface="Times New Roman"/>
                           <a:cs typeface="Times New Roman"/>
@@ -14931,7 +17815,7 @@
                         </a:rPr>
                         <a:t>2</a:t>
                       </a:r>
-                      <a:endParaRPr sz="2000">
+                      <a:endParaRPr b="1" sz="2000">
                         <a:latin typeface="Times New Roman"/>
                         <a:ea typeface="Times New Roman"/>
                         <a:cs typeface="Times New Roman"/>
@@ -14959,7 +17843,7 @@
                         <a:buNone/>
                       </a:pPr>
                       <a:r>
-                        <a:rPr lang="ru-RU" sz="2000">
+                        <a:rPr b="1" lang="ru-RU" sz="2000">
                           <a:latin typeface="Times New Roman"/>
                           <a:ea typeface="Times New Roman"/>
                           <a:cs typeface="Times New Roman"/>
@@ -14967,7 +17851,7 @@
                         </a:rPr>
                         <a:t>ZGC</a:t>
                       </a:r>
-                      <a:endParaRPr sz="2000">
+                      <a:endParaRPr b="1" sz="2000">
                         <a:latin typeface="Times New Roman"/>
                         <a:ea typeface="Times New Roman"/>
                         <a:cs typeface="Times New Roman"/>
@@ -14992,7 +17876,7 @@
                         <a:buNone/>
                       </a:pPr>
                       <a:r>
-                        <a:rPr lang="ru-RU" sz="2000">
+                        <a:rPr b="1" lang="ru-RU" sz="2000">
                           <a:latin typeface="Times New Roman"/>
                           <a:ea typeface="Times New Roman"/>
                           <a:cs typeface="Times New Roman"/>
@@ -15000,7 +17884,7 @@
                         </a:rPr>
                         <a:t>+</a:t>
                       </a:r>
-                      <a:endParaRPr sz="2000">
+                      <a:endParaRPr b="1" sz="2000">
                         <a:latin typeface="Times New Roman"/>
                         <a:ea typeface="Times New Roman"/>
                         <a:cs typeface="Times New Roman"/>
@@ -15025,7 +17909,7 @@
                         <a:buNone/>
                       </a:pPr>
                       <a:r>
-                        <a:rPr lang="ru-RU" sz="2000">
+                        <a:rPr b="1" lang="ru-RU" sz="2000">
                           <a:latin typeface="Times New Roman"/>
                           <a:ea typeface="Times New Roman"/>
                           <a:cs typeface="Times New Roman"/>
@@ -15033,7 +17917,7 @@
                         </a:rPr>
                         <a:t>+</a:t>
                       </a:r>
-                      <a:endParaRPr sz="2000">
+                      <a:endParaRPr b="1" sz="2000">
                         <a:latin typeface="Times New Roman"/>
                         <a:ea typeface="Times New Roman"/>
                         <a:cs typeface="Times New Roman"/>
@@ -15058,7 +17942,7 @@
                         <a:buNone/>
                       </a:pPr>
                       <a:r>
-                        <a:rPr lang="ru-RU" sz="2000">
+                        <a:rPr b="1" lang="ru-RU" sz="2000">
                           <a:latin typeface="Times New Roman"/>
                           <a:ea typeface="Times New Roman"/>
                           <a:cs typeface="Times New Roman"/>
@@ -15066,7 +17950,7 @@
                         </a:rPr>
                         <a:t>1</a:t>
                       </a:r>
-                      <a:endParaRPr sz="2000">
+                      <a:endParaRPr b="1" sz="2000">
                         <a:latin typeface="Times New Roman"/>
                         <a:ea typeface="Times New Roman"/>
                         <a:cs typeface="Times New Roman"/>
@@ -15599,12 +18483,12 @@
 </p:sld>
 </file>
 
-<file path=ppt/slides/slide11.xml><?xml version="1.0" encoding="utf-8"?>
+<file path=ppt/slides/slide14.xml><?xml version="1.0" encoding="utf-8"?>
 <p:sld xmlns:a="http://schemas.openxmlformats.org/drawingml/2006/main" xmlns:r="http://schemas.openxmlformats.org/officeDocument/2006/relationships" xmlns:mc="http://schemas.openxmlformats.org/markup-compatibility/2006" xmlns:mv="urn:schemas-microsoft-com:mac:vml" xmlns:p="http://schemas.openxmlformats.org/presentationml/2006/main" xmlns:c="http://schemas.openxmlformats.org/drawingml/2006/chart" xmlns:dgm="http://schemas.openxmlformats.org/drawingml/2006/diagram" xmlns:o="urn:schemas-microsoft-com:office:office" xmlns:v="urn:schemas-microsoft-com:vml" xmlns:pvml="urn:schemas-microsoft-com:office:powerpoint" xmlns:com="http://schemas.openxmlformats.org/drawingml/2006/compatibility" xmlns:p14="http://schemas.microsoft.com/office/powerpoint/2010/main" xmlns:p15="http://schemas.microsoft.com/office/powerpoint/2012/main" xmlns:ahyp="http://schemas.microsoft.com/office/drawing/2018/hyperlinkcolor">
   <p:cSld>
     <p:spTree>
       <p:nvGrpSpPr>
-        <p:cNvPr id="180" name="Shape 180"/>
+        <p:cNvPr id="210" name="Shape 210"/>
         <p:cNvGrpSpPr/>
         <p:nvPr/>
       </p:nvGrpSpPr>
@@ -15618,7 +18502,7 @@
       </p:grpSpPr>
       <p:sp>
         <p:nvSpPr>
-          <p:cNvPr id="181" name="Google Shape;181;p24"/>
+          <p:cNvPr id="211" name="Google Shape;211;p27"/>
           <p:cNvSpPr txBox="1"/>
           <p:nvPr>
             <p:ph type="title"/>
@@ -15664,313 +18548,6 @@
                 <a:cs typeface="Times New Roman"/>
                 <a:sym typeface="Times New Roman"/>
               </a:rPr>
-              <a:t>Результаты сравнения</a:t>
-            </a:r>
-            <a:endParaRPr>
-              <a:latin typeface="Times New Roman"/>
-              <a:ea typeface="Times New Roman"/>
-              <a:cs typeface="Times New Roman"/>
-              <a:sym typeface="Times New Roman"/>
-            </a:endParaRPr>
-          </a:p>
-        </p:txBody>
-      </p:sp>
-      <p:sp>
-        <p:nvSpPr>
-          <p:cNvPr id="182" name="Google Shape;182;p24"/>
-          <p:cNvSpPr txBox="1"/>
-          <p:nvPr/>
-        </p:nvSpPr>
-        <p:spPr>
-          <a:xfrm>
-            <a:off x="502925" y="1008100"/>
-            <a:ext cx="10851000" cy="5730600"/>
-          </a:xfrm>
-          <a:prstGeom prst="rect">
-            <a:avLst/>
-          </a:prstGeom>
-          <a:noFill/>
-          <a:ln>
-            <a:noFill/>
-          </a:ln>
-        </p:spPr>
-        <p:txBody>
-          <a:bodyPr anchorCtr="0" anchor="t" bIns="91425" lIns="91425" spcFirstLastPara="1" rIns="91425" wrap="square" tIns="91425">
-            <a:noAutofit/>
-          </a:bodyPr>
-          <a:lstStyle/>
-          <a:p>
-            <a:pPr indent="0" lvl="0" marL="0" rtl="0" algn="just">
-              <a:spcBef>
-                <a:spcPts val="1200"/>
-              </a:spcBef>
-              <a:spcAft>
-                <a:spcPts val="0"/>
-              </a:spcAft>
-              <a:buNone/>
-            </a:pPr>
-            <a:r>
-              <a:rPr lang="ru-RU" sz="2500">
-                <a:solidFill>
-                  <a:schemeClr val="dk1"/>
-                </a:solidFill>
-                <a:latin typeface="Times New Roman"/>
-                <a:ea typeface="Times New Roman"/>
-                <a:cs typeface="Times New Roman"/>
-                <a:sym typeface="Times New Roman"/>
-              </a:rPr>
-              <a:t>В результате сравнения были выделены менеджеры памяти следующих языков программирования:</a:t>
-            </a:r>
-            <a:endParaRPr sz="2500">
-              <a:solidFill>
-                <a:schemeClr val="dk1"/>
-              </a:solidFill>
-              <a:latin typeface="Times New Roman"/>
-              <a:ea typeface="Times New Roman"/>
-              <a:cs typeface="Times New Roman"/>
-              <a:sym typeface="Times New Roman"/>
-            </a:endParaRPr>
-          </a:p>
-          <a:p>
-            <a:pPr indent="-387350" lvl="0" marL="457200" rtl="0" algn="just">
-              <a:spcBef>
-                <a:spcPts val="1200"/>
-              </a:spcBef>
-              <a:spcAft>
-                <a:spcPts val="0"/>
-              </a:spcAft>
-              <a:buClr>
-                <a:schemeClr val="dk1"/>
-              </a:buClr>
-              <a:buSzPts val="2500"/>
-              <a:buFont typeface="Times New Roman"/>
-              <a:buChar char="-"/>
-            </a:pPr>
-            <a:r>
-              <a:rPr lang="ru-RU" sz="2500">
-                <a:solidFill>
-                  <a:schemeClr val="dk1"/>
-                </a:solidFill>
-                <a:latin typeface="Times New Roman"/>
-                <a:ea typeface="Times New Roman"/>
-                <a:cs typeface="Times New Roman"/>
-                <a:sym typeface="Times New Roman"/>
-              </a:rPr>
-              <a:t>Python за счёт применения алгоритма поколений и подсчёта ссылок;</a:t>
-            </a:r>
-            <a:endParaRPr sz="2500">
-              <a:solidFill>
-                <a:schemeClr val="dk1"/>
-              </a:solidFill>
-              <a:latin typeface="Times New Roman"/>
-              <a:ea typeface="Times New Roman"/>
-              <a:cs typeface="Times New Roman"/>
-              <a:sym typeface="Times New Roman"/>
-            </a:endParaRPr>
-          </a:p>
-          <a:p>
-            <a:pPr indent="-387350" lvl="0" marL="457200" rtl="0" algn="just">
-              <a:spcBef>
-                <a:spcPts val="0"/>
-              </a:spcBef>
-              <a:spcAft>
-                <a:spcPts val="0"/>
-              </a:spcAft>
-              <a:buClr>
-                <a:schemeClr val="dk1"/>
-              </a:buClr>
-              <a:buSzPts val="2500"/>
-              <a:buFont typeface="Times New Roman"/>
-              <a:buChar char="-"/>
-            </a:pPr>
-            <a:r>
-              <a:rPr lang="ru-RU" sz="2500">
-                <a:solidFill>
-                  <a:schemeClr val="dk1"/>
-                </a:solidFill>
-                <a:latin typeface="Times New Roman"/>
-                <a:ea typeface="Times New Roman"/>
-                <a:cs typeface="Times New Roman"/>
-                <a:sym typeface="Times New Roman"/>
-              </a:rPr>
-              <a:t>Java за счёт предоставления пользователю возможности выбора сборщика мусора для выполнения каждой программы, а также оптимизации времен</a:t>
-            </a:r>
-            <a:r>
-              <a:rPr lang="ru-RU" sz="2500">
-                <a:solidFill>
-                  <a:schemeClr val="dk1"/>
-                </a:solidFill>
-                <a:latin typeface="Times New Roman"/>
-                <a:ea typeface="Times New Roman"/>
-                <a:cs typeface="Times New Roman"/>
-                <a:sym typeface="Times New Roman"/>
-              </a:rPr>
-              <a:t>и </a:t>
-            </a:r>
-            <a:r>
-              <a:rPr lang="ru-RU" sz="2500">
-                <a:solidFill>
-                  <a:schemeClr val="dk1"/>
-                </a:solidFill>
-                <a:latin typeface="Times New Roman"/>
-                <a:ea typeface="Times New Roman"/>
-                <a:cs typeface="Times New Roman"/>
-                <a:sym typeface="Times New Roman"/>
-              </a:rPr>
-              <a:t>пауз на сборку мусора.</a:t>
-            </a:r>
-            <a:endParaRPr sz="2500">
-              <a:solidFill>
-                <a:schemeClr val="dk1"/>
-              </a:solidFill>
-              <a:latin typeface="Times New Roman"/>
-              <a:ea typeface="Times New Roman"/>
-              <a:cs typeface="Times New Roman"/>
-              <a:sym typeface="Times New Roman"/>
-            </a:endParaRPr>
-          </a:p>
-          <a:p>
-            <a:pPr indent="0" lvl="0" marL="0" rtl="0" algn="just">
-              <a:spcBef>
-                <a:spcPts val="1200"/>
-              </a:spcBef>
-              <a:spcAft>
-                <a:spcPts val="0"/>
-              </a:spcAft>
-              <a:buNone/>
-            </a:pPr>
-            <a:r>
-              <a:t/>
-            </a:r>
-            <a:endParaRPr sz="2500">
-              <a:solidFill>
-                <a:schemeClr val="dk1"/>
-              </a:solidFill>
-              <a:latin typeface="Times New Roman"/>
-              <a:ea typeface="Times New Roman"/>
-              <a:cs typeface="Times New Roman"/>
-              <a:sym typeface="Times New Roman"/>
-            </a:endParaRPr>
-          </a:p>
-        </p:txBody>
-      </p:sp>
-      <p:sp>
-        <p:nvSpPr>
-          <p:cNvPr id="183" name="Google Shape;183;p24"/>
-          <p:cNvSpPr txBox="1"/>
-          <p:nvPr>
-            <p:ph idx="12" type="sldNum"/>
-          </p:nvPr>
-        </p:nvSpPr>
-        <p:spPr>
-          <a:xfrm>
-            <a:off x="8610600" y="6356350"/>
-            <a:ext cx="2743200" cy="365100"/>
-          </a:xfrm>
-          <a:prstGeom prst="rect">
-            <a:avLst/>
-          </a:prstGeom>
-        </p:spPr>
-        <p:txBody>
-          <a:bodyPr anchorCtr="0" anchor="ctr" bIns="45700" lIns="91425" spcFirstLastPara="1" rIns="91425" wrap="square" tIns="45700">
-            <a:noAutofit/>
-          </a:bodyPr>
-          <a:lstStyle/>
-          <a:p>
-            <a:pPr indent="0" lvl="0" marL="0" rtl="0" algn="r">
-              <a:spcBef>
-                <a:spcPts val="0"/>
-              </a:spcBef>
-              <a:spcAft>
-                <a:spcPts val="0"/>
-              </a:spcAft>
-              <a:buClr>
-                <a:srgbClr val="000000"/>
-              </a:buClr>
-              <a:buFont typeface="Arial"/>
-              <a:buNone/>
-            </a:pPr>
-            <a:fld id="{00000000-1234-1234-1234-123412341234}" type="slidenum">
-              <a:rPr lang="ru-RU"/>
-              <a:t>‹#›</a:t>
-            </a:fld>
-            <a:endParaRPr/>
-          </a:p>
-        </p:txBody>
-      </p:sp>
-    </p:spTree>
-  </p:cSld>
-  <p:clrMapOvr>
-    <a:masterClrMapping/>
-  </p:clrMapOvr>
-</p:sld>
-</file>
-
-<file path=ppt/slides/slide12.xml><?xml version="1.0" encoding="utf-8"?>
-<p:sld xmlns:a="http://schemas.openxmlformats.org/drawingml/2006/main" xmlns:r="http://schemas.openxmlformats.org/officeDocument/2006/relationships" xmlns:mc="http://schemas.openxmlformats.org/markup-compatibility/2006" xmlns:mv="urn:schemas-microsoft-com:mac:vml" xmlns:p="http://schemas.openxmlformats.org/presentationml/2006/main" xmlns:c="http://schemas.openxmlformats.org/drawingml/2006/chart" xmlns:dgm="http://schemas.openxmlformats.org/drawingml/2006/diagram" xmlns:o="urn:schemas-microsoft-com:office:office" xmlns:v="urn:schemas-microsoft-com:vml" xmlns:pvml="urn:schemas-microsoft-com:office:powerpoint" xmlns:com="http://schemas.openxmlformats.org/drawingml/2006/compatibility" xmlns:p14="http://schemas.microsoft.com/office/powerpoint/2010/main" xmlns:p15="http://schemas.microsoft.com/office/powerpoint/2012/main" xmlns:ahyp="http://schemas.microsoft.com/office/drawing/2018/hyperlinkcolor">
-  <p:cSld>
-    <p:spTree>
-      <p:nvGrpSpPr>
-        <p:cNvPr id="188" name="Shape 188"/>
-        <p:cNvGrpSpPr/>
-        <p:nvPr/>
-      </p:nvGrpSpPr>
-      <p:grpSpPr>
-        <a:xfrm>
-          <a:off x="0" y="0"/>
-          <a:ext cx="0" cy="0"/>
-          <a:chOff x="0" y="0"/>
-          <a:chExt cx="0" cy="0"/>
-        </a:xfrm>
-      </p:grpSpPr>
-      <p:sp>
-        <p:nvSpPr>
-          <p:cNvPr id="189" name="Google Shape;189;p25"/>
-          <p:cNvSpPr txBox="1"/>
-          <p:nvPr>
-            <p:ph type="title"/>
-          </p:nvPr>
-        </p:nvSpPr>
-        <p:spPr>
-          <a:xfrm>
-            <a:off x="838200" y="0"/>
-            <a:ext cx="10515600" cy="1325700"/>
-          </a:xfrm>
-          <a:prstGeom prst="rect">
-            <a:avLst/>
-          </a:prstGeom>
-          <a:noFill/>
-          <a:ln>
-            <a:noFill/>
-          </a:ln>
-        </p:spPr>
-        <p:txBody>
-          <a:bodyPr anchorCtr="0" anchor="ctr" bIns="45700" lIns="91425" spcFirstLastPara="1" rIns="91425" wrap="square" tIns="45700">
-            <a:normAutofit/>
-          </a:bodyPr>
-          <a:lstStyle/>
-          <a:p>
-            <a:pPr indent="0" lvl="0" marL="0" rtl="0" algn="l">
-              <a:spcBef>
-                <a:spcPts val="0"/>
-              </a:spcBef>
-              <a:spcAft>
-                <a:spcPts val="0"/>
-              </a:spcAft>
-              <a:buClr>
-                <a:schemeClr val="dk1"/>
-              </a:buClr>
-              <a:buSzPts val="4400"/>
-              <a:buFont typeface="Times New Roman"/>
-              <a:buNone/>
-            </a:pPr>
-            <a:r>
-              <a:rPr lang="ru-RU">
-                <a:latin typeface="Times New Roman"/>
-                <a:ea typeface="Times New Roman"/>
-                <a:cs typeface="Times New Roman"/>
-                <a:sym typeface="Times New Roman"/>
-              </a:rPr>
               <a:t>Заключение</a:t>
             </a:r>
             <a:endParaRPr>
@@ -15984,7 +18561,7 @@
       </p:sp>
       <p:sp>
         <p:nvSpPr>
-          <p:cNvPr id="190" name="Google Shape;190;p25"/>
+          <p:cNvPr id="212" name="Google Shape;212;p27"/>
           <p:cNvSpPr txBox="1"/>
           <p:nvPr/>
         </p:nvSpPr>
@@ -16026,7 +18603,31 @@
                 <a:cs typeface="Times New Roman"/>
                 <a:sym typeface="Times New Roman"/>
               </a:rPr>
-              <a:t>В рамках научно-исследовательской работы была проведено изучение </a:t>
+              <a:t>В рамках научно-исследовательской работы была проведена </a:t>
+            </a:r>
+            <a:r>
+              <a:rPr lang="ru-RU" sz="2500">
+                <a:solidFill>
+                  <a:schemeClr val="dk1"/>
+                </a:solidFill>
+                <a:latin typeface="Times New Roman"/>
+                <a:ea typeface="Times New Roman"/>
+                <a:cs typeface="Times New Roman"/>
+                <a:sym typeface="Times New Roman"/>
+              </a:rPr>
+              <a:t>классификация</a:t>
+            </a:r>
+            <a:r>
+              <a:rPr lang="ru-RU" sz="2500">
+                <a:solidFill>
+                  <a:schemeClr val="dk1"/>
+                </a:solidFill>
+                <a:latin typeface="Times New Roman"/>
+                <a:ea typeface="Times New Roman"/>
+                <a:cs typeface="Times New Roman"/>
+                <a:sym typeface="Times New Roman"/>
+              </a:rPr>
+              <a:t> </a:t>
             </a:r>
             <a:r>
               <a:rPr lang="ru-RU" sz="2500">
@@ -16111,56 +18712,7 @@
                 <a:cs typeface="Times New Roman"/>
                 <a:sym typeface="Times New Roman"/>
               </a:rPr>
-              <a:t>роанализирована предметная область работы с памятью в языках программирования с автоматической сборкой мусора.</a:t>
-            </a:r>
-            <a:r>
-              <a:rPr lang="ru-RU" sz="2500">
-                <a:solidFill>
-                  <a:schemeClr val="dk1"/>
-                </a:solidFill>
-                <a:latin typeface="Times New Roman"/>
-                <a:ea typeface="Times New Roman"/>
-                <a:cs typeface="Times New Roman"/>
-                <a:sym typeface="Times New Roman"/>
-              </a:rPr>
-              <a:t> </a:t>
-            </a:r>
-            <a:endParaRPr sz="2500">
-              <a:solidFill>
-                <a:schemeClr val="dk1"/>
-              </a:solidFill>
-              <a:latin typeface="Calibri"/>
-              <a:ea typeface="Calibri"/>
-              <a:cs typeface="Calibri"/>
-              <a:sym typeface="Calibri"/>
-            </a:endParaRPr>
-          </a:p>
-          <a:p>
-            <a:pPr indent="-508635" lvl="0" marL="514350" rtl="0" algn="just">
-              <a:spcBef>
-                <a:spcPts val="1200"/>
-              </a:spcBef>
-              <a:spcAft>
-                <a:spcPts val="0"/>
-              </a:spcAft>
-              <a:buClr>
-                <a:schemeClr val="dk1"/>
-              </a:buClr>
-              <a:buSzPts val="2500"/>
-              <a:buFont typeface="Times New Roman"/>
-              <a:buAutoNum type="arabicPeriod"/>
-            </a:pPr>
-            <a:r>
-              <a:rPr lang="ru-RU" sz="2500">
-                <a:solidFill>
-                  <a:schemeClr val="dk1"/>
-                </a:solidFill>
-                <a:latin typeface="Times New Roman"/>
-                <a:ea typeface="Times New Roman"/>
-                <a:cs typeface="Times New Roman"/>
-                <a:sym typeface="Times New Roman"/>
-              </a:rPr>
-              <a:t>Рассмотрены существующие принципы организации работы с памятью в языках программирования с автоматической сборкой мусора на примере Python, Java, JavaScript, C# и Golang.</a:t>
+              <a:t>роанализированы существующие принципы организации работы с памятью в языках программирования с автоматической сборкой мусора на примере Python, Java, JavaScript, C# и Golang.</a:t>
             </a:r>
             <a:endParaRPr sz="2500">
               <a:solidFill>
@@ -16287,7 +18839,7 @@
       </p:sp>
       <p:sp>
         <p:nvSpPr>
-          <p:cNvPr id="191" name="Google Shape;191;p25"/>
+          <p:cNvPr id="213" name="Google Shape;213;p27"/>
           <p:cNvSpPr txBox="1"/>
           <p:nvPr>
             <p:ph idx="12" type="sldNum"/>
@@ -16474,7 +19026,7 @@
                 <a:cs typeface="Times New Roman"/>
                 <a:sym typeface="Times New Roman"/>
               </a:rPr>
-              <a:t> – изучение алгоритмов распределения памяти в языках программирования с автоматической сборкой мусора.</a:t>
+              <a:t> – классификация алгоритмов распределения памяти в языках программирования с автоматической сборкой мусора.</a:t>
             </a:r>
             <a:endParaRPr sz="2500">
               <a:solidFill>
@@ -16560,44 +19112,7 @@
                 <a:cs typeface="Times New Roman"/>
                 <a:sym typeface="Times New Roman"/>
               </a:rPr>
-              <a:t>Проанализировать предметную область работы с памятью в языках программирования с автоматической сборкой мусора.</a:t>
-            </a:r>
-            <a:endParaRPr sz="2500">
-              <a:solidFill>
-                <a:schemeClr val="dk1"/>
-              </a:solidFill>
-              <a:latin typeface="Calibri"/>
-              <a:ea typeface="Calibri"/>
-              <a:cs typeface="Calibri"/>
-              <a:sym typeface="Calibri"/>
-            </a:endParaRPr>
-          </a:p>
-          <a:p>
-            <a:pPr indent="-508635" lvl="0" marL="514350" rtl="0" algn="just">
-              <a:spcBef>
-                <a:spcPts val="1200"/>
-              </a:spcBef>
-              <a:spcAft>
-                <a:spcPts val="0"/>
-              </a:spcAft>
-              <a:buClr>
-                <a:schemeClr val="dk1"/>
-              </a:buClr>
-              <a:buSzPts val="2500"/>
-              <a:buFont typeface="Times New Roman"/>
-              <a:buAutoNum type="arabicPeriod"/>
-            </a:pPr>
-            <a:r>
-              <a:rPr lang="ru-RU" sz="2500">
-                <a:solidFill>
-                  <a:schemeClr val="dk1"/>
-                </a:solidFill>
-                <a:latin typeface="Times New Roman"/>
-                <a:ea typeface="Times New Roman"/>
-                <a:cs typeface="Times New Roman"/>
-                <a:sym typeface="Times New Roman"/>
-              </a:rPr>
-              <a:t>Рассмотреть существующие принципы организации работы с памятью в языках программирования с автоматической сборкой мусора на примере Python, Java, JavaScript, C# и Golang.</a:t>
+              <a:t>Проанализировать существующие принципы организации работы с памятью в языках программирования с автоматической сборкой мусора на примере Python, Java, JavaScript, C# и Golang.</a:t>
             </a:r>
             <a:endParaRPr sz="2500">
               <a:solidFill>
@@ -16918,8 +19433,8 @@
         </p:blipFill>
         <p:spPr>
           <a:xfrm>
-            <a:off x="2745203" y="1022295"/>
-            <a:ext cx="6701547" cy="5646149"/>
+            <a:off x="2245675" y="1325700"/>
+            <a:ext cx="9807524" cy="4812774"/>
           </a:xfrm>
           <a:prstGeom prst="rect">
             <a:avLst/>
@@ -16930,6 +19445,50 @@
           </a:ln>
         </p:spPr>
       </p:pic>
+      <p:sp>
+        <p:nvSpPr>
+          <p:cNvPr id="113" name="Google Shape;113;p16"/>
+          <p:cNvSpPr txBox="1"/>
+          <p:nvPr>
+            <p:ph idx="12" type="sldNum"/>
+          </p:nvPr>
+        </p:nvSpPr>
+        <p:spPr>
+          <a:xfrm>
+            <a:off x="8610600" y="6356350"/>
+            <a:ext cx="2743200" cy="365100"/>
+          </a:xfrm>
+          <a:prstGeom prst="rect">
+            <a:avLst/>
+          </a:prstGeom>
+        </p:spPr>
+        <p:txBody>
+          <a:bodyPr anchorCtr="0" anchor="ctr" bIns="45700" lIns="91425" spcFirstLastPara="1" rIns="91425" wrap="square" tIns="45700">
+            <a:noAutofit/>
+          </a:bodyPr>
+          <a:lstStyle/>
+          <a:p>
+            <a:pPr indent="0" lvl="0" marL="0" rtl="0" algn="r">
+              <a:spcBef>
+                <a:spcPts val="0"/>
+              </a:spcBef>
+              <a:spcAft>
+                <a:spcPts val="0"/>
+              </a:spcAft>
+              <a:buClr>
+                <a:srgbClr val="000000"/>
+              </a:buClr>
+              <a:buFont typeface="Arial"/>
+              <a:buNone/>
+            </a:pPr>
+            <a:fld id="{00000000-1234-1234-1234-123412341234}" type="slidenum">
+              <a:rPr lang="ru-RU"/>
+              <a:t>‹#›</a:t>
+            </a:fld>
+            <a:endParaRPr/>
+          </a:p>
+        </p:txBody>
+      </p:sp>
     </p:spTree>
   </p:cSld>
   <p:clrMapOvr>
@@ -16943,7 +19502,7 @@
   <p:cSld>
     <p:spTree>
       <p:nvGrpSpPr>
-        <p:cNvPr id="117" name="Shape 117"/>
+        <p:cNvPr id="118" name="Shape 118"/>
         <p:cNvGrpSpPr/>
         <p:nvPr/>
       </p:nvGrpSpPr>
@@ -16957,7 +19516,2035 @@
       </p:grpSpPr>
       <p:sp>
         <p:nvSpPr>
-          <p:cNvPr id="118" name="Google Shape;118;p17"/>
+          <p:cNvPr id="119" name="Google Shape;119;p17"/>
+          <p:cNvSpPr txBox="1"/>
+          <p:nvPr>
+            <p:ph type="title"/>
+          </p:nvPr>
+        </p:nvSpPr>
+        <p:spPr>
+          <a:xfrm>
+            <a:off x="838175" y="0"/>
+            <a:ext cx="10515600" cy="1325700"/>
+          </a:xfrm>
+          <a:prstGeom prst="rect">
+            <a:avLst/>
+          </a:prstGeom>
+          <a:noFill/>
+          <a:ln>
+            <a:noFill/>
+          </a:ln>
+        </p:spPr>
+        <p:txBody>
+          <a:bodyPr anchorCtr="0" anchor="ctr" bIns="45700" lIns="91425" spcFirstLastPara="1" rIns="91425" wrap="square" tIns="45700">
+            <a:normAutofit/>
+          </a:bodyPr>
+          <a:lstStyle/>
+          <a:p>
+            <a:pPr indent="0" lvl="0" marL="0" rtl="0" algn="l">
+              <a:spcBef>
+                <a:spcPts val="0"/>
+              </a:spcBef>
+              <a:spcAft>
+                <a:spcPts val="0"/>
+              </a:spcAft>
+              <a:buClr>
+                <a:schemeClr val="dk1"/>
+              </a:buClr>
+              <a:buSzPts val="4400"/>
+              <a:buFont typeface="Times New Roman"/>
+              <a:buNone/>
+            </a:pPr>
+            <a:r>
+              <a:rPr lang="ru-RU">
+                <a:latin typeface="Times New Roman"/>
+                <a:ea typeface="Times New Roman"/>
+                <a:cs typeface="Times New Roman"/>
+                <a:sym typeface="Times New Roman"/>
+              </a:rPr>
+              <a:t>Адресное пространство процесса ОС</a:t>
+            </a:r>
+            <a:endParaRPr>
+              <a:latin typeface="Times New Roman"/>
+              <a:ea typeface="Times New Roman"/>
+              <a:cs typeface="Times New Roman"/>
+              <a:sym typeface="Times New Roman"/>
+            </a:endParaRPr>
+          </a:p>
+        </p:txBody>
+      </p:sp>
+      <p:sp>
+        <p:nvSpPr>
+          <p:cNvPr id="120" name="Google Shape;120;p17"/>
+          <p:cNvSpPr txBox="1"/>
+          <p:nvPr/>
+        </p:nvSpPr>
+        <p:spPr>
+          <a:xfrm>
+            <a:off x="502925" y="1022300"/>
+            <a:ext cx="11186100" cy="1098900"/>
+          </a:xfrm>
+          <a:prstGeom prst="rect">
+            <a:avLst/>
+          </a:prstGeom>
+          <a:noFill/>
+          <a:ln>
+            <a:noFill/>
+          </a:ln>
+        </p:spPr>
+        <p:txBody>
+          <a:bodyPr anchorCtr="0" anchor="t" bIns="91425" lIns="91425" spcFirstLastPara="1" rIns="91425" wrap="square" tIns="91425">
+            <a:noAutofit/>
+          </a:bodyPr>
+          <a:lstStyle/>
+          <a:p>
+            <a:pPr indent="0" lvl="0" marL="0" rtl="0" algn="l">
+              <a:lnSpc>
+                <a:spcPct val="90000"/>
+              </a:lnSpc>
+              <a:spcBef>
+                <a:spcPts val="1600"/>
+              </a:spcBef>
+              <a:spcAft>
+                <a:spcPts val="0"/>
+              </a:spcAft>
+              <a:buNone/>
+            </a:pPr>
+            <a:r>
+              <a:rPr lang="ru-RU" sz="2500">
+                <a:solidFill>
+                  <a:schemeClr val="dk1"/>
+                </a:solidFill>
+                <a:latin typeface="Times New Roman"/>
+                <a:ea typeface="Times New Roman"/>
+                <a:cs typeface="Times New Roman"/>
+                <a:sym typeface="Times New Roman"/>
+              </a:rPr>
+              <a:t>Это набор адресов, который может быть использован процессом для обращения к памяти.</a:t>
+            </a:r>
+            <a:endParaRPr sz="2500">
+              <a:solidFill>
+                <a:schemeClr val="dk1"/>
+              </a:solidFill>
+              <a:latin typeface="Times New Roman"/>
+              <a:ea typeface="Times New Roman"/>
+              <a:cs typeface="Times New Roman"/>
+              <a:sym typeface="Times New Roman"/>
+            </a:endParaRPr>
+          </a:p>
+        </p:txBody>
+      </p:sp>
+      <p:pic>
+        <p:nvPicPr>
+          <p:cNvPr id="121" name="Google Shape;121;p17"/>
+          <p:cNvPicPr preferRelativeResize="0"/>
+          <p:nvPr/>
+        </p:nvPicPr>
+        <p:blipFill>
+          <a:blip r:embed="rId3">
+            <a:alphaModFix/>
+          </a:blip>
+          <a:stretch>
+            <a:fillRect/>
+          </a:stretch>
+        </p:blipFill>
+        <p:spPr>
+          <a:xfrm>
+            <a:off x="3408362" y="1944950"/>
+            <a:ext cx="5375275" cy="4808300"/>
+          </a:xfrm>
+          <a:prstGeom prst="rect">
+            <a:avLst/>
+          </a:prstGeom>
+          <a:noFill/>
+          <a:ln>
+            <a:noFill/>
+          </a:ln>
+        </p:spPr>
+      </p:pic>
+      <p:sp>
+        <p:nvSpPr>
+          <p:cNvPr id="122" name="Google Shape;122;p17"/>
+          <p:cNvSpPr txBox="1"/>
+          <p:nvPr/>
+        </p:nvSpPr>
+        <p:spPr>
+          <a:xfrm>
+            <a:off x="8783625" y="3316650"/>
+            <a:ext cx="2687100" cy="2064900"/>
+          </a:xfrm>
+          <a:prstGeom prst="rect">
+            <a:avLst/>
+          </a:prstGeom>
+          <a:noFill/>
+          <a:ln>
+            <a:noFill/>
+          </a:ln>
+        </p:spPr>
+        <p:txBody>
+          <a:bodyPr anchorCtr="0" anchor="t" bIns="91425" lIns="91425" spcFirstLastPara="1" rIns="91425" wrap="square" tIns="91425">
+            <a:noAutofit/>
+          </a:bodyPr>
+          <a:lstStyle/>
+          <a:p>
+            <a:pPr indent="0" lvl="0" marL="0" rtl="0" algn="l">
+              <a:spcBef>
+                <a:spcPts val="0"/>
+              </a:spcBef>
+              <a:spcAft>
+                <a:spcPts val="0"/>
+              </a:spcAft>
+              <a:buNone/>
+            </a:pPr>
+            <a:r>
+              <a:rPr lang="ru-RU" sz="2500">
+                <a:solidFill>
+                  <a:schemeClr val="dk1"/>
+                </a:solidFill>
+                <a:latin typeface="Times New Roman"/>
+                <a:ea typeface="Times New Roman"/>
+                <a:cs typeface="Times New Roman"/>
+                <a:sym typeface="Times New Roman"/>
+              </a:rPr>
+              <a:t>Виртуальное</a:t>
+            </a:r>
+            <a:r>
+              <a:rPr lang="ru-RU" sz="2500">
+                <a:solidFill>
+                  <a:schemeClr val="dk1"/>
+                </a:solidFill>
+                <a:latin typeface="Times New Roman"/>
+                <a:ea typeface="Times New Roman"/>
+                <a:cs typeface="Times New Roman"/>
+                <a:sym typeface="Times New Roman"/>
+              </a:rPr>
+              <a:t> </a:t>
+            </a:r>
+            <a:r>
+              <a:rPr lang="ru-RU" sz="2500">
+                <a:solidFill>
+                  <a:schemeClr val="dk1"/>
+                </a:solidFill>
+                <a:latin typeface="Times New Roman"/>
+                <a:ea typeface="Times New Roman"/>
+                <a:cs typeface="Times New Roman"/>
+                <a:sym typeface="Times New Roman"/>
+              </a:rPr>
+              <a:t>адресное пространство процесса</a:t>
+            </a:r>
+            <a:br>
+              <a:rPr lang="ru-RU" sz="2500">
+                <a:solidFill>
+                  <a:schemeClr val="dk1"/>
+                </a:solidFill>
+                <a:latin typeface="Times New Roman"/>
+                <a:ea typeface="Times New Roman"/>
+                <a:cs typeface="Times New Roman"/>
+                <a:sym typeface="Times New Roman"/>
+              </a:rPr>
+            </a:br>
+            <a:r>
+              <a:rPr lang="ru-RU" sz="2500">
+                <a:solidFill>
+                  <a:schemeClr val="dk1"/>
+                </a:solidFill>
+                <a:latin typeface="Times New Roman"/>
+                <a:ea typeface="Times New Roman"/>
+                <a:cs typeface="Times New Roman"/>
+                <a:sym typeface="Times New Roman"/>
+              </a:rPr>
+              <a:t>в ОС Linux</a:t>
+            </a:r>
+            <a:endParaRPr sz="2500">
+              <a:solidFill>
+                <a:schemeClr val="dk1"/>
+              </a:solidFill>
+              <a:latin typeface="Times New Roman"/>
+              <a:ea typeface="Times New Roman"/>
+              <a:cs typeface="Times New Roman"/>
+              <a:sym typeface="Times New Roman"/>
+            </a:endParaRPr>
+          </a:p>
+        </p:txBody>
+      </p:sp>
+      <p:sp>
+        <p:nvSpPr>
+          <p:cNvPr id="123" name="Google Shape;123;p17"/>
+          <p:cNvSpPr txBox="1"/>
+          <p:nvPr>
+            <p:ph idx="12" type="sldNum"/>
+          </p:nvPr>
+        </p:nvSpPr>
+        <p:spPr>
+          <a:xfrm>
+            <a:off x="8610600" y="6356350"/>
+            <a:ext cx="2743200" cy="365100"/>
+          </a:xfrm>
+          <a:prstGeom prst="rect">
+            <a:avLst/>
+          </a:prstGeom>
+        </p:spPr>
+        <p:txBody>
+          <a:bodyPr anchorCtr="0" anchor="ctr" bIns="45700" lIns="91425" spcFirstLastPara="1" rIns="91425" wrap="square" tIns="45700">
+            <a:noAutofit/>
+          </a:bodyPr>
+          <a:lstStyle/>
+          <a:p>
+            <a:pPr indent="0" lvl="0" marL="0" rtl="0" algn="r">
+              <a:spcBef>
+                <a:spcPts val="0"/>
+              </a:spcBef>
+              <a:spcAft>
+                <a:spcPts val="0"/>
+              </a:spcAft>
+              <a:buClr>
+                <a:srgbClr val="000000"/>
+              </a:buClr>
+              <a:buFont typeface="Arial"/>
+              <a:buNone/>
+            </a:pPr>
+            <a:fld id="{00000000-1234-1234-1234-123412341234}" type="slidenum">
+              <a:rPr lang="ru-RU"/>
+              <a:t>‹#›</a:t>
+            </a:fld>
+            <a:endParaRPr/>
+          </a:p>
+        </p:txBody>
+      </p:sp>
+    </p:spTree>
+  </p:cSld>
+  <p:clrMapOvr>
+    <a:masterClrMapping/>
+  </p:clrMapOvr>
+</p:sld>
+</file>
+
+<file path=ppt/slides/slide5.xml><?xml version="1.0" encoding="utf-8"?>
+<p:sld xmlns:a="http://schemas.openxmlformats.org/drawingml/2006/main" xmlns:r="http://schemas.openxmlformats.org/officeDocument/2006/relationships" xmlns:mc="http://schemas.openxmlformats.org/markup-compatibility/2006" xmlns:mv="urn:schemas-microsoft-com:mac:vml" xmlns:p="http://schemas.openxmlformats.org/presentationml/2006/main" xmlns:c="http://schemas.openxmlformats.org/drawingml/2006/chart" xmlns:dgm="http://schemas.openxmlformats.org/drawingml/2006/diagram" xmlns:o="urn:schemas-microsoft-com:office:office" xmlns:v="urn:schemas-microsoft-com:vml" xmlns:pvml="urn:schemas-microsoft-com:office:powerpoint" xmlns:com="http://schemas.openxmlformats.org/drawingml/2006/compatibility" xmlns:p14="http://schemas.microsoft.com/office/powerpoint/2010/main" xmlns:p15="http://schemas.microsoft.com/office/powerpoint/2012/main" xmlns:ahyp="http://schemas.microsoft.com/office/drawing/2018/hyperlinkcolor">
+  <p:cSld>
+    <p:spTree>
+      <p:nvGrpSpPr>
+        <p:cNvPr id="128" name="Shape 128"/>
+        <p:cNvGrpSpPr/>
+        <p:nvPr/>
+      </p:nvGrpSpPr>
+      <p:grpSpPr>
+        <a:xfrm>
+          <a:off x="0" y="0"/>
+          <a:ext cx="0" cy="0"/>
+          <a:chOff x="0" y="0"/>
+          <a:chExt cx="0" cy="0"/>
+        </a:xfrm>
+      </p:grpSpPr>
+      <p:sp>
+        <p:nvSpPr>
+          <p:cNvPr id="129" name="Google Shape;129;p18"/>
+          <p:cNvSpPr txBox="1"/>
+          <p:nvPr>
+            <p:ph type="title"/>
+          </p:nvPr>
+        </p:nvSpPr>
+        <p:spPr>
+          <a:xfrm>
+            <a:off x="838175" y="0"/>
+            <a:ext cx="11062800" cy="1325700"/>
+          </a:xfrm>
+          <a:prstGeom prst="rect">
+            <a:avLst/>
+          </a:prstGeom>
+          <a:noFill/>
+          <a:ln>
+            <a:noFill/>
+          </a:ln>
+        </p:spPr>
+        <p:txBody>
+          <a:bodyPr anchorCtr="0" anchor="ctr" bIns="45700" lIns="91425" spcFirstLastPara="1" rIns="91425" wrap="square" tIns="45700">
+            <a:normAutofit/>
+          </a:bodyPr>
+          <a:lstStyle/>
+          <a:p>
+            <a:pPr indent="0" lvl="0" marL="0" rtl="0" algn="l">
+              <a:spcBef>
+                <a:spcPts val="0"/>
+              </a:spcBef>
+              <a:spcAft>
+                <a:spcPts val="0"/>
+              </a:spcAft>
+              <a:buClr>
+                <a:schemeClr val="dk1"/>
+              </a:buClr>
+              <a:buSzPts val="4400"/>
+              <a:buFont typeface="Times New Roman"/>
+              <a:buNone/>
+            </a:pPr>
+            <a:r>
+              <a:rPr lang="ru-RU">
+                <a:latin typeface="Times New Roman"/>
+                <a:ea typeface="Times New Roman"/>
+                <a:cs typeface="Times New Roman"/>
+                <a:sym typeface="Times New Roman"/>
+              </a:rPr>
+              <a:t>Управление памятью на уровне приложений</a:t>
+            </a:r>
+            <a:endParaRPr>
+              <a:latin typeface="Times New Roman"/>
+              <a:ea typeface="Times New Roman"/>
+              <a:cs typeface="Times New Roman"/>
+              <a:sym typeface="Times New Roman"/>
+            </a:endParaRPr>
+          </a:p>
+        </p:txBody>
+      </p:sp>
+      <p:sp>
+        <p:nvSpPr>
+          <p:cNvPr id="130" name="Google Shape;130;p18"/>
+          <p:cNvSpPr txBox="1"/>
+          <p:nvPr/>
+        </p:nvSpPr>
+        <p:spPr>
+          <a:xfrm>
+            <a:off x="502925" y="1022300"/>
+            <a:ext cx="11186100" cy="1325700"/>
+          </a:xfrm>
+          <a:prstGeom prst="rect">
+            <a:avLst/>
+          </a:prstGeom>
+          <a:noFill/>
+          <a:ln>
+            <a:noFill/>
+          </a:ln>
+        </p:spPr>
+        <p:txBody>
+          <a:bodyPr anchorCtr="0" anchor="t" bIns="91425" lIns="91425" spcFirstLastPara="1" rIns="91425" wrap="square" tIns="91425">
+            <a:noAutofit/>
+          </a:bodyPr>
+          <a:lstStyle/>
+          <a:p>
+            <a:pPr indent="-387350" lvl="0" marL="457200" rtl="0" algn="l">
+              <a:lnSpc>
+                <a:spcPct val="90000"/>
+              </a:lnSpc>
+              <a:spcBef>
+                <a:spcPts val="1600"/>
+              </a:spcBef>
+              <a:spcAft>
+                <a:spcPts val="0"/>
+              </a:spcAft>
+              <a:buClr>
+                <a:schemeClr val="dk1"/>
+              </a:buClr>
+              <a:buSzPts val="2500"/>
+              <a:buFont typeface="Times New Roman"/>
+              <a:buChar char="-"/>
+            </a:pPr>
+            <a:r>
+              <a:rPr lang="ru-RU" sz="2500">
+                <a:solidFill>
+                  <a:schemeClr val="dk1"/>
+                </a:solidFill>
+                <a:latin typeface="Times New Roman"/>
+                <a:ea typeface="Times New Roman"/>
+                <a:cs typeface="Times New Roman"/>
+                <a:sym typeface="Times New Roman"/>
+              </a:rPr>
+              <a:t>Ручное, определяемое человеческим фактором.</a:t>
+            </a:r>
+            <a:endParaRPr sz="2500">
+              <a:solidFill>
+                <a:schemeClr val="dk1"/>
+              </a:solidFill>
+              <a:latin typeface="Times New Roman"/>
+              <a:ea typeface="Times New Roman"/>
+              <a:cs typeface="Times New Roman"/>
+              <a:sym typeface="Times New Roman"/>
+            </a:endParaRPr>
+          </a:p>
+          <a:p>
+            <a:pPr indent="-387350" lvl="0" marL="457200" rtl="0" algn="l">
+              <a:lnSpc>
+                <a:spcPct val="90000"/>
+              </a:lnSpc>
+              <a:spcBef>
+                <a:spcPts val="0"/>
+              </a:spcBef>
+              <a:spcAft>
+                <a:spcPts val="0"/>
+              </a:spcAft>
+              <a:buClr>
+                <a:schemeClr val="dk1"/>
+              </a:buClr>
+              <a:buSzPts val="2500"/>
+              <a:buFont typeface="Times New Roman"/>
+              <a:buChar char="-"/>
+            </a:pPr>
+            <a:r>
+              <a:rPr b="1" lang="ru-RU" sz="2500">
+                <a:solidFill>
+                  <a:schemeClr val="dk1"/>
+                </a:solidFill>
+                <a:latin typeface="Times New Roman"/>
+                <a:ea typeface="Times New Roman"/>
+                <a:cs typeface="Times New Roman"/>
+                <a:sym typeface="Times New Roman"/>
+              </a:rPr>
+              <a:t>Автоматическое</a:t>
+            </a:r>
+            <a:r>
+              <a:rPr lang="ru-RU" sz="2500">
+                <a:solidFill>
+                  <a:schemeClr val="dk1"/>
+                </a:solidFill>
+                <a:latin typeface="Times New Roman"/>
+                <a:ea typeface="Times New Roman"/>
+                <a:cs typeface="Times New Roman"/>
+                <a:sym typeface="Times New Roman"/>
+              </a:rPr>
+              <a:t>, определяемое </a:t>
+            </a:r>
+            <a:r>
+              <a:rPr b="1" lang="ru-RU" sz="2500">
+                <a:solidFill>
+                  <a:schemeClr val="dk1"/>
+                </a:solidFill>
+                <a:latin typeface="Times New Roman"/>
+                <a:ea typeface="Times New Roman"/>
+                <a:cs typeface="Times New Roman"/>
+                <a:sym typeface="Times New Roman"/>
+              </a:rPr>
+              <a:t>алгоритмами распределения памяти</a:t>
+            </a:r>
+            <a:r>
+              <a:rPr lang="ru-RU" sz="2500">
+                <a:solidFill>
+                  <a:schemeClr val="dk1"/>
+                </a:solidFill>
+                <a:latin typeface="Times New Roman"/>
+                <a:ea typeface="Times New Roman"/>
+                <a:cs typeface="Times New Roman"/>
+                <a:sym typeface="Times New Roman"/>
+              </a:rPr>
+              <a:t>.</a:t>
+            </a:r>
+            <a:endParaRPr sz="2500">
+              <a:solidFill>
+                <a:schemeClr val="dk1"/>
+              </a:solidFill>
+              <a:latin typeface="Times New Roman"/>
+              <a:ea typeface="Times New Roman"/>
+              <a:cs typeface="Times New Roman"/>
+              <a:sym typeface="Times New Roman"/>
+            </a:endParaRPr>
+          </a:p>
+        </p:txBody>
+      </p:sp>
+      <p:sp>
+        <p:nvSpPr>
+          <p:cNvPr id="131" name="Google Shape;131;p18"/>
+          <p:cNvSpPr txBox="1"/>
+          <p:nvPr/>
+        </p:nvSpPr>
+        <p:spPr>
+          <a:xfrm>
+            <a:off x="1839638" y="2157075"/>
+            <a:ext cx="2830200" cy="2713500"/>
+          </a:xfrm>
+          <a:prstGeom prst="rect">
+            <a:avLst/>
+          </a:prstGeom>
+          <a:noFill/>
+          <a:ln>
+            <a:noFill/>
+          </a:ln>
+        </p:spPr>
+        <p:txBody>
+          <a:bodyPr anchorCtr="0" anchor="t" bIns="91425" lIns="91425" spcFirstLastPara="1" rIns="91425" wrap="square" tIns="91425">
+            <a:noAutofit/>
+          </a:bodyPr>
+          <a:lstStyle/>
+          <a:p>
+            <a:pPr indent="0" lvl="0" marL="0" rtl="0" algn="l">
+              <a:lnSpc>
+                <a:spcPct val="135714"/>
+              </a:lnSpc>
+              <a:spcBef>
+                <a:spcPts val="0"/>
+              </a:spcBef>
+              <a:spcAft>
+                <a:spcPts val="0"/>
+              </a:spcAft>
+              <a:buNone/>
+            </a:pPr>
+            <a:r>
+              <a:rPr lang="ru-RU" sz="1800">
+                <a:solidFill>
+                  <a:schemeClr val="dk1"/>
+                </a:solidFill>
+                <a:highlight>
+                  <a:schemeClr val="lt1"/>
+                </a:highlight>
+                <a:latin typeface="Consolas"/>
+                <a:ea typeface="Consolas"/>
+                <a:cs typeface="Consolas"/>
+                <a:sym typeface="Consolas"/>
+              </a:rPr>
+              <a:t>int main(void) {</a:t>
+            </a:r>
+            <a:endParaRPr sz="1800">
+              <a:solidFill>
+                <a:schemeClr val="dk1"/>
+              </a:solidFill>
+              <a:highlight>
+                <a:schemeClr val="lt1"/>
+              </a:highlight>
+              <a:latin typeface="Consolas"/>
+              <a:ea typeface="Consolas"/>
+              <a:cs typeface="Consolas"/>
+              <a:sym typeface="Consolas"/>
+            </a:endParaRPr>
+          </a:p>
+          <a:p>
+            <a:pPr indent="0" lvl="0" marL="0" rtl="0" algn="l">
+              <a:lnSpc>
+                <a:spcPct val="135714"/>
+              </a:lnSpc>
+              <a:spcBef>
+                <a:spcPts val="0"/>
+              </a:spcBef>
+              <a:spcAft>
+                <a:spcPts val="0"/>
+              </a:spcAft>
+              <a:buNone/>
+            </a:pPr>
+            <a:r>
+              <a:rPr lang="ru-RU" sz="1800">
+                <a:solidFill>
+                  <a:schemeClr val="dk1"/>
+                </a:solidFill>
+                <a:highlight>
+                  <a:schemeClr val="lt1"/>
+                </a:highlight>
+                <a:latin typeface="Consolas"/>
+                <a:ea typeface="Consolas"/>
+                <a:cs typeface="Consolas"/>
+                <a:sym typeface="Consolas"/>
+              </a:rPr>
+              <a:t>    int *a = </a:t>
+            </a:r>
+            <a:r>
+              <a:rPr b="1" lang="ru-RU" sz="1800">
+                <a:solidFill>
+                  <a:schemeClr val="dk1"/>
+                </a:solidFill>
+                <a:highlight>
+                  <a:schemeClr val="lt1"/>
+                </a:highlight>
+                <a:latin typeface="Consolas"/>
+                <a:ea typeface="Consolas"/>
+                <a:cs typeface="Consolas"/>
+                <a:sym typeface="Consolas"/>
+              </a:rPr>
+              <a:t>new</a:t>
+            </a:r>
+            <a:r>
+              <a:rPr lang="ru-RU" sz="1800">
+                <a:solidFill>
+                  <a:schemeClr val="dk1"/>
+                </a:solidFill>
+                <a:highlight>
+                  <a:schemeClr val="lt1"/>
+                </a:highlight>
+                <a:latin typeface="Consolas"/>
+                <a:ea typeface="Consolas"/>
+                <a:cs typeface="Consolas"/>
+                <a:sym typeface="Consolas"/>
+              </a:rPr>
+              <a:t> int;</a:t>
+            </a:r>
+            <a:endParaRPr sz="1800">
+              <a:solidFill>
+                <a:schemeClr val="dk1"/>
+              </a:solidFill>
+              <a:highlight>
+                <a:schemeClr val="lt1"/>
+              </a:highlight>
+              <a:latin typeface="Consolas"/>
+              <a:ea typeface="Consolas"/>
+              <a:cs typeface="Consolas"/>
+              <a:sym typeface="Consolas"/>
+            </a:endParaRPr>
+          </a:p>
+          <a:p>
+            <a:pPr indent="0" lvl="0" marL="0" rtl="0" algn="l">
+              <a:lnSpc>
+                <a:spcPct val="135714"/>
+              </a:lnSpc>
+              <a:spcBef>
+                <a:spcPts val="0"/>
+              </a:spcBef>
+              <a:spcAft>
+                <a:spcPts val="0"/>
+              </a:spcAft>
+              <a:buNone/>
+            </a:pPr>
+            <a:r>
+              <a:rPr lang="ru-RU" sz="1800">
+                <a:solidFill>
+                  <a:schemeClr val="dk1"/>
+                </a:solidFill>
+                <a:highlight>
+                  <a:schemeClr val="lt1"/>
+                </a:highlight>
+                <a:latin typeface="Consolas"/>
+                <a:ea typeface="Consolas"/>
+                <a:cs typeface="Consolas"/>
+                <a:sym typeface="Consolas"/>
+              </a:rPr>
+              <a:t>    // ...</a:t>
+            </a:r>
+            <a:endParaRPr sz="1800">
+              <a:solidFill>
+                <a:schemeClr val="dk1"/>
+              </a:solidFill>
+              <a:highlight>
+                <a:schemeClr val="lt1"/>
+              </a:highlight>
+              <a:latin typeface="Consolas"/>
+              <a:ea typeface="Consolas"/>
+              <a:cs typeface="Consolas"/>
+              <a:sym typeface="Consolas"/>
+            </a:endParaRPr>
+          </a:p>
+          <a:p>
+            <a:pPr indent="0" lvl="0" marL="0" rtl="0" algn="l">
+              <a:lnSpc>
+                <a:spcPct val="135714"/>
+              </a:lnSpc>
+              <a:spcBef>
+                <a:spcPts val="0"/>
+              </a:spcBef>
+              <a:spcAft>
+                <a:spcPts val="0"/>
+              </a:spcAft>
+              <a:buNone/>
+            </a:pPr>
+            <a:r>
+              <a:rPr lang="ru-RU" sz="1800">
+                <a:solidFill>
+                  <a:schemeClr val="dk1"/>
+                </a:solidFill>
+                <a:highlight>
+                  <a:schemeClr val="lt1"/>
+                </a:highlight>
+                <a:latin typeface="Consolas"/>
+                <a:ea typeface="Consolas"/>
+                <a:cs typeface="Consolas"/>
+                <a:sym typeface="Consolas"/>
+              </a:rPr>
+              <a:t>    *a = 5;</a:t>
+            </a:r>
+            <a:endParaRPr sz="1800">
+              <a:solidFill>
+                <a:schemeClr val="dk1"/>
+              </a:solidFill>
+              <a:highlight>
+                <a:schemeClr val="lt1"/>
+              </a:highlight>
+              <a:latin typeface="Consolas"/>
+              <a:ea typeface="Consolas"/>
+              <a:cs typeface="Consolas"/>
+              <a:sym typeface="Consolas"/>
+            </a:endParaRPr>
+          </a:p>
+          <a:p>
+            <a:pPr indent="0" lvl="0" marL="0" rtl="0" algn="l">
+              <a:lnSpc>
+                <a:spcPct val="135714"/>
+              </a:lnSpc>
+              <a:spcBef>
+                <a:spcPts val="0"/>
+              </a:spcBef>
+              <a:spcAft>
+                <a:spcPts val="0"/>
+              </a:spcAft>
+              <a:buNone/>
+            </a:pPr>
+            <a:r>
+              <a:rPr lang="ru-RU" sz="1800">
+                <a:solidFill>
+                  <a:schemeClr val="dk1"/>
+                </a:solidFill>
+                <a:highlight>
+                  <a:schemeClr val="lt1"/>
+                </a:highlight>
+                <a:latin typeface="Consolas"/>
+                <a:ea typeface="Consolas"/>
+                <a:cs typeface="Consolas"/>
+                <a:sym typeface="Consolas"/>
+              </a:rPr>
+              <a:t>    // ...</a:t>
+            </a:r>
+            <a:endParaRPr sz="1800">
+              <a:solidFill>
+                <a:schemeClr val="dk1"/>
+              </a:solidFill>
+              <a:highlight>
+                <a:schemeClr val="lt1"/>
+              </a:highlight>
+              <a:latin typeface="Consolas"/>
+              <a:ea typeface="Consolas"/>
+              <a:cs typeface="Consolas"/>
+              <a:sym typeface="Consolas"/>
+            </a:endParaRPr>
+          </a:p>
+          <a:p>
+            <a:pPr indent="0" lvl="0" marL="0" rtl="0" algn="l">
+              <a:lnSpc>
+                <a:spcPct val="135714"/>
+              </a:lnSpc>
+              <a:spcBef>
+                <a:spcPts val="0"/>
+              </a:spcBef>
+              <a:spcAft>
+                <a:spcPts val="0"/>
+              </a:spcAft>
+              <a:buNone/>
+            </a:pPr>
+            <a:r>
+              <a:rPr lang="ru-RU" sz="1800">
+                <a:solidFill>
+                  <a:schemeClr val="dk1"/>
+                </a:solidFill>
+                <a:highlight>
+                  <a:schemeClr val="lt1"/>
+                </a:highlight>
+                <a:latin typeface="Consolas"/>
+                <a:ea typeface="Consolas"/>
+                <a:cs typeface="Consolas"/>
+                <a:sym typeface="Consolas"/>
+              </a:rPr>
+              <a:t>    </a:t>
+            </a:r>
+            <a:r>
+              <a:rPr b="1" lang="ru-RU" sz="1800">
+                <a:solidFill>
+                  <a:schemeClr val="dk1"/>
+                </a:solidFill>
+                <a:highlight>
+                  <a:schemeClr val="lt1"/>
+                </a:highlight>
+                <a:latin typeface="Consolas"/>
+                <a:ea typeface="Consolas"/>
+                <a:cs typeface="Consolas"/>
+                <a:sym typeface="Consolas"/>
+              </a:rPr>
+              <a:t>delete</a:t>
+            </a:r>
+            <a:r>
+              <a:rPr lang="ru-RU" sz="1800">
+                <a:solidFill>
+                  <a:schemeClr val="dk1"/>
+                </a:solidFill>
+                <a:highlight>
+                  <a:schemeClr val="lt1"/>
+                </a:highlight>
+                <a:latin typeface="Consolas"/>
+                <a:ea typeface="Consolas"/>
+                <a:cs typeface="Consolas"/>
+                <a:sym typeface="Consolas"/>
+              </a:rPr>
+              <a:t> a;</a:t>
+            </a:r>
+            <a:endParaRPr sz="1800">
+              <a:solidFill>
+                <a:schemeClr val="dk1"/>
+              </a:solidFill>
+              <a:highlight>
+                <a:schemeClr val="lt1"/>
+              </a:highlight>
+              <a:latin typeface="Consolas"/>
+              <a:ea typeface="Consolas"/>
+              <a:cs typeface="Consolas"/>
+              <a:sym typeface="Consolas"/>
+            </a:endParaRPr>
+          </a:p>
+          <a:p>
+            <a:pPr indent="0" lvl="0" marL="0" rtl="0" algn="l">
+              <a:lnSpc>
+                <a:spcPct val="135714"/>
+              </a:lnSpc>
+              <a:spcBef>
+                <a:spcPts val="0"/>
+              </a:spcBef>
+              <a:spcAft>
+                <a:spcPts val="0"/>
+              </a:spcAft>
+              <a:buNone/>
+            </a:pPr>
+            <a:r>
+              <a:rPr lang="ru-RU" sz="1800">
+                <a:solidFill>
+                  <a:schemeClr val="dk1"/>
+                </a:solidFill>
+                <a:highlight>
+                  <a:schemeClr val="lt1"/>
+                </a:highlight>
+                <a:latin typeface="Consolas"/>
+                <a:ea typeface="Consolas"/>
+                <a:cs typeface="Consolas"/>
+                <a:sym typeface="Consolas"/>
+              </a:rPr>
+              <a:t>}</a:t>
+            </a:r>
+            <a:endParaRPr sz="1800">
+              <a:solidFill>
+                <a:schemeClr val="dk1"/>
+              </a:solidFill>
+              <a:latin typeface="Consolas"/>
+              <a:ea typeface="Consolas"/>
+              <a:cs typeface="Consolas"/>
+              <a:sym typeface="Consolas"/>
+            </a:endParaRPr>
+          </a:p>
+        </p:txBody>
+      </p:sp>
+      <p:sp>
+        <p:nvSpPr>
+          <p:cNvPr id="132" name="Google Shape;132;p18"/>
+          <p:cNvSpPr txBox="1"/>
+          <p:nvPr/>
+        </p:nvSpPr>
+        <p:spPr>
+          <a:xfrm>
+            <a:off x="7207113" y="2157075"/>
+            <a:ext cx="2234700" cy="2783700"/>
+          </a:xfrm>
+          <a:prstGeom prst="rect">
+            <a:avLst/>
+          </a:prstGeom>
+          <a:noFill/>
+          <a:ln>
+            <a:noFill/>
+          </a:ln>
+        </p:spPr>
+        <p:txBody>
+          <a:bodyPr anchorCtr="0" anchor="t" bIns="91425" lIns="91425" spcFirstLastPara="1" rIns="91425" wrap="square" tIns="91425">
+            <a:noAutofit/>
+          </a:bodyPr>
+          <a:lstStyle/>
+          <a:p>
+            <a:pPr indent="0" lvl="0" marL="0" rtl="0" algn="l">
+              <a:lnSpc>
+                <a:spcPct val="135714"/>
+              </a:lnSpc>
+              <a:spcBef>
+                <a:spcPts val="0"/>
+              </a:spcBef>
+              <a:spcAft>
+                <a:spcPts val="0"/>
+              </a:spcAft>
+              <a:buClr>
+                <a:schemeClr val="dk1"/>
+              </a:buClr>
+              <a:buSzPts val="1100"/>
+              <a:buFont typeface="Arial"/>
+              <a:buNone/>
+            </a:pPr>
+            <a:r>
+              <a:rPr lang="ru-RU" sz="1800">
+                <a:solidFill>
+                  <a:schemeClr val="dk1"/>
+                </a:solidFill>
+                <a:highlight>
+                  <a:schemeClr val="lt1"/>
+                </a:highlight>
+                <a:latin typeface="Consolas"/>
+                <a:ea typeface="Consolas"/>
+                <a:cs typeface="Consolas"/>
+                <a:sym typeface="Consolas"/>
+              </a:rPr>
+              <a:t>package main</a:t>
+            </a:r>
+            <a:endParaRPr sz="1800">
+              <a:solidFill>
+                <a:schemeClr val="dk1"/>
+              </a:solidFill>
+              <a:highlight>
+                <a:schemeClr val="lt1"/>
+              </a:highlight>
+              <a:latin typeface="Consolas"/>
+              <a:ea typeface="Consolas"/>
+              <a:cs typeface="Consolas"/>
+              <a:sym typeface="Consolas"/>
+            </a:endParaRPr>
+          </a:p>
+          <a:p>
+            <a:pPr indent="0" lvl="0" marL="0" rtl="0" algn="l">
+              <a:lnSpc>
+                <a:spcPct val="135714"/>
+              </a:lnSpc>
+              <a:spcBef>
+                <a:spcPts val="0"/>
+              </a:spcBef>
+              <a:spcAft>
+                <a:spcPts val="0"/>
+              </a:spcAft>
+              <a:buClr>
+                <a:schemeClr val="dk1"/>
+              </a:buClr>
+              <a:buSzPts val="1100"/>
+              <a:buFont typeface="Arial"/>
+              <a:buNone/>
+            </a:pPr>
+            <a:r>
+              <a:rPr lang="ru-RU" sz="1800">
+                <a:solidFill>
+                  <a:schemeClr val="dk1"/>
+                </a:solidFill>
+                <a:highlight>
+                  <a:schemeClr val="lt1"/>
+                </a:highlight>
+                <a:latin typeface="Consolas"/>
+                <a:ea typeface="Consolas"/>
+                <a:cs typeface="Consolas"/>
+                <a:sym typeface="Consolas"/>
+              </a:rPr>
+              <a:t>func main() {</a:t>
+            </a:r>
+            <a:endParaRPr sz="1800">
+              <a:solidFill>
+                <a:schemeClr val="dk1"/>
+              </a:solidFill>
+              <a:highlight>
+                <a:schemeClr val="lt1"/>
+              </a:highlight>
+              <a:latin typeface="Consolas"/>
+              <a:ea typeface="Consolas"/>
+              <a:cs typeface="Consolas"/>
+              <a:sym typeface="Consolas"/>
+            </a:endParaRPr>
+          </a:p>
+          <a:p>
+            <a:pPr indent="0" lvl="0" marL="0" rtl="0" algn="l">
+              <a:lnSpc>
+                <a:spcPct val="135714"/>
+              </a:lnSpc>
+              <a:spcBef>
+                <a:spcPts val="0"/>
+              </a:spcBef>
+              <a:spcAft>
+                <a:spcPts val="0"/>
+              </a:spcAft>
+              <a:buClr>
+                <a:schemeClr val="dk1"/>
+              </a:buClr>
+              <a:buSzPts val="1100"/>
+              <a:buFont typeface="Arial"/>
+              <a:buNone/>
+            </a:pPr>
+            <a:r>
+              <a:rPr lang="ru-RU" sz="1800">
+                <a:solidFill>
+                  <a:schemeClr val="dk1"/>
+                </a:solidFill>
+                <a:highlight>
+                  <a:schemeClr val="lt1"/>
+                </a:highlight>
+                <a:latin typeface="Consolas"/>
+                <a:ea typeface="Consolas"/>
+                <a:cs typeface="Consolas"/>
+                <a:sym typeface="Consolas"/>
+              </a:rPr>
+              <a:t>   a := </a:t>
+            </a:r>
+            <a:r>
+              <a:rPr b="1" lang="ru-RU" sz="1800">
+                <a:solidFill>
+                  <a:schemeClr val="dk1"/>
+                </a:solidFill>
+                <a:highlight>
+                  <a:schemeClr val="lt1"/>
+                </a:highlight>
+                <a:latin typeface="Consolas"/>
+                <a:ea typeface="Consolas"/>
+                <a:cs typeface="Consolas"/>
+                <a:sym typeface="Consolas"/>
+              </a:rPr>
+              <a:t>new</a:t>
+            </a:r>
+            <a:r>
+              <a:rPr lang="ru-RU" sz="1800">
+                <a:solidFill>
+                  <a:schemeClr val="dk1"/>
+                </a:solidFill>
+                <a:highlight>
+                  <a:schemeClr val="lt1"/>
+                </a:highlight>
+                <a:latin typeface="Consolas"/>
+                <a:ea typeface="Consolas"/>
+                <a:cs typeface="Consolas"/>
+                <a:sym typeface="Consolas"/>
+              </a:rPr>
+              <a:t>(int)</a:t>
+            </a:r>
+            <a:endParaRPr sz="1800">
+              <a:solidFill>
+                <a:schemeClr val="dk1"/>
+              </a:solidFill>
+              <a:highlight>
+                <a:schemeClr val="lt1"/>
+              </a:highlight>
+              <a:latin typeface="Consolas"/>
+              <a:ea typeface="Consolas"/>
+              <a:cs typeface="Consolas"/>
+              <a:sym typeface="Consolas"/>
+            </a:endParaRPr>
+          </a:p>
+          <a:p>
+            <a:pPr indent="0" lvl="0" marL="0" rtl="0" algn="l">
+              <a:lnSpc>
+                <a:spcPct val="135714"/>
+              </a:lnSpc>
+              <a:spcBef>
+                <a:spcPts val="0"/>
+              </a:spcBef>
+              <a:spcAft>
+                <a:spcPts val="0"/>
+              </a:spcAft>
+              <a:buClr>
+                <a:schemeClr val="dk1"/>
+              </a:buClr>
+              <a:buSzPts val="1100"/>
+              <a:buFont typeface="Arial"/>
+              <a:buNone/>
+            </a:pPr>
+            <a:r>
+              <a:rPr lang="ru-RU" sz="1800">
+                <a:solidFill>
+                  <a:schemeClr val="dk1"/>
+                </a:solidFill>
+                <a:highlight>
+                  <a:schemeClr val="lt1"/>
+                </a:highlight>
+                <a:latin typeface="Consolas"/>
+                <a:ea typeface="Consolas"/>
+                <a:cs typeface="Consolas"/>
+                <a:sym typeface="Consolas"/>
+              </a:rPr>
+              <a:t>   // ...</a:t>
+            </a:r>
+            <a:endParaRPr sz="1800">
+              <a:solidFill>
+                <a:schemeClr val="dk1"/>
+              </a:solidFill>
+              <a:highlight>
+                <a:schemeClr val="lt1"/>
+              </a:highlight>
+              <a:latin typeface="Consolas"/>
+              <a:ea typeface="Consolas"/>
+              <a:cs typeface="Consolas"/>
+              <a:sym typeface="Consolas"/>
+            </a:endParaRPr>
+          </a:p>
+          <a:p>
+            <a:pPr indent="0" lvl="0" marL="0" rtl="0" algn="l">
+              <a:lnSpc>
+                <a:spcPct val="135714"/>
+              </a:lnSpc>
+              <a:spcBef>
+                <a:spcPts val="0"/>
+              </a:spcBef>
+              <a:spcAft>
+                <a:spcPts val="0"/>
+              </a:spcAft>
+              <a:buClr>
+                <a:schemeClr val="dk1"/>
+              </a:buClr>
+              <a:buSzPts val="1100"/>
+              <a:buFont typeface="Arial"/>
+              <a:buNone/>
+            </a:pPr>
+            <a:r>
+              <a:rPr lang="ru-RU" sz="1800">
+                <a:solidFill>
+                  <a:schemeClr val="dk1"/>
+                </a:solidFill>
+                <a:highlight>
+                  <a:schemeClr val="lt1"/>
+                </a:highlight>
+                <a:latin typeface="Consolas"/>
+                <a:ea typeface="Consolas"/>
+                <a:cs typeface="Consolas"/>
+                <a:sym typeface="Consolas"/>
+              </a:rPr>
+              <a:t>   *a = 5</a:t>
+            </a:r>
+            <a:endParaRPr sz="1800">
+              <a:solidFill>
+                <a:schemeClr val="dk1"/>
+              </a:solidFill>
+              <a:highlight>
+                <a:schemeClr val="lt1"/>
+              </a:highlight>
+              <a:latin typeface="Consolas"/>
+              <a:ea typeface="Consolas"/>
+              <a:cs typeface="Consolas"/>
+              <a:sym typeface="Consolas"/>
+            </a:endParaRPr>
+          </a:p>
+          <a:p>
+            <a:pPr indent="0" lvl="0" marL="0" rtl="0" algn="l">
+              <a:lnSpc>
+                <a:spcPct val="135714"/>
+              </a:lnSpc>
+              <a:spcBef>
+                <a:spcPts val="0"/>
+              </a:spcBef>
+              <a:spcAft>
+                <a:spcPts val="0"/>
+              </a:spcAft>
+              <a:buClr>
+                <a:schemeClr val="dk1"/>
+              </a:buClr>
+              <a:buSzPts val="1100"/>
+              <a:buFont typeface="Arial"/>
+              <a:buNone/>
+            </a:pPr>
+            <a:r>
+              <a:rPr lang="ru-RU" sz="1800">
+                <a:solidFill>
+                  <a:schemeClr val="dk1"/>
+                </a:solidFill>
+                <a:highlight>
+                  <a:schemeClr val="lt1"/>
+                </a:highlight>
+                <a:latin typeface="Consolas"/>
+                <a:ea typeface="Consolas"/>
+                <a:cs typeface="Consolas"/>
+                <a:sym typeface="Consolas"/>
+              </a:rPr>
+              <a:t>   // ...</a:t>
+            </a:r>
+            <a:endParaRPr sz="1800">
+              <a:solidFill>
+                <a:schemeClr val="dk1"/>
+              </a:solidFill>
+              <a:highlight>
+                <a:schemeClr val="lt1"/>
+              </a:highlight>
+              <a:latin typeface="Consolas"/>
+              <a:ea typeface="Consolas"/>
+              <a:cs typeface="Consolas"/>
+              <a:sym typeface="Consolas"/>
+            </a:endParaRPr>
+          </a:p>
+          <a:p>
+            <a:pPr indent="0" lvl="0" marL="0" rtl="0" algn="l">
+              <a:lnSpc>
+                <a:spcPct val="135714"/>
+              </a:lnSpc>
+              <a:spcBef>
+                <a:spcPts val="0"/>
+              </a:spcBef>
+              <a:spcAft>
+                <a:spcPts val="0"/>
+              </a:spcAft>
+              <a:buNone/>
+            </a:pPr>
+            <a:r>
+              <a:rPr lang="ru-RU" sz="1800">
+                <a:solidFill>
+                  <a:schemeClr val="dk1"/>
+                </a:solidFill>
+                <a:highlight>
+                  <a:schemeClr val="lt1"/>
+                </a:highlight>
+                <a:latin typeface="Consolas"/>
+                <a:ea typeface="Consolas"/>
+                <a:cs typeface="Consolas"/>
+                <a:sym typeface="Consolas"/>
+              </a:rPr>
+              <a:t>}</a:t>
+            </a:r>
+            <a:endParaRPr sz="1800">
+              <a:solidFill>
+                <a:schemeClr val="dk1"/>
+              </a:solidFill>
+              <a:highlight>
+                <a:schemeClr val="lt1"/>
+              </a:highlight>
+              <a:latin typeface="Consolas"/>
+              <a:ea typeface="Consolas"/>
+              <a:cs typeface="Consolas"/>
+              <a:sym typeface="Consolas"/>
+            </a:endParaRPr>
+          </a:p>
+        </p:txBody>
+      </p:sp>
+      <p:sp>
+        <p:nvSpPr>
+          <p:cNvPr id="133" name="Google Shape;133;p18"/>
+          <p:cNvSpPr txBox="1"/>
+          <p:nvPr/>
+        </p:nvSpPr>
+        <p:spPr>
+          <a:xfrm>
+            <a:off x="1839625" y="4870575"/>
+            <a:ext cx="2830200" cy="981600"/>
+          </a:xfrm>
+          <a:prstGeom prst="rect">
+            <a:avLst/>
+          </a:prstGeom>
+          <a:noFill/>
+          <a:ln>
+            <a:noFill/>
+          </a:ln>
+        </p:spPr>
+        <p:txBody>
+          <a:bodyPr anchorCtr="0" anchor="t" bIns="91425" lIns="91425" spcFirstLastPara="1" rIns="91425" wrap="square" tIns="91425">
+            <a:noAutofit/>
+          </a:bodyPr>
+          <a:lstStyle/>
+          <a:p>
+            <a:pPr indent="0" lvl="0" marL="0" rtl="0" algn="ctr">
+              <a:spcBef>
+                <a:spcPts val="0"/>
+              </a:spcBef>
+              <a:spcAft>
+                <a:spcPts val="0"/>
+              </a:spcAft>
+              <a:buNone/>
+            </a:pPr>
+            <a:r>
+              <a:rPr lang="ru-RU" sz="2500">
+                <a:solidFill>
+                  <a:schemeClr val="dk1"/>
+                </a:solidFill>
+                <a:latin typeface="Times New Roman"/>
+                <a:ea typeface="Times New Roman"/>
+                <a:cs typeface="Times New Roman"/>
+                <a:sym typeface="Times New Roman"/>
+              </a:rPr>
+              <a:t>Ручное управление памятью (C++)</a:t>
+            </a:r>
+            <a:endParaRPr sz="2500">
+              <a:solidFill>
+                <a:schemeClr val="dk1"/>
+              </a:solidFill>
+              <a:latin typeface="Times New Roman"/>
+              <a:ea typeface="Times New Roman"/>
+              <a:cs typeface="Times New Roman"/>
+              <a:sym typeface="Times New Roman"/>
+            </a:endParaRPr>
+          </a:p>
+        </p:txBody>
+      </p:sp>
+      <p:sp>
+        <p:nvSpPr>
+          <p:cNvPr id="134" name="Google Shape;134;p18"/>
+          <p:cNvSpPr txBox="1"/>
+          <p:nvPr/>
+        </p:nvSpPr>
+        <p:spPr>
+          <a:xfrm>
+            <a:off x="6296600" y="4870575"/>
+            <a:ext cx="4055700" cy="981600"/>
+          </a:xfrm>
+          <a:prstGeom prst="rect">
+            <a:avLst/>
+          </a:prstGeom>
+          <a:noFill/>
+          <a:ln>
+            <a:noFill/>
+          </a:ln>
+        </p:spPr>
+        <p:txBody>
+          <a:bodyPr anchorCtr="0" anchor="t" bIns="91425" lIns="91425" spcFirstLastPara="1" rIns="91425" wrap="square" tIns="91425">
+            <a:noAutofit/>
+          </a:bodyPr>
+          <a:lstStyle/>
+          <a:p>
+            <a:pPr indent="0" lvl="0" marL="0" rtl="0" algn="ctr">
+              <a:spcBef>
+                <a:spcPts val="0"/>
+              </a:spcBef>
+              <a:spcAft>
+                <a:spcPts val="0"/>
+              </a:spcAft>
+              <a:buNone/>
+            </a:pPr>
+            <a:r>
+              <a:rPr lang="ru-RU" sz="2500">
+                <a:solidFill>
+                  <a:schemeClr val="dk1"/>
+                </a:solidFill>
+                <a:latin typeface="Times New Roman"/>
+                <a:ea typeface="Times New Roman"/>
+                <a:cs typeface="Times New Roman"/>
+                <a:sym typeface="Times New Roman"/>
+              </a:rPr>
+              <a:t>Автоматическое</a:t>
+            </a:r>
+            <a:r>
+              <a:rPr lang="ru-RU" sz="2500">
+                <a:solidFill>
+                  <a:schemeClr val="dk1"/>
+                </a:solidFill>
+                <a:latin typeface="Times New Roman"/>
+                <a:ea typeface="Times New Roman"/>
+                <a:cs typeface="Times New Roman"/>
+                <a:sym typeface="Times New Roman"/>
+              </a:rPr>
+              <a:t> управление памятью (Golang)</a:t>
+            </a:r>
+            <a:endParaRPr sz="2500">
+              <a:solidFill>
+                <a:schemeClr val="dk1"/>
+              </a:solidFill>
+              <a:latin typeface="Times New Roman"/>
+              <a:ea typeface="Times New Roman"/>
+              <a:cs typeface="Times New Roman"/>
+              <a:sym typeface="Times New Roman"/>
+            </a:endParaRPr>
+          </a:p>
+        </p:txBody>
+      </p:sp>
+      <p:sp>
+        <p:nvSpPr>
+          <p:cNvPr id="135" name="Google Shape;135;p18"/>
+          <p:cNvSpPr txBox="1"/>
+          <p:nvPr>
+            <p:ph idx="12" type="sldNum"/>
+          </p:nvPr>
+        </p:nvSpPr>
+        <p:spPr>
+          <a:xfrm>
+            <a:off x="8610600" y="6356350"/>
+            <a:ext cx="2743200" cy="365100"/>
+          </a:xfrm>
+          <a:prstGeom prst="rect">
+            <a:avLst/>
+          </a:prstGeom>
+        </p:spPr>
+        <p:txBody>
+          <a:bodyPr anchorCtr="0" anchor="ctr" bIns="45700" lIns="91425" spcFirstLastPara="1" rIns="91425" wrap="square" tIns="45700">
+            <a:noAutofit/>
+          </a:bodyPr>
+          <a:lstStyle/>
+          <a:p>
+            <a:pPr indent="0" lvl="0" marL="0" rtl="0" algn="r">
+              <a:spcBef>
+                <a:spcPts val="0"/>
+              </a:spcBef>
+              <a:spcAft>
+                <a:spcPts val="0"/>
+              </a:spcAft>
+              <a:buClr>
+                <a:srgbClr val="000000"/>
+              </a:buClr>
+              <a:buFont typeface="Arial"/>
+              <a:buNone/>
+            </a:pPr>
+            <a:fld id="{00000000-1234-1234-1234-123412341234}" type="slidenum">
+              <a:rPr lang="ru-RU"/>
+              <a:t>‹#›</a:t>
+            </a:fld>
+            <a:endParaRPr/>
+          </a:p>
+        </p:txBody>
+      </p:sp>
+    </p:spTree>
+  </p:cSld>
+  <p:clrMapOvr>
+    <a:masterClrMapping/>
+  </p:clrMapOvr>
+</p:sld>
+</file>
+
+<file path=ppt/slides/slide6.xml><?xml version="1.0" encoding="utf-8"?>
+<p:sld xmlns:a="http://schemas.openxmlformats.org/drawingml/2006/main" xmlns:r="http://schemas.openxmlformats.org/officeDocument/2006/relationships" xmlns:mc="http://schemas.openxmlformats.org/markup-compatibility/2006" xmlns:mv="urn:schemas-microsoft-com:mac:vml" xmlns:p="http://schemas.openxmlformats.org/presentationml/2006/main" xmlns:c="http://schemas.openxmlformats.org/drawingml/2006/chart" xmlns:dgm="http://schemas.openxmlformats.org/drawingml/2006/diagram" xmlns:o="urn:schemas-microsoft-com:office:office" xmlns:v="urn:schemas-microsoft-com:vml" xmlns:pvml="urn:schemas-microsoft-com:office:powerpoint" xmlns:com="http://schemas.openxmlformats.org/drawingml/2006/compatibility" xmlns:p14="http://schemas.microsoft.com/office/powerpoint/2010/main" xmlns:p15="http://schemas.microsoft.com/office/powerpoint/2012/main" xmlns:ahyp="http://schemas.microsoft.com/office/drawing/2018/hyperlinkcolor">
+  <p:cSld>
+    <p:spTree>
+      <p:nvGrpSpPr>
+        <p:cNvPr id="140" name="Shape 140"/>
+        <p:cNvGrpSpPr/>
+        <p:nvPr/>
+      </p:nvGrpSpPr>
+      <p:grpSpPr>
+        <a:xfrm>
+          <a:off x="0" y="0"/>
+          <a:ext cx="0" cy="0"/>
+          <a:chOff x="0" y="0"/>
+          <a:chExt cx="0" cy="0"/>
+        </a:xfrm>
+      </p:grpSpPr>
+      <p:sp>
+        <p:nvSpPr>
+          <p:cNvPr id="141" name="Google Shape;141;p19"/>
+          <p:cNvSpPr txBox="1"/>
+          <p:nvPr>
+            <p:ph type="title"/>
+          </p:nvPr>
+        </p:nvSpPr>
+        <p:spPr>
+          <a:xfrm>
+            <a:off x="838175" y="0"/>
+            <a:ext cx="10515600" cy="1325700"/>
+          </a:xfrm>
+          <a:prstGeom prst="rect">
+            <a:avLst/>
+          </a:prstGeom>
+          <a:noFill/>
+          <a:ln>
+            <a:noFill/>
+          </a:ln>
+        </p:spPr>
+        <p:txBody>
+          <a:bodyPr anchorCtr="0" anchor="ctr" bIns="45700" lIns="91425" spcFirstLastPara="1" rIns="91425" wrap="square" tIns="45700">
+            <a:normAutofit/>
+          </a:bodyPr>
+          <a:lstStyle/>
+          <a:p>
+            <a:pPr indent="0" lvl="0" marL="0" rtl="0" algn="l">
+              <a:spcBef>
+                <a:spcPts val="0"/>
+              </a:spcBef>
+              <a:spcAft>
+                <a:spcPts val="0"/>
+              </a:spcAft>
+              <a:buClr>
+                <a:schemeClr val="dk1"/>
+              </a:buClr>
+              <a:buSzPts val="4400"/>
+              <a:buFont typeface="Times New Roman"/>
+              <a:buNone/>
+            </a:pPr>
+            <a:r>
+              <a:rPr lang="ru-RU">
+                <a:latin typeface="Times New Roman"/>
+                <a:ea typeface="Times New Roman"/>
+                <a:cs typeface="Times New Roman"/>
+                <a:sym typeface="Times New Roman"/>
+              </a:rPr>
+              <a:t>Сборка мусора</a:t>
+            </a:r>
+            <a:endParaRPr>
+              <a:latin typeface="Times New Roman"/>
+              <a:ea typeface="Times New Roman"/>
+              <a:cs typeface="Times New Roman"/>
+              <a:sym typeface="Times New Roman"/>
+            </a:endParaRPr>
+          </a:p>
+        </p:txBody>
+      </p:sp>
+      <p:sp>
+        <p:nvSpPr>
+          <p:cNvPr id="142" name="Google Shape;142;p19"/>
+          <p:cNvSpPr txBox="1"/>
+          <p:nvPr/>
+        </p:nvSpPr>
+        <p:spPr>
+          <a:xfrm>
+            <a:off x="502925" y="1022300"/>
+            <a:ext cx="11186100" cy="664200"/>
+          </a:xfrm>
+          <a:prstGeom prst="rect">
+            <a:avLst/>
+          </a:prstGeom>
+          <a:noFill/>
+          <a:ln>
+            <a:noFill/>
+          </a:ln>
+        </p:spPr>
+        <p:txBody>
+          <a:bodyPr anchorCtr="0" anchor="t" bIns="91425" lIns="91425" spcFirstLastPara="1" rIns="91425" wrap="square" tIns="91425">
+            <a:noAutofit/>
+          </a:bodyPr>
+          <a:lstStyle/>
+          <a:p>
+            <a:pPr indent="0" lvl="0" marL="0" rtl="0" algn="l">
+              <a:lnSpc>
+                <a:spcPct val="90000"/>
+              </a:lnSpc>
+              <a:spcBef>
+                <a:spcPts val="1600"/>
+              </a:spcBef>
+              <a:spcAft>
+                <a:spcPts val="0"/>
+              </a:spcAft>
+              <a:buNone/>
+            </a:pPr>
+            <a:r>
+              <a:rPr lang="ru-RU" sz="2500">
+                <a:solidFill>
+                  <a:schemeClr val="dk1"/>
+                </a:solidFill>
+                <a:latin typeface="Times New Roman"/>
+                <a:ea typeface="Times New Roman"/>
+                <a:cs typeface="Times New Roman"/>
+                <a:sym typeface="Times New Roman"/>
+              </a:rPr>
+              <a:t>Это </a:t>
+            </a:r>
+            <a:r>
+              <a:rPr lang="ru-RU" sz="2500">
+                <a:solidFill>
+                  <a:schemeClr val="dk1"/>
+                </a:solidFill>
+                <a:latin typeface="Times New Roman"/>
+                <a:ea typeface="Times New Roman"/>
+                <a:cs typeface="Times New Roman"/>
+                <a:sym typeface="Times New Roman"/>
+              </a:rPr>
+              <a:t>а</a:t>
+            </a:r>
+            <a:r>
+              <a:rPr lang="ru-RU" sz="2500">
+                <a:solidFill>
+                  <a:schemeClr val="dk1"/>
+                </a:solidFill>
+                <a:latin typeface="Times New Roman"/>
+                <a:ea typeface="Times New Roman"/>
+                <a:cs typeface="Times New Roman"/>
+                <a:sym typeface="Times New Roman"/>
+              </a:rPr>
+              <a:t>втоматическая переработка динамически выделяемой памяти.</a:t>
+            </a:r>
+            <a:endParaRPr sz="2500">
+              <a:solidFill>
+                <a:schemeClr val="dk1"/>
+              </a:solidFill>
+              <a:latin typeface="Times New Roman"/>
+              <a:ea typeface="Times New Roman"/>
+              <a:cs typeface="Times New Roman"/>
+              <a:sym typeface="Times New Roman"/>
+            </a:endParaRPr>
+          </a:p>
+        </p:txBody>
+      </p:sp>
+      <p:pic>
+        <p:nvPicPr>
+          <p:cNvPr id="143" name="Google Shape;143;p19"/>
+          <p:cNvPicPr preferRelativeResize="0"/>
+          <p:nvPr/>
+        </p:nvPicPr>
+        <p:blipFill>
+          <a:blip r:embed="rId3">
+            <a:alphaModFix/>
+          </a:blip>
+          <a:stretch>
+            <a:fillRect/>
+          </a:stretch>
+        </p:blipFill>
+        <p:spPr>
+          <a:xfrm>
+            <a:off x="6109725" y="2715800"/>
+            <a:ext cx="1893450" cy="2967768"/>
+          </a:xfrm>
+          <a:prstGeom prst="rect">
+            <a:avLst/>
+          </a:prstGeom>
+          <a:noFill/>
+          <a:ln>
+            <a:noFill/>
+          </a:ln>
+        </p:spPr>
+      </p:pic>
+      <p:pic>
+        <p:nvPicPr>
+          <p:cNvPr id="144" name="Google Shape;144;p19"/>
+          <p:cNvPicPr preferRelativeResize="0"/>
+          <p:nvPr/>
+        </p:nvPicPr>
+        <p:blipFill>
+          <a:blip r:embed="rId4">
+            <a:alphaModFix/>
+          </a:blip>
+          <a:stretch>
+            <a:fillRect/>
+          </a:stretch>
+        </p:blipFill>
+        <p:spPr>
+          <a:xfrm>
+            <a:off x="8321175" y="2715800"/>
+            <a:ext cx="1893450" cy="3773475"/>
+          </a:xfrm>
+          <a:prstGeom prst="rect">
+            <a:avLst/>
+          </a:prstGeom>
+          <a:noFill/>
+          <a:ln>
+            <a:noFill/>
+          </a:ln>
+        </p:spPr>
+      </p:pic>
+      <p:sp>
+        <p:nvSpPr>
+          <p:cNvPr id="145" name="Google Shape;145;p19"/>
+          <p:cNvSpPr txBox="1"/>
+          <p:nvPr/>
+        </p:nvSpPr>
+        <p:spPr>
+          <a:xfrm>
+            <a:off x="884025" y="1686500"/>
+            <a:ext cx="4367100" cy="2566200"/>
+          </a:xfrm>
+          <a:prstGeom prst="rect">
+            <a:avLst/>
+          </a:prstGeom>
+          <a:noFill/>
+          <a:ln>
+            <a:noFill/>
+          </a:ln>
+        </p:spPr>
+        <p:txBody>
+          <a:bodyPr anchorCtr="0" anchor="t" bIns="91425" lIns="91425" spcFirstLastPara="1" rIns="91425" wrap="square" tIns="91425">
+            <a:noAutofit/>
+          </a:bodyPr>
+          <a:lstStyle/>
+          <a:p>
+            <a:pPr indent="457200" lvl="0" marL="0" rtl="0" algn="l">
+              <a:spcBef>
+                <a:spcPts val="0"/>
+              </a:spcBef>
+              <a:spcAft>
+                <a:spcPts val="0"/>
+              </a:spcAft>
+              <a:buNone/>
+            </a:pPr>
+            <a:r>
+              <a:rPr b="1" lang="ru-RU" sz="2500">
+                <a:solidFill>
+                  <a:schemeClr val="dk1"/>
+                </a:solidFill>
+                <a:latin typeface="Times New Roman"/>
+                <a:ea typeface="Times New Roman"/>
+                <a:cs typeface="Times New Roman"/>
+                <a:sym typeface="Times New Roman"/>
+              </a:rPr>
+              <a:t>Подсчёт ссылок</a:t>
+            </a:r>
+            <a:endParaRPr b="1" sz="2500">
+              <a:solidFill>
+                <a:schemeClr val="dk1"/>
+              </a:solidFill>
+              <a:latin typeface="Times New Roman"/>
+              <a:ea typeface="Times New Roman"/>
+              <a:cs typeface="Times New Roman"/>
+              <a:sym typeface="Times New Roman"/>
+            </a:endParaRPr>
+          </a:p>
+          <a:p>
+            <a:pPr indent="-387350" lvl="0" marL="457200" rtl="0" algn="l">
+              <a:spcBef>
+                <a:spcPts val="0"/>
+              </a:spcBef>
+              <a:spcAft>
+                <a:spcPts val="0"/>
+              </a:spcAft>
+              <a:buClr>
+                <a:schemeClr val="dk1"/>
+              </a:buClr>
+              <a:buSzPts val="2500"/>
+              <a:buFont typeface="Times New Roman"/>
+              <a:buChar char="-"/>
+            </a:pPr>
+            <a:r>
+              <a:rPr lang="ru-RU" sz="2500">
+                <a:solidFill>
+                  <a:schemeClr val="dk1"/>
+                </a:solidFill>
+                <a:latin typeface="Times New Roman"/>
+                <a:ea typeface="Times New Roman"/>
+                <a:cs typeface="Times New Roman"/>
+                <a:sym typeface="Times New Roman"/>
+              </a:rPr>
+              <a:t>отложенный;</a:t>
+            </a:r>
+            <a:endParaRPr sz="2500">
+              <a:solidFill>
+                <a:schemeClr val="dk1"/>
+              </a:solidFill>
+              <a:latin typeface="Times New Roman"/>
+              <a:ea typeface="Times New Roman"/>
+              <a:cs typeface="Times New Roman"/>
+              <a:sym typeface="Times New Roman"/>
+            </a:endParaRPr>
+          </a:p>
+          <a:p>
+            <a:pPr indent="-387350" lvl="0" marL="457200" rtl="0" algn="l">
+              <a:spcBef>
+                <a:spcPts val="0"/>
+              </a:spcBef>
+              <a:spcAft>
+                <a:spcPts val="0"/>
+              </a:spcAft>
+              <a:buClr>
+                <a:schemeClr val="dk1"/>
+              </a:buClr>
+              <a:buSzPts val="2500"/>
+              <a:buFont typeface="Times New Roman"/>
+              <a:buChar char="-"/>
+            </a:pPr>
+            <a:r>
+              <a:rPr lang="ru-RU" sz="2500">
+                <a:solidFill>
+                  <a:schemeClr val="dk1"/>
+                </a:solidFill>
+                <a:latin typeface="Times New Roman"/>
+                <a:ea typeface="Times New Roman"/>
+                <a:cs typeface="Times New Roman"/>
+                <a:sym typeface="Times New Roman"/>
+              </a:rPr>
+              <a:t>взвешенный;</a:t>
+            </a:r>
+            <a:endParaRPr sz="2500">
+              <a:solidFill>
+                <a:schemeClr val="dk1"/>
+              </a:solidFill>
+              <a:latin typeface="Times New Roman"/>
+              <a:ea typeface="Times New Roman"/>
+              <a:cs typeface="Times New Roman"/>
+              <a:sym typeface="Times New Roman"/>
+            </a:endParaRPr>
+          </a:p>
+          <a:p>
+            <a:pPr indent="-387350" lvl="0" marL="457200" rtl="0" algn="l">
+              <a:spcBef>
+                <a:spcPts val="0"/>
+              </a:spcBef>
+              <a:spcAft>
+                <a:spcPts val="0"/>
+              </a:spcAft>
+              <a:buClr>
+                <a:schemeClr val="dk1"/>
+              </a:buClr>
+              <a:buSzPts val="2500"/>
+              <a:buFont typeface="Times New Roman"/>
+              <a:buChar char="-"/>
+            </a:pPr>
+            <a:r>
+              <a:rPr lang="ru-RU" sz="2500">
+                <a:solidFill>
+                  <a:schemeClr val="dk1"/>
+                </a:solidFill>
+                <a:latin typeface="Times New Roman"/>
+                <a:ea typeface="Times New Roman"/>
+                <a:cs typeface="Times New Roman"/>
+                <a:sym typeface="Times New Roman"/>
+              </a:rPr>
+              <a:t>с использованием счётчика с ограниченным полем;</a:t>
+            </a:r>
+            <a:endParaRPr sz="2500">
+              <a:solidFill>
+                <a:schemeClr val="dk1"/>
+              </a:solidFill>
+              <a:latin typeface="Times New Roman"/>
+              <a:ea typeface="Times New Roman"/>
+              <a:cs typeface="Times New Roman"/>
+              <a:sym typeface="Times New Roman"/>
+            </a:endParaRPr>
+          </a:p>
+          <a:p>
+            <a:pPr indent="-387350" lvl="0" marL="457200" rtl="0" algn="l">
+              <a:spcBef>
+                <a:spcPts val="0"/>
+              </a:spcBef>
+              <a:spcAft>
+                <a:spcPts val="0"/>
+              </a:spcAft>
+              <a:buClr>
+                <a:schemeClr val="dk1"/>
+              </a:buClr>
+              <a:buSzPts val="2500"/>
+              <a:buFont typeface="Times New Roman"/>
+              <a:buChar char="-"/>
+            </a:pPr>
+            <a:r>
+              <a:rPr lang="ru-RU" sz="2500">
+                <a:solidFill>
+                  <a:schemeClr val="dk1"/>
+                </a:solidFill>
+                <a:latin typeface="Times New Roman"/>
+                <a:ea typeface="Times New Roman"/>
+                <a:cs typeface="Times New Roman"/>
+                <a:sym typeface="Times New Roman"/>
+              </a:rPr>
+              <a:t>с флагом.</a:t>
+            </a:r>
+            <a:endParaRPr sz="2500">
+              <a:solidFill>
+                <a:schemeClr val="dk1"/>
+              </a:solidFill>
+              <a:latin typeface="Times New Roman"/>
+              <a:ea typeface="Times New Roman"/>
+              <a:cs typeface="Times New Roman"/>
+              <a:sym typeface="Times New Roman"/>
+            </a:endParaRPr>
+          </a:p>
+        </p:txBody>
+      </p:sp>
+      <p:sp>
+        <p:nvSpPr>
+          <p:cNvPr id="146" name="Google Shape;146;p19"/>
+          <p:cNvSpPr txBox="1"/>
+          <p:nvPr/>
+        </p:nvSpPr>
+        <p:spPr>
+          <a:xfrm>
+            <a:off x="5955025" y="1686500"/>
+            <a:ext cx="5352900" cy="1029300"/>
+          </a:xfrm>
+          <a:prstGeom prst="rect">
+            <a:avLst/>
+          </a:prstGeom>
+          <a:noFill/>
+          <a:ln>
+            <a:noFill/>
+          </a:ln>
+        </p:spPr>
+        <p:txBody>
+          <a:bodyPr anchorCtr="0" anchor="t" bIns="91425" lIns="91425" spcFirstLastPara="1" rIns="91425" wrap="square" tIns="91425">
+            <a:noAutofit/>
+          </a:bodyPr>
+          <a:lstStyle/>
+          <a:p>
+            <a:pPr indent="0" lvl="0" marL="0" rtl="0" algn="l">
+              <a:spcBef>
+                <a:spcPts val="0"/>
+              </a:spcBef>
+              <a:spcAft>
+                <a:spcPts val="0"/>
+              </a:spcAft>
+              <a:buNone/>
+            </a:pPr>
+            <a:r>
+              <a:rPr b="1" lang="ru-RU" sz="2500">
+                <a:solidFill>
+                  <a:schemeClr val="dk1"/>
+                </a:solidFill>
+                <a:latin typeface="Times New Roman"/>
+                <a:ea typeface="Times New Roman"/>
+                <a:cs typeface="Times New Roman"/>
+                <a:sym typeface="Times New Roman"/>
+              </a:rPr>
+              <a:t>Трассирующая сборка мусора</a:t>
+            </a:r>
+            <a:endParaRPr b="1" sz="2500">
+              <a:solidFill>
+                <a:schemeClr val="dk1"/>
+              </a:solidFill>
+              <a:latin typeface="Times New Roman"/>
+              <a:ea typeface="Times New Roman"/>
+              <a:cs typeface="Times New Roman"/>
+              <a:sym typeface="Times New Roman"/>
+            </a:endParaRPr>
+          </a:p>
+          <a:p>
+            <a:pPr indent="0" lvl="0" marL="0" rtl="0" algn="l">
+              <a:spcBef>
+                <a:spcPts val="0"/>
+              </a:spcBef>
+              <a:spcAft>
+                <a:spcPts val="0"/>
+              </a:spcAft>
+              <a:buNone/>
+            </a:pPr>
+            <a:r>
+              <a:rPr lang="ru-RU" sz="2500">
+                <a:solidFill>
+                  <a:schemeClr val="dk1"/>
+                </a:solidFill>
+                <a:latin typeface="Times New Roman"/>
+                <a:ea typeface="Times New Roman"/>
+                <a:cs typeface="Times New Roman"/>
+                <a:sym typeface="Times New Roman"/>
+              </a:rPr>
+              <a:t>   mark-sweep	   	mark-compact</a:t>
+            </a:r>
+            <a:endParaRPr sz="2500">
+              <a:solidFill>
+                <a:schemeClr val="dk1"/>
+              </a:solidFill>
+              <a:latin typeface="Times New Roman"/>
+              <a:ea typeface="Times New Roman"/>
+              <a:cs typeface="Times New Roman"/>
+              <a:sym typeface="Times New Roman"/>
+            </a:endParaRPr>
+          </a:p>
+        </p:txBody>
+      </p:sp>
+      <p:sp>
+        <p:nvSpPr>
+          <p:cNvPr id="147" name="Google Shape;147;p19"/>
+          <p:cNvSpPr txBox="1"/>
+          <p:nvPr>
+            <p:ph idx="12" type="sldNum"/>
+          </p:nvPr>
+        </p:nvSpPr>
+        <p:spPr>
+          <a:xfrm>
+            <a:off x="8610600" y="6356350"/>
+            <a:ext cx="2743200" cy="365100"/>
+          </a:xfrm>
+          <a:prstGeom prst="rect">
+            <a:avLst/>
+          </a:prstGeom>
+        </p:spPr>
+        <p:txBody>
+          <a:bodyPr anchorCtr="0" anchor="ctr" bIns="45700" lIns="91425" spcFirstLastPara="1" rIns="91425" wrap="square" tIns="45700">
+            <a:noAutofit/>
+          </a:bodyPr>
+          <a:lstStyle/>
+          <a:p>
+            <a:pPr indent="0" lvl="0" marL="0" rtl="0" algn="r">
+              <a:spcBef>
+                <a:spcPts val="0"/>
+              </a:spcBef>
+              <a:spcAft>
+                <a:spcPts val="0"/>
+              </a:spcAft>
+              <a:buClr>
+                <a:srgbClr val="000000"/>
+              </a:buClr>
+              <a:buFont typeface="Arial"/>
+              <a:buNone/>
+            </a:pPr>
+            <a:fld id="{00000000-1234-1234-1234-123412341234}" type="slidenum">
+              <a:rPr lang="ru-RU"/>
+              <a:t>‹#›</a:t>
+            </a:fld>
+            <a:endParaRPr/>
+          </a:p>
+        </p:txBody>
+      </p:sp>
+    </p:spTree>
+  </p:cSld>
+  <p:clrMapOvr>
+    <a:masterClrMapping/>
+  </p:clrMapOvr>
+</p:sld>
+</file>
+
+<file path=ppt/slides/slide7.xml><?xml version="1.0" encoding="utf-8"?>
+<p:sld xmlns:a="http://schemas.openxmlformats.org/drawingml/2006/main" xmlns:r="http://schemas.openxmlformats.org/officeDocument/2006/relationships" xmlns:mc="http://schemas.openxmlformats.org/markup-compatibility/2006" xmlns:mv="urn:schemas-microsoft-com:mac:vml" xmlns:p="http://schemas.openxmlformats.org/presentationml/2006/main" xmlns:c="http://schemas.openxmlformats.org/drawingml/2006/chart" xmlns:dgm="http://schemas.openxmlformats.org/drawingml/2006/diagram" xmlns:o="urn:schemas-microsoft-com:office:office" xmlns:v="urn:schemas-microsoft-com:vml" xmlns:pvml="urn:schemas-microsoft-com:office:powerpoint" xmlns:com="http://schemas.openxmlformats.org/drawingml/2006/compatibility" xmlns:p14="http://schemas.microsoft.com/office/powerpoint/2010/main" xmlns:p15="http://schemas.microsoft.com/office/powerpoint/2012/main" xmlns:ahyp="http://schemas.microsoft.com/office/drawing/2018/hyperlinkcolor">
+  <p:cSld>
+    <p:spTree>
+      <p:nvGrpSpPr>
+        <p:cNvPr id="152" name="Shape 152"/>
+        <p:cNvGrpSpPr/>
+        <p:nvPr/>
+      </p:nvGrpSpPr>
+      <p:grpSpPr>
+        <a:xfrm>
+          <a:off x="0" y="0"/>
+          <a:ext cx="0" cy="0"/>
+          <a:chOff x="0" y="0"/>
+          <a:chExt cx="0" cy="0"/>
+        </a:xfrm>
+      </p:grpSpPr>
+      <p:sp>
+        <p:nvSpPr>
+          <p:cNvPr id="153" name="Google Shape;153;p20"/>
           <p:cNvSpPr txBox="1"/>
           <p:nvPr>
             <p:ph type="title"/>
@@ -17016,7 +21603,7 @@
       </p:sp>
       <p:pic>
         <p:nvPicPr>
-          <p:cNvPr id="119" name="Google Shape;119;p17"/>
+          <p:cNvPr id="154" name="Google Shape;154;p20"/>
           <p:cNvPicPr preferRelativeResize="0"/>
           <p:nvPr/>
         </p:nvPicPr>
@@ -17044,7 +21631,7 @@
       </p:pic>
       <p:sp>
         <p:nvSpPr>
-          <p:cNvPr id="120" name="Google Shape;120;p17"/>
+          <p:cNvPr id="155" name="Google Shape;155;p20"/>
           <p:cNvSpPr txBox="1"/>
           <p:nvPr/>
         </p:nvSpPr>
@@ -17476,7 +22063,7 @@
       </p:sp>
       <p:sp>
         <p:nvSpPr>
-          <p:cNvPr id="121" name="Google Shape;121;p17"/>
+          <p:cNvPr id="156" name="Google Shape;156;p20"/>
           <p:cNvSpPr txBox="1"/>
           <p:nvPr/>
         </p:nvSpPr>
@@ -17535,6 +22122,50 @@
           </a:p>
         </p:txBody>
       </p:sp>
+      <p:sp>
+        <p:nvSpPr>
+          <p:cNvPr id="157" name="Google Shape;157;p20"/>
+          <p:cNvSpPr txBox="1"/>
+          <p:nvPr>
+            <p:ph idx="12" type="sldNum"/>
+          </p:nvPr>
+        </p:nvSpPr>
+        <p:spPr>
+          <a:xfrm>
+            <a:off x="8610600" y="6356350"/>
+            <a:ext cx="2743200" cy="365100"/>
+          </a:xfrm>
+          <a:prstGeom prst="rect">
+            <a:avLst/>
+          </a:prstGeom>
+        </p:spPr>
+        <p:txBody>
+          <a:bodyPr anchorCtr="0" anchor="ctr" bIns="45700" lIns="91425" spcFirstLastPara="1" rIns="91425" wrap="square" tIns="45700">
+            <a:noAutofit/>
+          </a:bodyPr>
+          <a:lstStyle/>
+          <a:p>
+            <a:pPr indent="0" lvl="0" marL="0" rtl="0" algn="r">
+              <a:spcBef>
+                <a:spcPts val="0"/>
+              </a:spcBef>
+              <a:spcAft>
+                <a:spcPts val="0"/>
+              </a:spcAft>
+              <a:buClr>
+                <a:srgbClr val="000000"/>
+              </a:buClr>
+              <a:buFont typeface="Arial"/>
+              <a:buNone/>
+            </a:pPr>
+            <a:fld id="{00000000-1234-1234-1234-123412341234}" type="slidenum">
+              <a:rPr lang="ru-RU"/>
+              <a:t>‹#›</a:t>
+            </a:fld>
+            <a:endParaRPr/>
+          </a:p>
+        </p:txBody>
+      </p:sp>
     </p:spTree>
   </p:cSld>
   <p:clrMapOvr>
@@ -17543,12 +22174,12 @@
 </p:sld>
 </file>
 
-<file path=ppt/slides/slide5.xml><?xml version="1.0" encoding="utf-8"?>
+<file path=ppt/slides/slide8.xml><?xml version="1.0" encoding="utf-8"?>
 <p:sld xmlns:a="http://schemas.openxmlformats.org/drawingml/2006/main" xmlns:r="http://schemas.openxmlformats.org/officeDocument/2006/relationships" xmlns:mc="http://schemas.openxmlformats.org/markup-compatibility/2006" xmlns:mv="urn:schemas-microsoft-com:mac:vml" xmlns:p="http://schemas.openxmlformats.org/presentationml/2006/main" xmlns:c="http://schemas.openxmlformats.org/drawingml/2006/chart" xmlns:dgm="http://schemas.openxmlformats.org/drawingml/2006/diagram" xmlns:o="urn:schemas-microsoft-com:office:office" xmlns:v="urn:schemas-microsoft-com:vml" xmlns:pvml="urn:schemas-microsoft-com:office:powerpoint" xmlns:com="http://schemas.openxmlformats.org/drawingml/2006/compatibility" xmlns:p14="http://schemas.microsoft.com/office/powerpoint/2010/main" xmlns:p15="http://schemas.microsoft.com/office/powerpoint/2012/main" xmlns:ahyp="http://schemas.microsoft.com/office/drawing/2018/hyperlinkcolor">
   <p:cSld>
     <p:spTree>
       <p:nvGrpSpPr>
-        <p:cNvPr id="126" name="Shape 126"/>
+        <p:cNvPr id="162" name="Shape 162"/>
         <p:cNvGrpSpPr/>
         <p:nvPr/>
       </p:nvGrpSpPr>
@@ -17562,7 +22193,7 @@
       </p:grpSpPr>
       <p:sp>
         <p:nvSpPr>
-          <p:cNvPr id="127" name="Google Shape;127;p18"/>
+          <p:cNvPr id="163" name="Google Shape;163;p21"/>
           <p:cNvSpPr txBox="1"/>
           <p:nvPr>
             <p:ph type="title"/>
@@ -17621,7 +22252,7 @@
       </p:sp>
       <p:sp>
         <p:nvSpPr>
-          <p:cNvPr id="128" name="Google Shape;128;p18"/>
+          <p:cNvPr id="164" name="Google Shape;164;p21"/>
           <p:cNvSpPr txBox="1"/>
           <p:nvPr/>
         </p:nvSpPr>
@@ -17671,7 +22302,7 @@
                 <a:cs typeface="Times New Roman"/>
                 <a:sym typeface="Times New Roman"/>
               </a:rPr>
-              <a:t>Куча управляется менеджером хранилища JVM.</a:t>
+              <a:t>Куча управляется менеджером хранилища JVM, включающем аллокатор и сборщик мусора.</a:t>
             </a:r>
             <a:endParaRPr sz="2500">
               <a:solidFill>
@@ -17967,7 +22598,7 @@
       </p:sp>
       <p:sp>
         <p:nvSpPr>
-          <p:cNvPr id="129" name="Google Shape;129;p18"/>
+          <p:cNvPr id="165" name="Google Shape;165;p21"/>
           <p:cNvSpPr txBox="1"/>
           <p:nvPr>
             <p:ph idx="12" type="sldNum"/>
@@ -18017,12 +22648,12 @@
 </p:sld>
 </file>
 
-<file path=ppt/slides/slide6.xml><?xml version="1.0" encoding="utf-8"?>
+<file path=ppt/slides/slide9.xml><?xml version="1.0" encoding="utf-8"?>
 <p:sld xmlns:a="http://schemas.openxmlformats.org/drawingml/2006/main" xmlns:r="http://schemas.openxmlformats.org/officeDocument/2006/relationships" xmlns:mc="http://schemas.openxmlformats.org/markup-compatibility/2006" xmlns:mv="urn:schemas-microsoft-com:mac:vml" xmlns:p="http://schemas.openxmlformats.org/presentationml/2006/main" xmlns:c="http://schemas.openxmlformats.org/drawingml/2006/chart" xmlns:dgm="http://schemas.openxmlformats.org/drawingml/2006/diagram" xmlns:o="urn:schemas-microsoft-com:office:office" xmlns:v="urn:schemas-microsoft-com:vml" xmlns:pvml="urn:schemas-microsoft-com:office:powerpoint" xmlns:com="http://schemas.openxmlformats.org/drawingml/2006/compatibility" xmlns:p14="http://schemas.microsoft.com/office/powerpoint/2010/main" xmlns:p15="http://schemas.microsoft.com/office/powerpoint/2012/main" xmlns:ahyp="http://schemas.microsoft.com/office/drawing/2018/hyperlinkcolor">
   <p:cSld>
     <p:spTree>
       <p:nvGrpSpPr>
-        <p:cNvPr id="134" name="Shape 134"/>
+        <p:cNvPr id="170" name="Shape 170"/>
         <p:cNvGrpSpPr/>
         <p:nvPr/>
       </p:nvGrpSpPr>
@@ -18036,7 +22667,7 @@
       </p:grpSpPr>
       <p:sp>
         <p:nvSpPr>
-          <p:cNvPr id="135" name="Google Shape;135;p19"/>
+          <p:cNvPr id="171" name="Google Shape;171;p22"/>
           <p:cNvSpPr txBox="1"/>
           <p:nvPr>
             <p:ph type="title"/>
@@ -18104,14 +22735,14 @@
       </p:sp>
       <p:sp>
         <p:nvSpPr>
-          <p:cNvPr id="136" name="Google Shape;136;p19"/>
+          <p:cNvPr id="172" name="Google Shape;172;p22"/>
           <p:cNvSpPr txBox="1"/>
           <p:nvPr/>
         </p:nvSpPr>
         <p:spPr>
           <a:xfrm>
             <a:off x="502925" y="1022300"/>
-            <a:ext cx="11186100" cy="5334000"/>
+            <a:ext cx="11186100" cy="3791100"/>
           </a:xfrm>
           <a:prstGeom prst="rect">
             <a:avLst/>
@@ -18154,30 +22785,7 @@
                 <a:cs typeface="Times New Roman"/>
                 <a:sym typeface="Times New Roman"/>
               </a:rPr>
-              <a:t>Асинхронная однопоточная модель</a:t>
-            </a:r>
-            <a:br>
-              <a:rPr lang="ru-RU" sz="2500">
-                <a:solidFill>
-                  <a:schemeClr val="dk1"/>
-                </a:solidFill>
-                <a:latin typeface="Times New Roman"/>
-                <a:ea typeface="Times New Roman"/>
-                <a:cs typeface="Times New Roman"/>
-                <a:sym typeface="Times New Roman"/>
-              </a:rPr>
-            </a:br>
-            <a:r>
-              <a:rPr lang="ru-RU" sz="2500">
-                <a:solidFill>
-                  <a:schemeClr val="dk1"/>
-                </a:solidFill>
-                <a:latin typeface="Times New Roman"/>
-                <a:ea typeface="Times New Roman"/>
-                <a:cs typeface="Times New Roman"/>
-                <a:sym typeface="Times New Roman"/>
-              </a:rPr>
-              <a:t>выполнения в рамках цикла событий.</a:t>
+              <a:t>Асинхронная однопоточная модель выполнения в рамках цикла событий.</a:t>
             </a:r>
             <a:endParaRPr sz="2500">
               <a:solidFill>
@@ -18217,30 +22825,7 @@
                 <a:cs typeface="Times New Roman"/>
                 <a:sym typeface="Times New Roman"/>
               </a:rPr>
-              <a:t>Реализация сборки мусора на уровне </a:t>
-            </a:r>
-            <a:br>
-              <a:rPr lang="ru-RU" sz="2500">
-                <a:solidFill>
-                  <a:schemeClr val="dk1"/>
-                </a:solidFill>
-                <a:latin typeface="Times New Roman"/>
-                <a:ea typeface="Times New Roman"/>
-                <a:cs typeface="Times New Roman"/>
-                <a:sym typeface="Times New Roman"/>
-              </a:rPr>
-            </a:br>
-            <a:r>
-              <a:rPr lang="ru-RU" sz="2500">
-                <a:solidFill>
-                  <a:schemeClr val="dk1"/>
-                </a:solidFill>
-                <a:latin typeface="Times New Roman"/>
-                <a:ea typeface="Times New Roman"/>
-                <a:cs typeface="Times New Roman"/>
-                <a:sym typeface="Times New Roman"/>
-              </a:rPr>
-              <a:t>среды выполнения, как правило </a:t>
+              <a:t>Реализация сборки мусора на уровне среды выполнения, как правило </a:t>
             </a:r>
             <a:br>
               <a:rPr lang="ru-RU" sz="2500">
@@ -18435,30 +23020,7 @@
                 <a:cs typeface="Times New Roman"/>
                 <a:sym typeface="Times New Roman"/>
               </a:rPr>
-              <a:t>Разрешение циклических ссылок</a:t>
-            </a:r>
-            <a:br>
-              <a:rPr lang="ru-RU" sz="2500">
-                <a:solidFill>
-                  <a:schemeClr val="dk1"/>
-                </a:solidFill>
-                <a:latin typeface="Times New Roman"/>
-                <a:ea typeface="Times New Roman"/>
-                <a:cs typeface="Times New Roman"/>
-                <a:sym typeface="Times New Roman"/>
-              </a:rPr>
-            </a:br>
-            <a:r>
-              <a:rPr lang="ru-RU" sz="2500">
-                <a:solidFill>
-                  <a:schemeClr val="dk1"/>
-                </a:solidFill>
-                <a:latin typeface="Times New Roman"/>
-                <a:ea typeface="Times New Roman"/>
-                <a:cs typeface="Times New Roman"/>
-                <a:sym typeface="Times New Roman"/>
-              </a:rPr>
-              <a:t>с помощью эфемеронов.</a:t>
+              <a:t>Разрешение циклических ссылок с помощью эфемеронов.</a:t>
             </a:r>
             <a:endParaRPr sz="2500">
               <a:solidFill>
@@ -18538,30 +23100,7 @@
                 <a:cs typeface="Times New Roman"/>
                 <a:sym typeface="Times New Roman"/>
               </a:rPr>
-              <a:t>Реализация уведомлений об освобождении</a:t>
-            </a:r>
-            <a:br>
-              <a:rPr lang="ru-RU" sz="2500">
-                <a:solidFill>
-                  <a:schemeClr val="dk1"/>
-                </a:solidFill>
-                <a:latin typeface="Times New Roman"/>
-                <a:ea typeface="Times New Roman"/>
-                <a:cs typeface="Times New Roman"/>
-                <a:sym typeface="Times New Roman"/>
-              </a:rPr>
-            </a:br>
-            <a:r>
-              <a:rPr lang="ru-RU" sz="2500">
-                <a:solidFill>
-                  <a:schemeClr val="dk1"/>
-                </a:solidFill>
-                <a:latin typeface="Times New Roman"/>
-                <a:ea typeface="Times New Roman"/>
-                <a:cs typeface="Times New Roman"/>
-                <a:sym typeface="Times New Roman"/>
-              </a:rPr>
-              <a:t>объектов.</a:t>
+              <a:t>Реализация уведомлений об освобождении объектов.</a:t>
             </a:r>
             <a:endParaRPr sz="2500">
               <a:solidFill>
@@ -18577,7 +23116,7 @@
       </p:sp>
       <p:sp>
         <p:nvSpPr>
-          <p:cNvPr id="137" name="Google Shape;137;p19"/>
+          <p:cNvPr id="173" name="Google Shape;173;p22"/>
           <p:cNvSpPr txBox="1"/>
           <p:nvPr>
             <p:ph idx="12" type="sldNum"/>
@@ -18619,3025 +23158,6 @@
           </a:p>
         </p:txBody>
       </p:sp>
-      <p:sp>
-        <p:nvSpPr>
-          <p:cNvPr id="138" name="Google Shape;138;p19"/>
-          <p:cNvSpPr txBox="1"/>
-          <p:nvPr/>
-        </p:nvSpPr>
-        <p:spPr>
-          <a:xfrm>
-            <a:off x="7641100" y="5417675"/>
-            <a:ext cx="4144500" cy="938700"/>
-          </a:xfrm>
-          <a:prstGeom prst="rect">
-            <a:avLst/>
-          </a:prstGeom>
-          <a:noFill/>
-          <a:ln>
-            <a:noFill/>
-          </a:ln>
-        </p:spPr>
-        <p:txBody>
-          <a:bodyPr anchorCtr="0" anchor="t" bIns="91425" lIns="91425" spcFirstLastPara="1" rIns="91425" wrap="square" tIns="91425">
-            <a:noAutofit/>
-          </a:bodyPr>
-          <a:lstStyle/>
-          <a:p>
-            <a:pPr indent="0" lvl="0" marL="0" rtl="0" algn="ctr">
-              <a:spcBef>
-                <a:spcPts val="0"/>
-              </a:spcBef>
-              <a:spcAft>
-                <a:spcPts val="0"/>
-              </a:spcAft>
-              <a:buNone/>
-            </a:pPr>
-            <a:r>
-              <a:rPr lang="ru-RU" sz="2500">
-                <a:solidFill>
-                  <a:schemeClr val="dk1"/>
-                </a:solidFill>
-                <a:latin typeface="Calibri"/>
-                <a:ea typeface="Calibri"/>
-                <a:cs typeface="Calibri"/>
-                <a:sym typeface="Calibri"/>
-              </a:rPr>
-              <a:t>Основные шаги алгоритма mark-sweep</a:t>
-            </a:r>
-            <a:endParaRPr sz="2500">
-              <a:solidFill>
-                <a:schemeClr val="dk1"/>
-              </a:solidFill>
-              <a:latin typeface="Calibri"/>
-              <a:ea typeface="Calibri"/>
-              <a:cs typeface="Calibri"/>
-              <a:sym typeface="Calibri"/>
-            </a:endParaRPr>
-          </a:p>
-        </p:txBody>
-      </p:sp>
-      <p:pic>
-        <p:nvPicPr>
-          <p:cNvPr id="139" name="Google Shape;139;p19"/>
-          <p:cNvPicPr preferRelativeResize="0"/>
-          <p:nvPr/>
-        </p:nvPicPr>
-        <p:blipFill>
-          <a:blip r:embed="rId3">
-            <a:alphaModFix/>
-          </a:blip>
-          <a:stretch>
-            <a:fillRect/>
-          </a:stretch>
-        </p:blipFill>
-        <p:spPr>
-          <a:xfrm>
-            <a:off x="8408000" y="1325700"/>
-            <a:ext cx="2610700" cy="4091975"/>
-          </a:xfrm>
-          <a:prstGeom prst="rect">
-            <a:avLst/>
-          </a:prstGeom>
-          <a:noFill/>
-          <a:ln>
-            <a:noFill/>
-          </a:ln>
-        </p:spPr>
-      </p:pic>
-    </p:spTree>
-  </p:cSld>
-  <p:clrMapOvr>
-    <a:masterClrMapping/>
-  </p:clrMapOvr>
-</p:sld>
-</file>
-
-<file path=ppt/slides/slide7.xml><?xml version="1.0" encoding="utf-8"?>
-<p:sld xmlns:a="http://schemas.openxmlformats.org/drawingml/2006/main" xmlns:r="http://schemas.openxmlformats.org/officeDocument/2006/relationships" xmlns:mc="http://schemas.openxmlformats.org/markup-compatibility/2006" xmlns:mv="urn:schemas-microsoft-com:mac:vml" xmlns:p="http://schemas.openxmlformats.org/presentationml/2006/main" xmlns:c="http://schemas.openxmlformats.org/drawingml/2006/chart" xmlns:dgm="http://schemas.openxmlformats.org/drawingml/2006/diagram" xmlns:o="urn:schemas-microsoft-com:office:office" xmlns:v="urn:schemas-microsoft-com:vml" xmlns:pvml="urn:schemas-microsoft-com:office:powerpoint" xmlns:com="http://schemas.openxmlformats.org/drawingml/2006/compatibility" xmlns:p14="http://schemas.microsoft.com/office/powerpoint/2010/main" xmlns:p15="http://schemas.microsoft.com/office/powerpoint/2012/main" xmlns:ahyp="http://schemas.microsoft.com/office/drawing/2018/hyperlinkcolor">
-  <p:cSld>
-    <p:spTree>
-      <p:nvGrpSpPr>
-        <p:cNvPr id="144" name="Shape 144"/>
-        <p:cNvGrpSpPr/>
-        <p:nvPr/>
-      </p:nvGrpSpPr>
-      <p:grpSpPr>
-        <a:xfrm>
-          <a:off x="0" y="0"/>
-          <a:ext cx="0" cy="0"/>
-          <a:chOff x="0" y="0"/>
-          <a:chExt cx="0" cy="0"/>
-        </a:xfrm>
-      </p:grpSpPr>
-      <p:sp>
-        <p:nvSpPr>
-          <p:cNvPr id="145" name="Google Shape;145;p20"/>
-          <p:cNvSpPr txBox="1"/>
-          <p:nvPr>
-            <p:ph type="title"/>
-          </p:nvPr>
-        </p:nvSpPr>
-        <p:spPr>
-          <a:xfrm>
-            <a:off x="838175" y="0"/>
-            <a:ext cx="10515600" cy="1325700"/>
-          </a:xfrm>
-          <a:prstGeom prst="rect">
-            <a:avLst/>
-          </a:prstGeom>
-          <a:noFill/>
-          <a:ln>
-            <a:noFill/>
-          </a:ln>
-        </p:spPr>
-        <p:txBody>
-          <a:bodyPr anchorCtr="0" anchor="ctr" bIns="45700" lIns="91425" spcFirstLastPara="1" rIns="91425" wrap="square" tIns="45700">
-            <a:normAutofit/>
-          </a:bodyPr>
-          <a:lstStyle/>
-          <a:p>
-            <a:pPr indent="0" lvl="0" marL="0" rtl="0" algn="l">
-              <a:spcBef>
-                <a:spcPts val="0"/>
-              </a:spcBef>
-              <a:spcAft>
-                <a:spcPts val="0"/>
-              </a:spcAft>
-              <a:buClr>
-                <a:schemeClr val="dk1"/>
-              </a:buClr>
-              <a:buSzPts val="4400"/>
-              <a:buFont typeface="Times New Roman"/>
-              <a:buNone/>
-            </a:pPr>
-            <a:r>
-              <a:rPr lang="ru-RU">
-                <a:latin typeface="Times New Roman"/>
-                <a:ea typeface="Times New Roman"/>
-                <a:cs typeface="Times New Roman"/>
-                <a:sym typeface="Times New Roman"/>
-              </a:rPr>
-              <a:t>Управление памятью в </a:t>
-            </a:r>
-            <a:r>
-              <a:rPr lang="ru-RU">
-                <a:latin typeface="Times New Roman"/>
-                <a:ea typeface="Times New Roman"/>
-                <a:cs typeface="Times New Roman"/>
-                <a:sym typeface="Times New Roman"/>
-              </a:rPr>
-              <a:t>C#</a:t>
-            </a:r>
-            <a:endParaRPr>
-              <a:latin typeface="Times New Roman"/>
-              <a:ea typeface="Times New Roman"/>
-              <a:cs typeface="Times New Roman"/>
-              <a:sym typeface="Times New Roman"/>
-            </a:endParaRPr>
-          </a:p>
-        </p:txBody>
-      </p:sp>
-      <p:sp>
-        <p:nvSpPr>
-          <p:cNvPr id="146" name="Google Shape;146;p20"/>
-          <p:cNvSpPr txBox="1"/>
-          <p:nvPr/>
-        </p:nvSpPr>
-        <p:spPr>
-          <a:xfrm>
-            <a:off x="502925" y="1022300"/>
-            <a:ext cx="11186100" cy="5529600"/>
-          </a:xfrm>
-          <a:prstGeom prst="rect">
-            <a:avLst/>
-          </a:prstGeom>
-          <a:noFill/>
-          <a:ln>
-            <a:noFill/>
-          </a:ln>
-        </p:spPr>
-        <p:txBody>
-          <a:bodyPr anchorCtr="0" anchor="t" bIns="91425" lIns="91425" spcFirstLastPara="1" rIns="91425" wrap="square" tIns="91425">
-            <a:noAutofit/>
-          </a:bodyPr>
-          <a:lstStyle/>
-          <a:p>
-            <a:pPr indent="-387350" lvl="0" marL="457200" rtl="0" algn="l">
-              <a:lnSpc>
-                <a:spcPct val="90000"/>
-              </a:lnSpc>
-              <a:spcBef>
-                <a:spcPts val="1600"/>
-              </a:spcBef>
-              <a:spcAft>
-                <a:spcPts val="0"/>
-              </a:spcAft>
-              <a:buClr>
-                <a:schemeClr val="dk1"/>
-              </a:buClr>
-              <a:buSzPts val="2500"/>
-              <a:buFont typeface="Times New Roman"/>
-              <a:buChar char="-"/>
-            </a:pPr>
-            <a:r>
-              <a:rPr lang="ru-RU" sz="2500">
-                <a:solidFill>
-                  <a:schemeClr val="dk1"/>
-                </a:solidFill>
-                <a:latin typeface="Times New Roman"/>
-                <a:ea typeface="Times New Roman"/>
-                <a:cs typeface="Times New Roman"/>
-                <a:sym typeface="Times New Roman"/>
-              </a:rPr>
-              <a:t>Управление памятью на уровне среды</a:t>
-            </a:r>
-            <a:br>
-              <a:rPr lang="ru-RU" sz="2500">
-                <a:solidFill>
-                  <a:schemeClr val="dk1"/>
-                </a:solidFill>
-                <a:latin typeface="Times New Roman"/>
-                <a:ea typeface="Times New Roman"/>
-                <a:cs typeface="Times New Roman"/>
-                <a:sym typeface="Times New Roman"/>
-              </a:rPr>
-            </a:br>
-            <a:r>
-              <a:rPr lang="ru-RU" sz="2500">
-                <a:solidFill>
-                  <a:schemeClr val="dk1"/>
-                </a:solidFill>
-                <a:latin typeface="Times New Roman"/>
-                <a:ea typeface="Times New Roman"/>
-                <a:cs typeface="Times New Roman"/>
-                <a:sym typeface="Times New Roman"/>
-              </a:rPr>
-              <a:t>выполнения </a:t>
-            </a:r>
-            <a:r>
-              <a:rPr lang="ru-RU" sz="2500">
-                <a:solidFill>
-                  <a:schemeClr val="dk1"/>
-                </a:solidFill>
-                <a:latin typeface="Times New Roman"/>
-                <a:ea typeface="Times New Roman"/>
-                <a:cs typeface="Times New Roman"/>
-                <a:sym typeface="Times New Roman"/>
-              </a:rPr>
-              <a:t>–</a:t>
-            </a:r>
-            <a:r>
-              <a:rPr lang="ru-RU" sz="2500">
-                <a:solidFill>
-                  <a:schemeClr val="dk1"/>
-                </a:solidFill>
-                <a:latin typeface="Times New Roman"/>
-                <a:ea typeface="Times New Roman"/>
-                <a:cs typeface="Times New Roman"/>
-                <a:sym typeface="Times New Roman"/>
-              </a:rPr>
-              <a:t> платформы .NET.</a:t>
-            </a:r>
-            <a:endParaRPr sz="2500">
-              <a:solidFill>
-                <a:schemeClr val="dk1"/>
-              </a:solidFill>
-              <a:latin typeface="Times New Roman"/>
-              <a:ea typeface="Times New Roman"/>
-              <a:cs typeface="Times New Roman"/>
-              <a:sym typeface="Times New Roman"/>
-            </a:endParaRPr>
-          </a:p>
-          <a:p>
-            <a:pPr indent="-387350" lvl="0" marL="457200" rtl="0" algn="l">
-              <a:lnSpc>
-                <a:spcPct val="90000"/>
-              </a:lnSpc>
-              <a:spcBef>
-                <a:spcPts val="0"/>
-              </a:spcBef>
-              <a:spcAft>
-                <a:spcPts val="0"/>
-              </a:spcAft>
-              <a:buClr>
-                <a:schemeClr val="dk1"/>
-              </a:buClr>
-              <a:buSzPts val="2500"/>
-              <a:buFont typeface="Times New Roman"/>
-              <a:buChar char="-"/>
-            </a:pPr>
-            <a:r>
-              <a:rPr lang="ru-RU" sz="2500">
-                <a:solidFill>
-                  <a:schemeClr val="dk1"/>
-                </a:solidFill>
-                <a:latin typeface="Times New Roman"/>
-                <a:ea typeface="Times New Roman"/>
-                <a:cs typeface="Times New Roman"/>
-                <a:sym typeface="Times New Roman"/>
-              </a:rPr>
-              <a:t>Использование файла подкачки</a:t>
-            </a:r>
-            <a:br>
-              <a:rPr lang="ru-RU" sz="2500">
-                <a:solidFill>
-                  <a:schemeClr val="dk1"/>
-                </a:solidFill>
-                <a:latin typeface="Times New Roman"/>
-                <a:ea typeface="Times New Roman"/>
-                <a:cs typeface="Times New Roman"/>
-                <a:sym typeface="Times New Roman"/>
-              </a:rPr>
-            </a:br>
-            <a:r>
-              <a:rPr lang="ru-RU" sz="2500">
-                <a:solidFill>
-                  <a:schemeClr val="dk1"/>
-                </a:solidFill>
-                <a:latin typeface="Times New Roman"/>
-                <a:ea typeface="Times New Roman"/>
-                <a:cs typeface="Times New Roman"/>
-                <a:sym typeface="Times New Roman"/>
-              </a:rPr>
-              <a:t>при нехватке памяти.</a:t>
-            </a:r>
-            <a:endParaRPr sz="2500">
-              <a:solidFill>
-                <a:schemeClr val="dk1"/>
-              </a:solidFill>
-              <a:latin typeface="Times New Roman"/>
-              <a:ea typeface="Times New Roman"/>
-              <a:cs typeface="Times New Roman"/>
-              <a:sym typeface="Times New Roman"/>
-            </a:endParaRPr>
-          </a:p>
-          <a:p>
-            <a:pPr indent="-387350" lvl="0" marL="457200" rtl="0" algn="l">
-              <a:lnSpc>
-                <a:spcPct val="90000"/>
-              </a:lnSpc>
-              <a:spcBef>
-                <a:spcPts val="0"/>
-              </a:spcBef>
-              <a:spcAft>
-                <a:spcPts val="0"/>
-              </a:spcAft>
-              <a:buClr>
-                <a:schemeClr val="dk1"/>
-              </a:buClr>
-              <a:buSzPts val="2500"/>
-              <a:buFont typeface="Times New Roman"/>
-              <a:buChar char="-"/>
-            </a:pPr>
-            <a:r>
-              <a:rPr lang="ru-RU" sz="2500">
-                <a:solidFill>
-                  <a:schemeClr val="dk1"/>
-                </a:solidFill>
-                <a:latin typeface="Times New Roman"/>
-                <a:ea typeface="Times New Roman"/>
-                <a:cs typeface="Times New Roman"/>
-                <a:sym typeface="Times New Roman"/>
-              </a:rPr>
-              <a:t>Хранение объектов размером более 85000 байт </a:t>
-            </a:r>
-            <a:br>
-              <a:rPr lang="ru-RU" sz="2500">
-                <a:solidFill>
-                  <a:schemeClr val="dk1"/>
-                </a:solidFill>
-                <a:latin typeface="Times New Roman"/>
-                <a:ea typeface="Times New Roman"/>
-                <a:cs typeface="Times New Roman"/>
-                <a:sym typeface="Times New Roman"/>
-              </a:rPr>
-            </a:br>
-            <a:r>
-              <a:rPr lang="ru-RU" sz="2500">
-                <a:solidFill>
-                  <a:schemeClr val="dk1"/>
-                </a:solidFill>
-                <a:latin typeface="Times New Roman"/>
-                <a:ea typeface="Times New Roman"/>
-                <a:cs typeface="Times New Roman"/>
-                <a:sym typeface="Times New Roman"/>
-              </a:rPr>
-              <a:t>в отдельном разделе – LOH.</a:t>
-            </a:r>
-            <a:endParaRPr sz="2500">
-              <a:solidFill>
-                <a:schemeClr val="dk1"/>
-              </a:solidFill>
-              <a:latin typeface="Times New Roman"/>
-              <a:ea typeface="Times New Roman"/>
-              <a:cs typeface="Times New Roman"/>
-              <a:sym typeface="Times New Roman"/>
-            </a:endParaRPr>
-          </a:p>
-          <a:p>
-            <a:pPr indent="-387350" lvl="0" marL="457200" rtl="0" algn="l">
-              <a:lnSpc>
-                <a:spcPct val="90000"/>
-              </a:lnSpc>
-              <a:spcBef>
-                <a:spcPts val="0"/>
-              </a:spcBef>
-              <a:spcAft>
-                <a:spcPts val="0"/>
-              </a:spcAft>
-              <a:buClr>
-                <a:schemeClr val="dk1"/>
-              </a:buClr>
-              <a:buSzPts val="2500"/>
-              <a:buFont typeface="Times New Roman"/>
-              <a:buChar char="-"/>
-            </a:pPr>
-            <a:r>
-              <a:rPr lang="ru-RU" sz="2500">
-                <a:solidFill>
-                  <a:schemeClr val="dk1"/>
-                </a:solidFill>
-                <a:latin typeface="Times New Roman"/>
-                <a:ea typeface="Times New Roman"/>
-                <a:cs typeface="Times New Roman"/>
-                <a:sym typeface="Times New Roman"/>
-              </a:rPr>
-              <a:t>Сборка мусора по алгоритму mark-compact.</a:t>
-            </a:r>
-            <a:endParaRPr sz="2500">
-              <a:solidFill>
-                <a:schemeClr val="dk1"/>
-              </a:solidFill>
-              <a:latin typeface="Times New Roman"/>
-              <a:ea typeface="Times New Roman"/>
-              <a:cs typeface="Times New Roman"/>
-              <a:sym typeface="Times New Roman"/>
-            </a:endParaRPr>
-          </a:p>
-          <a:p>
-            <a:pPr indent="-387350" lvl="0" marL="457200" rtl="0" algn="l">
-              <a:lnSpc>
-                <a:spcPct val="90000"/>
-              </a:lnSpc>
-              <a:spcBef>
-                <a:spcPts val="0"/>
-              </a:spcBef>
-              <a:spcAft>
-                <a:spcPts val="0"/>
-              </a:spcAft>
-              <a:buClr>
-                <a:schemeClr val="dk1"/>
-              </a:buClr>
-              <a:buSzPts val="2500"/>
-              <a:buFont typeface="Times New Roman"/>
-              <a:buChar char="-"/>
-            </a:pPr>
-            <a:r>
-              <a:rPr lang="ru-RU" sz="2500">
-                <a:solidFill>
-                  <a:schemeClr val="dk1"/>
-                </a:solidFill>
-                <a:latin typeface="Times New Roman"/>
-                <a:ea typeface="Times New Roman"/>
-                <a:cs typeface="Times New Roman"/>
-                <a:sym typeface="Times New Roman"/>
-              </a:rPr>
-              <a:t>Использование алгоритма поколений.</a:t>
-            </a:r>
-            <a:endParaRPr sz="2500">
-              <a:solidFill>
-                <a:schemeClr val="dk1"/>
-              </a:solidFill>
-              <a:latin typeface="Times New Roman"/>
-              <a:ea typeface="Times New Roman"/>
-              <a:cs typeface="Times New Roman"/>
-              <a:sym typeface="Times New Roman"/>
-            </a:endParaRPr>
-          </a:p>
-          <a:p>
-            <a:pPr indent="-387350" lvl="0" marL="457200" rtl="0" algn="l">
-              <a:lnSpc>
-                <a:spcPct val="90000"/>
-              </a:lnSpc>
-              <a:spcBef>
-                <a:spcPts val="0"/>
-              </a:spcBef>
-              <a:spcAft>
-                <a:spcPts val="0"/>
-              </a:spcAft>
-              <a:buClr>
-                <a:schemeClr val="dk1"/>
-              </a:buClr>
-              <a:buSzPts val="2500"/>
-              <a:buFont typeface="Times New Roman"/>
-              <a:buChar char="-"/>
-            </a:pPr>
-            <a:r>
-              <a:rPr lang="ru-RU" sz="2500">
-                <a:solidFill>
-                  <a:schemeClr val="dk1"/>
-                </a:solidFill>
-                <a:latin typeface="Times New Roman"/>
-                <a:ea typeface="Times New Roman"/>
-                <a:cs typeface="Times New Roman"/>
-                <a:sym typeface="Times New Roman"/>
-              </a:rPr>
-              <a:t>Предоставление возможности выбора </a:t>
-            </a:r>
-            <a:br>
-              <a:rPr lang="ru-RU" sz="2500">
-                <a:solidFill>
-                  <a:schemeClr val="dk1"/>
-                </a:solidFill>
-                <a:latin typeface="Times New Roman"/>
-                <a:ea typeface="Times New Roman"/>
-                <a:cs typeface="Times New Roman"/>
-                <a:sym typeface="Times New Roman"/>
-              </a:rPr>
-            </a:br>
-            <a:r>
-              <a:rPr lang="ru-RU" sz="2500">
-                <a:solidFill>
-                  <a:schemeClr val="dk1"/>
-                </a:solidFill>
-                <a:latin typeface="Times New Roman"/>
-                <a:ea typeface="Times New Roman"/>
-                <a:cs typeface="Times New Roman"/>
-                <a:sym typeface="Times New Roman"/>
-              </a:rPr>
-              <a:t>режима сборки мусора:</a:t>
-            </a:r>
-            <a:endParaRPr sz="2500">
-              <a:solidFill>
-                <a:schemeClr val="dk1"/>
-              </a:solidFill>
-              <a:latin typeface="Times New Roman"/>
-              <a:ea typeface="Times New Roman"/>
-              <a:cs typeface="Times New Roman"/>
-              <a:sym typeface="Times New Roman"/>
-            </a:endParaRPr>
-          </a:p>
-          <a:p>
-            <a:pPr indent="-387350" lvl="1" marL="914400" rtl="0" algn="l">
-              <a:lnSpc>
-                <a:spcPct val="90000"/>
-              </a:lnSpc>
-              <a:spcBef>
-                <a:spcPts val="0"/>
-              </a:spcBef>
-              <a:spcAft>
-                <a:spcPts val="0"/>
-              </a:spcAft>
-              <a:buClr>
-                <a:schemeClr val="dk1"/>
-              </a:buClr>
-              <a:buSzPts val="2500"/>
-              <a:buFont typeface="Times New Roman"/>
-              <a:buChar char="-"/>
-            </a:pPr>
-            <a:r>
-              <a:rPr lang="ru-RU" sz="2500">
-                <a:solidFill>
-                  <a:schemeClr val="dk1"/>
-                </a:solidFill>
-                <a:latin typeface="Times New Roman"/>
-                <a:ea typeface="Times New Roman"/>
-                <a:cs typeface="Times New Roman"/>
-                <a:sym typeface="Times New Roman"/>
-              </a:rPr>
-              <a:t>сборка мусора рабочей станции;</a:t>
-            </a:r>
-            <a:endParaRPr sz="2500">
-              <a:solidFill>
-                <a:schemeClr val="dk1"/>
-              </a:solidFill>
-              <a:latin typeface="Times New Roman"/>
-              <a:ea typeface="Times New Roman"/>
-              <a:cs typeface="Times New Roman"/>
-              <a:sym typeface="Times New Roman"/>
-            </a:endParaRPr>
-          </a:p>
-          <a:p>
-            <a:pPr indent="-387350" lvl="1" marL="914400" rtl="0" algn="l">
-              <a:lnSpc>
-                <a:spcPct val="90000"/>
-              </a:lnSpc>
-              <a:spcBef>
-                <a:spcPts val="0"/>
-              </a:spcBef>
-              <a:spcAft>
-                <a:spcPts val="0"/>
-              </a:spcAft>
-              <a:buClr>
-                <a:schemeClr val="dk1"/>
-              </a:buClr>
-              <a:buSzPts val="2500"/>
-              <a:buFont typeface="Times New Roman"/>
-              <a:buChar char="-"/>
-            </a:pPr>
-            <a:r>
-              <a:rPr lang="ru-RU" sz="2500">
-                <a:solidFill>
-                  <a:schemeClr val="dk1"/>
-                </a:solidFill>
-                <a:latin typeface="Times New Roman"/>
-                <a:ea typeface="Times New Roman"/>
-                <a:cs typeface="Times New Roman"/>
-                <a:sym typeface="Times New Roman"/>
-              </a:rPr>
-              <a:t>серверная сборка мусора.</a:t>
-            </a:r>
-            <a:endParaRPr sz="2500">
-              <a:solidFill>
-                <a:schemeClr val="dk1"/>
-              </a:solidFill>
-              <a:latin typeface="Times New Roman"/>
-              <a:ea typeface="Times New Roman"/>
-              <a:cs typeface="Times New Roman"/>
-              <a:sym typeface="Times New Roman"/>
-            </a:endParaRPr>
-          </a:p>
-        </p:txBody>
-      </p:sp>
-      <p:sp>
-        <p:nvSpPr>
-          <p:cNvPr id="147" name="Google Shape;147;p20"/>
-          <p:cNvSpPr txBox="1"/>
-          <p:nvPr>
-            <p:ph idx="12" type="sldNum"/>
-          </p:nvPr>
-        </p:nvSpPr>
-        <p:spPr>
-          <a:xfrm>
-            <a:off x="8610600" y="6356350"/>
-            <a:ext cx="2743200" cy="365100"/>
-          </a:xfrm>
-          <a:prstGeom prst="rect">
-            <a:avLst/>
-          </a:prstGeom>
-        </p:spPr>
-        <p:txBody>
-          <a:bodyPr anchorCtr="0" anchor="ctr" bIns="45700" lIns="91425" spcFirstLastPara="1" rIns="91425" wrap="square" tIns="45700">
-            <a:noAutofit/>
-          </a:bodyPr>
-          <a:lstStyle/>
-          <a:p>
-            <a:pPr indent="0" lvl="0" marL="0" rtl="0" algn="r">
-              <a:spcBef>
-                <a:spcPts val="0"/>
-              </a:spcBef>
-              <a:spcAft>
-                <a:spcPts val="0"/>
-              </a:spcAft>
-              <a:buClr>
-                <a:srgbClr val="000000"/>
-              </a:buClr>
-              <a:buFont typeface="Arial"/>
-              <a:buNone/>
-            </a:pPr>
-            <a:fld id="{00000000-1234-1234-1234-123412341234}" type="slidenum">
-              <a:rPr lang="ru-RU"/>
-              <a:t>‹#›</a:t>
-            </a:fld>
-            <a:endParaRPr/>
-          </a:p>
-        </p:txBody>
-      </p:sp>
-      <p:sp>
-        <p:nvSpPr>
-          <p:cNvPr id="148" name="Google Shape;148;p20"/>
-          <p:cNvSpPr txBox="1"/>
-          <p:nvPr/>
-        </p:nvSpPr>
-        <p:spPr>
-          <a:xfrm>
-            <a:off x="7641100" y="5782750"/>
-            <a:ext cx="4144500" cy="938700"/>
-          </a:xfrm>
-          <a:prstGeom prst="rect">
-            <a:avLst/>
-          </a:prstGeom>
-          <a:noFill/>
-          <a:ln>
-            <a:noFill/>
-          </a:ln>
-        </p:spPr>
-        <p:txBody>
-          <a:bodyPr anchorCtr="0" anchor="t" bIns="91425" lIns="91425" spcFirstLastPara="1" rIns="91425" wrap="square" tIns="91425">
-            <a:noAutofit/>
-          </a:bodyPr>
-          <a:lstStyle/>
-          <a:p>
-            <a:pPr indent="0" lvl="0" marL="0" rtl="0" algn="ctr">
-              <a:spcBef>
-                <a:spcPts val="0"/>
-              </a:spcBef>
-              <a:spcAft>
-                <a:spcPts val="0"/>
-              </a:spcAft>
-              <a:buNone/>
-            </a:pPr>
-            <a:r>
-              <a:rPr lang="ru-RU" sz="2500">
-                <a:solidFill>
-                  <a:schemeClr val="dk1"/>
-                </a:solidFill>
-                <a:latin typeface="Calibri"/>
-                <a:ea typeface="Calibri"/>
-                <a:cs typeface="Calibri"/>
-                <a:sym typeface="Calibri"/>
-              </a:rPr>
-              <a:t>Основные шаги алгоритма mark-compact</a:t>
-            </a:r>
-            <a:endParaRPr sz="2500">
-              <a:solidFill>
-                <a:schemeClr val="dk1"/>
-              </a:solidFill>
-              <a:latin typeface="Calibri"/>
-              <a:ea typeface="Calibri"/>
-              <a:cs typeface="Calibri"/>
-              <a:sym typeface="Calibri"/>
-            </a:endParaRPr>
-          </a:p>
-        </p:txBody>
-      </p:sp>
-      <p:pic>
-        <p:nvPicPr>
-          <p:cNvPr id="149" name="Google Shape;149;p20"/>
-          <p:cNvPicPr preferRelativeResize="0"/>
-          <p:nvPr/>
-        </p:nvPicPr>
-        <p:blipFill>
-          <a:blip r:embed="rId3">
-            <a:alphaModFix/>
-          </a:blip>
-          <a:stretch>
-            <a:fillRect/>
-          </a:stretch>
-        </p:blipFill>
-        <p:spPr>
-          <a:xfrm>
-            <a:off x="8486700" y="893525"/>
-            <a:ext cx="2453300" cy="4889224"/>
-          </a:xfrm>
-          <a:prstGeom prst="rect">
-            <a:avLst/>
-          </a:prstGeom>
-          <a:noFill/>
-          <a:ln>
-            <a:noFill/>
-          </a:ln>
-        </p:spPr>
-      </p:pic>
-    </p:spTree>
-  </p:cSld>
-  <p:clrMapOvr>
-    <a:masterClrMapping/>
-  </p:clrMapOvr>
-</p:sld>
-</file>
-
-<file path=ppt/slides/slide8.xml><?xml version="1.0" encoding="utf-8"?>
-<p:sld xmlns:a="http://schemas.openxmlformats.org/drawingml/2006/main" xmlns:r="http://schemas.openxmlformats.org/officeDocument/2006/relationships" xmlns:mc="http://schemas.openxmlformats.org/markup-compatibility/2006" xmlns:mv="urn:schemas-microsoft-com:mac:vml" xmlns:p="http://schemas.openxmlformats.org/presentationml/2006/main" xmlns:c="http://schemas.openxmlformats.org/drawingml/2006/chart" xmlns:dgm="http://schemas.openxmlformats.org/drawingml/2006/diagram" xmlns:o="urn:schemas-microsoft-com:office:office" xmlns:v="urn:schemas-microsoft-com:vml" xmlns:pvml="urn:schemas-microsoft-com:office:powerpoint" xmlns:com="http://schemas.openxmlformats.org/drawingml/2006/compatibility" xmlns:p14="http://schemas.microsoft.com/office/powerpoint/2010/main" xmlns:p15="http://schemas.microsoft.com/office/powerpoint/2012/main" xmlns:ahyp="http://schemas.microsoft.com/office/drawing/2018/hyperlinkcolor">
-  <p:cSld>
-    <p:spTree>
-      <p:nvGrpSpPr>
-        <p:cNvPr id="154" name="Shape 154"/>
-        <p:cNvGrpSpPr/>
-        <p:nvPr/>
-      </p:nvGrpSpPr>
-      <p:grpSpPr>
-        <a:xfrm>
-          <a:off x="0" y="0"/>
-          <a:ext cx="0" cy="0"/>
-          <a:chOff x="0" y="0"/>
-          <a:chExt cx="0" cy="0"/>
-        </a:xfrm>
-      </p:grpSpPr>
-      <p:sp>
-        <p:nvSpPr>
-          <p:cNvPr id="155" name="Google Shape;155;p21"/>
-          <p:cNvSpPr txBox="1"/>
-          <p:nvPr>
-            <p:ph type="title"/>
-          </p:nvPr>
-        </p:nvSpPr>
-        <p:spPr>
-          <a:xfrm>
-            <a:off x="838175" y="0"/>
-            <a:ext cx="10515600" cy="1325700"/>
-          </a:xfrm>
-          <a:prstGeom prst="rect">
-            <a:avLst/>
-          </a:prstGeom>
-          <a:noFill/>
-          <a:ln>
-            <a:noFill/>
-          </a:ln>
-        </p:spPr>
-        <p:txBody>
-          <a:bodyPr anchorCtr="0" anchor="ctr" bIns="45700" lIns="91425" spcFirstLastPara="1" rIns="91425" wrap="square" tIns="45700">
-            <a:normAutofit/>
-          </a:bodyPr>
-          <a:lstStyle/>
-          <a:p>
-            <a:pPr indent="0" lvl="0" marL="0" rtl="0" algn="l">
-              <a:spcBef>
-                <a:spcPts val="0"/>
-              </a:spcBef>
-              <a:spcAft>
-                <a:spcPts val="0"/>
-              </a:spcAft>
-              <a:buClr>
-                <a:schemeClr val="dk1"/>
-              </a:buClr>
-              <a:buSzPts val="4400"/>
-              <a:buFont typeface="Times New Roman"/>
-              <a:buNone/>
-            </a:pPr>
-            <a:r>
-              <a:rPr lang="ru-RU">
-                <a:latin typeface="Times New Roman"/>
-                <a:ea typeface="Times New Roman"/>
-                <a:cs typeface="Times New Roman"/>
-                <a:sym typeface="Times New Roman"/>
-              </a:rPr>
-              <a:t>Управление памятью в </a:t>
-            </a:r>
-            <a:r>
-              <a:rPr lang="ru-RU">
-                <a:latin typeface="Times New Roman"/>
-                <a:ea typeface="Times New Roman"/>
-                <a:cs typeface="Times New Roman"/>
-                <a:sym typeface="Times New Roman"/>
-              </a:rPr>
-              <a:t>Golang</a:t>
-            </a:r>
-            <a:endParaRPr>
-              <a:latin typeface="Times New Roman"/>
-              <a:ea typeface="Times New Roman"/>
-              <a:cs typeface="Times New Roman"/>
-              <a:sym typeface="Times New Roman"/>
-            </a:endParaRPr>
-          </a:p>
-        </p:txBody>
-      </p:sp>
-      <p:pic>
-        <p:nvPicPr>
-          <p:cNvPr id="156" name="Google Shape;156;p21"/>
-          <p:cNvPicPr preferRelativeResize="0"/>
-          <p:nvPr/>
-        </p:nvPicPr>
-        <p:blipFill>
-          <a:blip r:embed="rId3">
-            <a:alphaModFix/>
-          </a:blip>
-          <a:stretch>
-            <a:fillRect/>
-          </a:stretch>
-        </p:blipFill>
-        <p:spPr>
-          <a:xfrm>
-            <a:off x="6485450" y="1325700"/>
-            <a:ext cx="5706550" cy="4568975"/>
-          </a:xfrm>
-          <a:prstGeom prst="rect">
-            <a:avLst/>
-          </a:prstGeom>
-          <a:noFill/>
-          <a:ln>
-            <a:noFill/>
-          </a:ln>
-        </p:spPr>
-      </p:pic>
-      <p:sp>
-        <p:nvSpPr>
-          <p:cNvPr id="157" name="Google Shape;157;p21"/>
-          <p:cNvSpPr txBox="1"/>
-          <p:nvPr/>
-        </p:nvSpPr>
-        <p:spPr>
-          <a:xfrm>
-            <a:off x="502925" y="1022300"/>
-            <a:ext cx="6270900" cy="5603700"/>
-          </a:xfrm>
-          <a:prstGeom prst="rect">
-            <a:avLst/>
-          </a:prstGeom>
-          <a:noFill/>
-          <a:ln>
-            <a:noFill/>
-          </a:ln>
-        </p:spPr>
-        <p:txBody>
-          <a:bodyPr anchorCtr="0" anchor="t" bIns="91425" lIns="91425" spcFirstLastPara="1" rIns="91425" wrap="square" tIns="91425">
-            <a:noAutofit/>
-          </a:bodyPr>
-          <a:lstStyle/>
-          <a:p>
-            <a:pPr indent="-387350" lvl="0" marL="457200" rtl="0" algn="l">
-              <a:lnSpc>
-                <a:spcPct val="90000"/>
-              </a:lnSpc>
-              <a:spcBef>
-                <a:spcPts val="1600"/>
-              </a:spcBef>
-              <a:spcAft>
-                <a:spcPts val="0"/>
-              </a:spcAft>
-              <a:buClr>
-                <a:schemeClr val="dk1"/>
-              </a:buClr>
-              <a:buSzPts val="2500"/>
-              <a:buFont typeface="Times New Roman"/>
-              <a:buChar char="-"/>
-            </a:pPr>
-            <a:r>
-              <a:rPr lang="ru-RU" sz="2500">
-                <a:solidFill>
-                  <a:schemeClr val="dk1"/>
-                </a:solidFill>
-                <a:latin typeface="Times New Roman"/>
-                <a:ea typeface="Times New Roman"/>
-                <a:cs typeface="Times New Roman"/>
-                <a:sym typeface="Times New Roman"/>
-              </a:rPr>
-              <a:t>Среда выполнения встроена</a:t>
-            </a:r>
-            <a:br>
-              <a:rPr lang="ru-RU" sz="2500">
-                <a:solidFill>
-                  <a:schemeClr val="dk1"/>
-                </a:solidFill>
-                <a:latin typeface="Times New Roman"/>
-                <a:ea typeface="Times New Roman"/>
-                <a:cs typeface="Times New Roman"/>
-                <a:sym typeface="Times New Roman"/>
-              </a:rPr>
-            </a:br>
-            <a:r>
-              <a:rPr lang="ru-RU" sz="2500">
-                <a:solidFill>
-                  <a:schemeClr val="dk1"/>
-                </a:solidFill>
-                <a:latin typeface="Times New Roman"/>
-                <a:ea typeface="Times New Roman"/>
-                <a:cs typeface="Times New Roman"/>
-                <a:sym typeface="Times New Roman"/>
-              </a:rPr>
-              <a:t>в исполняемый файл.</a:t>
-            </a:r>
-            <a:endParaRPr sz="2500">
-              <a:solidFill>
-                <a:schemeClr val="dk1"/>
-              </a:solidFill>
-              <a:latin typeface="Times New Roman"/>
-              <a:ea typeface="Times New Roman"/>
-              <a:cs typeface="Times New Roman"/>
-              <a:sym typeface="Times New Roman"/>
-            </a:endParaRPr>
-          </a:p>
-          <a:p>
-            <a:pPr indent="-387350" lvl="0" marL="457200" rtl="0" algn="l">
-              <a:lnSpc>
-                <a:spcPct val="90000"/>
-              </a:lnSpc>
-              <a:spcBef>
-                <a:spcPts val="0"/>
-              </a:spcBef>
-              <a:spcAft>
-                <a:spcPts val="0"/>
-              </a:spcAft>
-              <a:buClr>
-                <a:schemeClr val="dk1"/>
-              </a:buClr>
-              <a:buSzPts val="2500"/>
-              <a:buFont typeface="Times New Roman"/>
-              <a:buChar char="-"/>
-            </a:pPr>
-            <a:r>
-              <a:rPr lang="ru-RU" sz="2500">
-                <a:solidFill>
-                  <a:schemeClr val="dk1"/>
-                </a:solidFill>
-                <a:latin typeface="Times New Roman"/>
-                <a:ea typeface="Times New Roman"/>
-                <a:cs typeface="Times New Roman"/>
-                <a:sym typeface="Times New Roman"/>
-              </a:rPr>
-              <a:t>Использование классов размеров</a:t>
-            </a:r>
-            <a:br>
-              <a:rPr lang="ru-RU" sz="2500">
-                <a:solidFill>
-                  <a:schemeClr val="dk1"/>
-                </a:solidFill>
-                <a:latin typeface="Times New Roman"/>
-                <a:ea typeface="Times New Roman"/>
-                <a:cs typeface="Times New Roman"/>
-                <a:sym typeface="Times New Roman"/>
-              </a:rPr>
-            </a:br>
-            <a:r>
-              <a:rPr lang="ru-RU" sz="2500">
-                <a:solidFill>
-                  <a:schemeClr val="dk1"/>
-                </a:solidFill>
-                <a:latin typeface="Times New Roman"/>
-                <a:ea typeface="Times New Roman"/>
-                <a:cs typeface="Times New Roman"/>
-                <a:sym typeface="Times New Roman"/>
-              </a:rPr>
-              <a:t>для выделения памяти.</a:t>
-            </a:r>
-            <a:endParaRPr sz="2500">
-              <a:solidFill>
-                <a:schemeClr val="dk1"/>
-              </a:solidFill>
-              <a:latin typeface="Times New Roman"/>
-              <a:ea typeface="Times New Roman"/>
-              <a:cs typeface="Times New Roman"/>
-              <a:sym typeface="Times New Roman"/>
-            </a:endParaRPr>
-          </a:p>
-          <a:p>
-            <a:pPr indent="-387350" lvl="0" marL="457200" rtl="0" algn="l">
-              <a:lnSpc>
-                <a:spcPct val="90000"/>
-              </a:lnSpc>
-              <a:spcBef>
-                <a:spcPts val="0"/>
-              </a:spcBef>
-              <a:spcAft>
-                <a:spcPts val="0"/>
-              </a:spcAft>
-              <a:buClr>
-                <a:schemeClr val="dk1"/>
-              </a:buClr>
-              <a:buSzPts val="2500"/>
-              <a:buFont typeface="Times New Roman"/>
-              <a:buChar char="-"/>
-            </a:pPr>
-            <a:r>
-              <a:rPr lang="ru-RU" sz="2500">
-                <a:solidFill>
-                  <a:schemeClr val="dk1"/>
-                </a:solidFill>
-                <a:latin typeface="Times New Roman"/>
-                <a:ea typeface="Times New Roman"/>
-                <a:cs typeface="Times New Roman"/>
-                <a:sym typeface="Times New Roman"/>
-              </a:rPr>
-              <a:t>Сборка мусора по алгоритму</a:t>
-            </a:r>
-            <a:br>
-              <a:rPr lang="ru-RU" sz="2500">
-                <a:solidFill>
-                  <a:schemeClr val="dk1"/>
-                </a:solidFill>
-                <a:latin typeface="Times New Roman"/>
-                <a:ea typeface="Times New Roman"/>
-                <a:cs typeface="Times New Roman"/>
-                <a:sym typeface="Times New Roman"/>
-              </a:rPr>
-            </a:br>
-            <a:r>
-              <a:rPr lang="ru-RU" sz="2500">
-                <a:solidFill>
-                  <a:schemeClr val="dk1"/>
-                </a:solidFill>
-                <a:latin typeface="Times New Roman"/>
-                <a:ea typeface="Times New Roman"/>
-                <a:cs typeface="Times New Roman"/>
-                <a:sym typeface="Times New Roman"/>
-              </a:rPr>
-              <a:t>concurrent mark-sweep.</a:t>
-            </a:r>
-            <a:endParaRPr sz="2500">
-              <a:solidFill>
-                <a:schemeClr val="dk1"/>
-              </a:solidFill>
-              <a:latin typeface="Times New Roman"/>
-              <a:ea typeface="Times New Roman"/>
-              <a:cs typeface="Times New Roman"/>
-              <a:sym typeface="Times New Roman"/>
-            </a:endParaRPr>
-          </a:p>
-          <a:p>
-            <a:pPr indent="-387350" lvl="0" marL="457200" rtl="0" algn="l">
-              <a:lnSpc>
-                <a:spcPct val="90000"/>
-              </a:lnSpc>
-              <a:spcBef>
-                <a:spcPts val="0"/>
-              </a:spcBef>
-              <a:spcAft>
-                <a:spcPts val="0"/>
-              </a:spcAft>
-              <a:buClr>
-                <a:schemeClr val="dk1"/>
-              </a:buClr>
-              <a:buSzPts val="2500"/>
-              <a:buFont typeface="Times New Roman"/>
-              <a:buChar char="-"/>
-            </a:pPr>
-            <a:r>
-              <a:rPr lang="ru-RU" sz="2500">
-                <a:solidFill>
-                  <a:schemeClr val="dk1"/>
-                </a:solidFill>
-                <a:latin typeface="Times New Roman"/>
-                <a:ea typeface="Times New Roman"/>
-                <a:cs typeface="Times New Roman"/>
-                <a:sym typeface="Times New Roman"/>
-              </a:rPr>
-              <a:t>Использование барьеров записи</a:t>
-            </a:r>
-            <a:br>
-              <a:rPr lang="ru-RU" sz="2500">
-                <a:solidFill>
-                  <a:schemeClr val="dk1"/>
-                </a:solidFill>
-                <a:latin typeface="Times New Roman"/>
-                <a:ea typeface="Times New Roman"/>
-                <a:cs typeface="Times New Roman"/>
-                <a:sym typeface="Times New Roman"/>
-              </a:rPr>
-            </a:br>
-            <a:r>
-              <a:rPr lang="ru-RU" sz="2500">
-                <a:solidFill>
-                  <a:schemeClr val="dk1"/>
-                </a:solidFill>
-                <a:latin typeface="Times New Roman"/>
-                <a:ea typeface="Times New Roman"/>
-                <a:cs typeface="Times New Roman"/>
-                <a:sym typeface="Times New Roman"/>
-              </a:rPr>
-              <a:t>для конкурентной сборки мусора.</a:t>
-            </a:r>
-            <a:endParaRPr sz="2500">
-              <a:solidFill>
-                <a:schemeClr val="dk1"/>
-              </a:solidFill>
-              <a:latin typeface="Times New Roman"/>
-              <a:ea typeface="Times New Roman"/>
-              <a:cs typeface="Times New Roman"/>
-              <a:sym typeface="Times New Roman"/>
-            </a:endParaRPr>
-          </a:p>
-          <a:p>
-            <a:pPr indent="-387350" lvl="0" marL="457200" rtl="0" algn="l">
-              <a:lnSpc>
-                <a:spcPct val="90000"/>
-              </a:lnSpc>
-              <a:spcBef>
-                <a:spcPts val="0"/>
-              </a:spcBef>
-              <a:spcAft>
-                <a:spcPts val="0"/>
-              </a:spcAft>
-              <a:buClr>
-                <a:schemeClr val="dk1"/>
-              </a:buClr>
-              <a:buSzPts val="2500"/>
-              <a:buFont typeface="Times New Roman"/>
-              <a:buChar char="-"/>
-            </a:pPr>
-            <a:r>
-              <a:rPr lang="ru-RU" sz="2500">
-                <a:solidFill>
-                  <a:schemeClr val="dk1"/>
-                </a:solidFill>
-                <a:latin typeface="Times New Roman"/>
-                <a:ea typeface="Times New Roman"/>
-                <a:cs typeface="Times New Roman"/>
-                <a:sym typeface="Times New Roman"/>
-              </a:rPr>
-              <a:t>Предоставление возможности настройки</a:t>
-            </a:r>
-            <a:br>
-              <a:rPr lang="ru-RU" sz="2500">
-                <a:solidFill>
-                  <a:schemeClr val="dk1"/>
-                </a:solidFill>
-                <a:latin typeface="Times New Roman"/>
-                <a:ea typeface="Times New Roman"/>
-                <a:cs typeface="Times New Roman"/>
-                <a:sym typeface="Times New Roman"/>
-              </a:rPr>
-            </a:br>
-            <a:r>
-              <a:rPr lang="ru-RU" sz="2500">
-                <a:solidFill>
-                  <a:schemeClr val="dk1"/>
-                </a:solidFill>
-                <a:latin typeface="Times New Roman"/>
-                <a:ea typeface="Times New Roman"/>
-                <a:cs typeface="Times New Roman"/>
-                <a:sym typeface="Times New Roman"/>
-              </a:rPr>
-              <a:t>периодичности сборки мусора и</a:t>
-            </a:r>
-            <a:br>
-              <a:rPr lang="ru-RU" sz="2500">
-                <a:solidFill>
-                  <a:schemeClr val="dk1"/>
-                </a:solidFill>
-                <a:latin typeface="Times New Roman"/>
-                <a:ea typeface="Times New Roman"/>
-                <a:cs typeface="Times New Roman"/>
-                <a:sym typeface="Times New Roman"/>
-              </a:rPr>
-            </a:br>
-            <a:r>
-              <a:rPr lang="ru-RU" sz="2500">
-                <a:solidFill>
-                  <a:schemeClr val="dk1"/>
-                </a:solidFill>
-                <a:latin typeface="Times New Roman"/>
-                <a:ea typeface="Times New Roman"/>
-                <a:cs typeface="Times New Roman"/>
-                <a:sym typeface="Times New Roman"/>
-              </a:rPr>
-              <a:t>ограничения доступной памяти.</a:t>
-            </a:r>
-            <a:endParaRPr sz="2500">
-              <a:solidFill>
-                <a:schemeClr val="dk1"/>
-              </a:solidFill>
-              <a:latin typeface="Times New Roman"/>
-              <a:ea typeface="Times New Roman"/>
-              <a:cs typeface="Times New Roman"/>
-              <a:sym typeface="Times New Roman"/>
-            </a:endParaRPr>
-          </a:p>
-          <a:p>
-            <a:pPr indent="-387350" lvl="0" marL="457200" rtl="0" algn="l">
-              <a:lnSpc>
-                <a:spcPct val="90000"/>
-              </a:lnSpc>
-              <a:spcBef>
-                <a:spcPts val="0"/>
-              </a:spcBef>
-              <a:spcAft>
-                <a:spcPts val="0"/>
-              </a:spcAft>
-              <a:buClr>
-                <a:schemeClr val="dk1"/>
-              </a:buClr>
-              <a:buSzPts val="2500"/>
-              <a:buFont typeface="Times New Roman"/>
-              <a:buChar char="-"/>
-            </a:pPr>
-            <a:r>
-              <a:rPr lang="ru-RU" sz="2500">
-                <a:solidFill>
-                  <a:schemeClr val="dk1"/>
-                </a:solidFill>
-                <a:latin typeface="Times New Roman"/>
-                <a:ea typeface="Times New Roman"/>
-                <a:cs typeface="Times New Roman"/>
-                <a:sym typeface="Times New Roman"/>
-              </a:rPr>
-              <a:t>Предоставление арен памяти</a:t>
-            </a:r>
-            <a:br>
-              <a:rPr lang="ru-RU" sz="2500">
-                <a:solidFill>
-                  <a:schemeClr val="dk1"/>
-                </a:solidFill>
-                <a:latin typeface="Times New Roman"/>
-                <a:ea typeface="Times New Roman"/>
-                <a:cs typeface="Times New Roman"/>
-                <a:sym typeface="Times New Roman"/>
-              </a:rPr>
-            </a:br>
-            <a:r>
-              <a:rPr lang="ru-RU" sz="2500">
-                <a:solidFill>
-                  <a:schemeClr val="dk1"/>
-                </a:solidFill>
-                <a:latin typeface="Times New Roman"/>
-                <a:ea typeface="Times New Roman"/>
-                <a:cs typeface="Times New Roman"/>
-                <a:sym typeface="Times New Roman"/>
-              </a:rPr>
-              <a:t>для реализации пользовательских</a:t>
-            </a:r>
-            <a:br>
-              <a:rPr lang="ru-RU" sz="2500">
-                <a:solidFill>
-                  <a:schemeClr val="dk1"/>
-                </a:solidFill>
-                <a:latin typeface="Times New Roman"/>
-                <a:ea typeface="Times New Roman"/>
-                <a:cs typeface="Times New Roman"/>
-                <a:sym typeface="Times New Roman"/>
-              </a:rPr>
-            </a:br>
-            <a:r>
-              <a:rPr lang="ru-RU" sz="2500">
-                <a:solidFill>
-                  <a:schemeClr val="dk1"/>
-                </a:solidFill>
-                <a:latin typeface="Times New Roman"/>
-                <a:ea typeface="Times New Roman"/>
-                <a:cs typeface="Times New Roman"/>
-                <a:sym typeface="Times New Roman"/>
-              </a:rPr>
-              <a:t>аллокаторов.</a:t>
-            </a:r>
-            <a:endParaRPr sz="2500">
-              <a:solidFill>
-                <a:schemeClr val="dk1"/>
-              </a:solidFill>
-              <a:latin typeface="Times New Roman"/>
-              <a:ea typeface="Times New Roman"/>
-              <a:cs typeface="Times New Roman"/>
-              <a:sym typeface="Times New Roman"/>
-            </a:endParaRPr>
-          </a:p>
-        </p:txBody>
-      </p:sp>
-      <p:sp>
-        <p:nvSpPr>
-          <p:cNvPr id="158" name="Google Shape;158;p21"/>
-          <p:cNvSpPr txBox="1"/>
-          <p:nvPr>
-            <p:ph idx="12" type="sldNum"/>
-          </p:nvPr>
-        </p:nvSpPr>
-        <p:spPr>
-          <a:xfrm>
-            <a:off x="8610600" y="6356350"/>
-            <a:ext cx="2743200" cy="365100"/>
-          </a:xfrm>
-          <a:prstGeom prst="rect">
-            <a:avLst/>
-          </a:prstGeom>
-        </p:spPr>
-        <p:txBody>
-          <a:bodyPr anchorCtr="0" anchor="ctr" bIns="45700" lIns="91425" spcFirstLastPara="1" rIns="91425" wrap="square" tIns="45700">
-            <a:noAutofit/>
-          </a:bodyPr>
-          <a:lstStyle/>
-          <a:p>
-            <a:pPr indent="0" lvl="0" marL="0" rtl="0" algn="r">
-              <a:spcBef>
-                <a:spcPts val="0"/>
-              </a:spcBef>
-              <a:spcAft>
-                <a:spcPts val="0"/>
-              </a:spcAft>
-              <a:buClr>
-                <a:srgbClr val="000000"/>
-              </a:buClr>
-              <a:buFont typeface="Arial"/>
-              <a:buNone/>
-            </a:pPr>
-            <a:fld id="{00000000-1234-1234-1234-123412341234}" type="slidenum">
-              <a:rPr lang="ru-RU"/>
-              <a:t>‹#›</a:t>
-            </a:fld>
-            <a:endParaRPr/>
-          </a:p>
-        </p:txBody>
-      </p:sp>
-      <p:sp>
-        <p:nvSpPr>
-          <p:cNvPr id="159" name="Google Shape;159;p21"/>
-          <p:cNvSpPr txBox="1"/>
-          <p:nvPr/>
-        </p:nvSpPr>
-        <p:spPr>
-          <a:xfrm>
-            <a:off x="7266475" y="5782750"/>
-            <a:ext cx="4144500" cy="938700"/>
-          </a:xfrm>
-          <a:prstGeom prst="rect">
-            <a:avLst/>
-          </a:prstGeom>
-          <a:noFill/>
-          <a:ln>
-            <a:noFill/>
-          </a:ln>
-        </p:spPr>
-        <p:txBody>
-          <a:bodyPr anchorCtr="0" anchor="t" bIns="91425" lIns="91425" spcFirstLastPara="1" rIns="91425" wrap="square" tIns="91425">
-            <a:noAutofit/>
-          </a:bodyPr>
-          <a:lstStyle/>
-          <a:p>
-            <a:pPr indent="0" lvl="0" marL="0" rtl="0" algn="ctr">
-              <a:spcBef>
-                <a:spcPts val="0"/>
-              </a:spcBef>
-              <a:spcAft>
-                <a:spcPts val="0"/>
-              </a:spcAft>
-              <a:buNone/>
-            </a:pPr>
-            <a:r>
-              <a:rPr lang="ru-RU" sz="2500">
-                <a:solidFill>
-                  <a:schemeClr val="dk1"/>
-                </a:solidFill>
-                <a:latin typeface="Calibri"/>
-                <a:ea typeface="Calibri"/>
-                <a:cs typeface="Calibri"/>
-                <a:sym typeface="Calibri"/>
-              </a:rPr>
-              <a:t>Структура кучи в программе на Golang</a:t>
-            </a:r>
-            <a:endParaRPr sz="2500">
-              <a:solidFill>
-                <a:schemeClr val="dk1"/>
-              </a:solidFill>
-              <a:latin typeface="Calibri"/>
-              <a:ea typeface="Calibri"/>
-              <a:cs typeface="Calibri"/>
-              <a:sym typeface="Calibri"/>
-            </a:endParaRPr>
-          </a:p>
-        </p:txBody>
-      </p:sp>
-    </p:spTree>
-  </p:cSld>
-  <p:clrMapOvr>
-    <a:masterClrMapping/>
-  </p:clrMapOvr>
-</p:sld>
-</file>
-
-<file path=ppt/slides/slide9.xml><?xml version="1.0" encoding="utf-8"?>
-<p:sld xmlns:a="http://schemas.openxmlformats.org/drawingml/2006/main" xmlns:r="http://schemas.openxmlformats.org/officeDocument/2006/relationships" xmlns:mc="http://schemas.openxmlformats.org/markup-compatibility/2006" xmlns:mv="urn:schemas-microsoft-com:mac:vml" xmlns:p="http://schemas.openxmlformats.org/presentationml/2006/main" xmlns:c="http://schemas.openxmlformats.org/drawingml/2006/chart" xmlns:dgm="http://schemas.openxmlformats.org/drawingml/2006/diagram" xmlns:o="urn:schemas-microsoft-com:office:office" xmlns:v="urn:schemas-microsoft-com:vml" xmlns:pvml="urn:schemas-microsoft-com:office:powerpoint" xmlns:com="http://schemas.openxmlformats.org/drawingml/2006/compatibility" xmlns:p14="http://schemas.microsoft.com/office/powerpoint/2010/main" xmlns:p15="http://schemas.microsoft.com/office/powerpoint/2012/main" xmlns:ahyp="http://schemas.microsoft.com/office/drawing/2018/hyperlinkcolor">
-  <p:cSld>
-    <p:spTree>
-      <p:nvGrpSpPr>
-        <p:cNvPr id="164" name="Shape 164"/>
-        <p:cNvGrpSpPr/>
-        <p:nvPr/>
-      </p:nvGrpSpPr>
-      <p:grpSpPr>
-        <a:xfrm>
-          <a:off x="0" y="0"/>
-          <a:ext cx="0" cy="0"/>
-          <a:chOff x="0" y="0"/>
-          <a:chExt cx="0" cy="0"/>
-        </a:xfrm>
-      </p:grpSpPr>
-      <p:sp>
-        <p:nvSpPr>
-          <p:cNvPr id="165" name="Google Shape;165;p22"/>
-          <p:cNvSpPr txBox="1"/>
-          <p:nvPr>
-            <p:ph type="title"/>
-          </p:nvPr>
-        </p:nvSpPr>
-        <p:spPr>
-          <a:xfrm>
-            <a:off x="838200" y="0"/>
-            <a:ext cx="10896300" cy="1325700"/>
-          </a:xfrm>
-          <a:prstGeom prst="rect">
-            <a:avLst/>
-          </a:prstGeom>
-          <a:noFill/>
-          <a:ln>
-            <a:noFill/>
-          </a:ln>
-        </p:spPr>
-        <p:txBody>
-          <a:bodyPr anchorCtr="0" anchor="ctr" bIns="45700" lIns="91425" spcFirstLastPara="1" rIns="91425" wrap="square" tIns="45700">
-            <a:normAutofit/>
-          </a:bodyPr>
-          <a:lstStyle/>
-          <a:p>
-            <a:pPr indent="0" lvl="0" marL="0" rtl="0" algn="l">
-              <a:lnSpc>
-                <a:spcPct val="90000"/>
-              </a:lnSpc>
-              <a:spcBef>
-                <a:spcPts val="0"/>
-              </a:spcBef>
-              <a:spcAft>
-                <a:spcPts val="0"/>
-              </a:spcAft>
-              <a:buClr>
-                <a:schemeClr val="dk1"/>
-              </a:buClr>
-              <a:buSzPts val="4400"/>
-              <a:buFont typeface="Times New Roman"/>
-              <a:buNone/>
-            </a:pPr>
-            <a:r>
-              <a:rPr lang="ru-RU">
-                <a:latin typeface="Times New Roman"/>
-                <a:ea typeface="Times New Roman"/>
-                <a:cs typeface="Times New Roman"/>
-                <a:sym typeface="Times New Roman"/>
-              </a:rPr>
-              <a:t>Классификация существующих решений (1)</a:t>
-            </a:r>
-            <a:endParaRPr>
-              <a:latin typeface="Times New Roman"/>
-              <a:ea typeface="Times New Roman"/>
-              <a:cs typeface="Times New Roman"/>
-              <a:sym typeface="Times New Roman"/>
-            </a:endParaRPr>
-          </a:p>
-        </p:txBody>
-      </p:sp>
-      <p:sp>
-        <p:nvSpPr>
-          <p:cNvPr id="166" name="Google Shape;166;p22"/>
-          <p:cNvSpPr txBox="1"/>
-          <p:nvPr>
-            <p:ph idx="12" type="sldNum"/>
-          </p:nvPr>
-        </p:nvSpPr>
-        <p:spPr>
-          <a:xfrm>
-            <a:off x="8610600" y="6356350"/>
-            <a:ext cx="2743200" cy="365100"/>
-          </a:xfrm>
-          <a:prstGeom prst="rect">
-            <a:avLst/>
-          </a:prstGeom>
-        </p:spPr>
-        <p:txBody>
-          <a:bodyPr anchorCtr="0" anchor="ctr" bIns="45700" lIns="91425" spcFirstLastPara="1" rIns="91425" wrap="square" tIns="45700">
-            <a:noAutofit/>
-          </a:bodyPr>
-          <a:lstStyle/>
-          <a:p>
-            <a:pPr indent="0" lvl="0" marL="0" rtl="0" algn="r">
-              <a:spcBef>
-                <a:spcPts val="0"/>
-              </a:spcBef>
-              <a:spcAft>
-                <a:spcPts val="0"/>
-              </a:spcAft>
-              <a:buClr>
-                <a:srgbClr val="000000"/>
-              </a:buClr>
-              <a:buFont typeface="Arial"/>
-              <a:buNone/>
-            </a:pPr>
-            <a:fld id="{00000000-1234-1234-1234-123412341234}" type="slidenum">
-              <a:rPr lang="ru-RU"/>
-              <a:t>‹#›</a:t>
-            </a:fld>
-            <a:endParaRPr/>
-          </a:p>
-        </p:txBody>
-      </p:sp>
-      <p:graphicFrame>
-        <p:nvGraphicFramePr>
-          <p:cNvPr id="167" name="Google Shape;167;p22"/>
-          <p:cNvGraphicFramePr/>
-          <p:nvPr/>
-        </p:nvGraphicFramePr>
-        <p:xfrm>
-          <a:off x="754075" y="1325700"/>
-          <a:ext cx="3000000" cy="3000000"/>
-        </p:xfrm>
-        <a:graphic>
-          <a:graphicData uri="http://schemas.openxmlformats.org/drawingml/2006/table">
-            <a:tbl>
-              <a:tblPr>
-                <a:noFill/>
-                <a:tableStyleId>{2ECAA241-40DA-4E9F-A99F-C4C5CD59DEBF}</a:tableStyleId>
-              </a:tblPr>
-              <a:tblGrid>
-                <a:gridCol w="2273975"/>
-                <a:gridCol w="1847450"/>
-                <a:gridCol w="1839650"/>
-                <a:gridCol w="2732375"/>
-                <a:gridCol w="1990400"/>
-              </a:tblGrid>
-              <a:tr h="255025">
-                <a:tc>
-                  <a:txBody>
-                    <a:bodyPr/>
-                    <a:lstStyle/>
-                    <a:p>
-                      <a:pPr indent="0" lvl="0" marL="0" rtl="0" algn="ctr">
-                        <a:spcBef>
-                          <a:spcPts val="0"/>
-                        </a:spcBef>
-                        <a:spcAft>
-                          <a:spcPts val="0"/>
-                        </a:spcAft>
-                        <a:buNone/>
-                      </a:pPr>
-                      <a:r>
-                        <a:rPr lang="ru-RU" sz="2000">
-                          <a:latin typeface="Times New Roman"/>
-                          <a:ea typeface="Times New Roman"/>
-                          <a:cs typeface="Times New Roman"/>
-                          <a:sym typeface="Times New Roman"/>
-                        </a:rPr>
-                        <a:t>Язык программирования</a:t>
-                      </a:r>
-                      <a:endParaRPr sz="2000">
-                        <a:latin typeface="Times New Roman"/>
-                        <a:ea typeface="Times New Roman"/>
-                        <a:cs typeface="Times New Roman"/>
-                        <a:sym typeface="Times New Roman"/>
-                      </a:endParaRPr>
-                    </a:p>
-                  </a:txBody>
-                  <a:tcPr marT="91425" marB="91425" marR="91425" marL="91425" anchor="ctr"/>
-                </a:tc>
-                <a:tc>
-                  <a:txBody>
-                    <a:bodyPr/>
-                    <a:lstStyle/>
-                    <a:p>
-                      <a:pPr indent="0" lvl="0" marL="0" rtl="0" algn="ctr">
-                        <a:spcBef>
-                          <a:spcPts val="0"/>
-                        </a:spcBef>
-                        <a:spcAft>
-                          <a:spcPts val="0"/>
-                        </a:spcAft>
-                        <a:buNone/>
-                      </a:pPr>
-                      <a:r>
-                        <a:rPr lang="ru-RU" sz="2000">
-                          <a:latin typeface="Times New Roman"/>
-                          <a:ea typeface="Times New Roman"/>
-                          <a:cs typeface="Times New Roman"/>
-                          <a:sym typeface="Times New Roman"/>
-                        </a:rPr>
-                        <a:t>Сборщик мусора</a:t>
-                      </a:r>
-                      <a:endParaRPr sz="2000">
-                        <a:latin typeface="Times New Roman"/>
-                        <a:ea typeface="Times New Roman"/>
-                        <a:cs typeface="Times New Roman"/>
-                        <a:sym typeface="Times New Roman"/>
-                      </a:endParaRPr>
-                    </a:p>
-                  </a:txBody>
-                  <a:tcPr marT="91425" marB="91425" marR="91425" marL="91425" anchor="ctr"/>
-                </a:tc>
-                <a:tc>
-                  <a:txBody>
-                    <a:bodyPr/>
-                    <a:lstStyle/>
-                    <a:p>
-                      <a:pPr indent="0" lvl="0" marL="0" rtl="0" algn="ctr">
-                        <a:spcBef>
-                          <a:spcPts val="0"/>
-                        </a:spcBef>
-                        <a:spcAft>
-                          <a:spcPts val="0"/>
-                        </a:spcAft>
-                        <a:buNone/>
-                      </a:pPr>
-                      <a:r>
-                        <a:rPr lang="ru-RU" sz="2000">
-                          <a:latin typeface="Times New Roman"/>
-                          <a:ea typeface="Times New Roman"/>
-                          <a:cs typeface="Times New Roman"/>
-                          <a:sym typeface="Times New Roman"/>
-                        </a:rPr>
-                        <a:t>Использование поколений</a:t>
-                      </a:r>
-                      <a:endParaRPr sz="2000">
-                        <a:latin typeface="Times New Roman"/>
-                        <a:ea typeface="Times New Roman"/>
-                        <a:cs typeface="Times New Roman"/>
-                        <a:sym typeface="Times New Roman"/>
-                      </a:endParaRPr>
-                    </a:p>
-                  </a:txBody>
-                  <a:tcPr marT="91425" marB="91425" marR="91425" marL="91425" anchor="ctr"/>
-                </a:tc>
-                <a:tc>
-                  <a:txBody>
-                    <a:bodyPr/>
-                    <a:lstStyle/>
-                    <a:p>
-                      <a:pPr indent="0" lvl="0" marL="0" rtl="0" algn="ctr">
-                        <a:spcBef>
-                          <a:spcPts val="0"/>
-                        </a:spcBef>
-                        <a:spcAft>
-                          <a:spcPts val="0"/>
-                        </a:spcAft>
-                        <a:buNone/>
-                      </a:pPr>
-                      <a:r>
-                        <a:rPr lang="ru-RU" sz="2000">
-                          <a:latin typeface="Times New Roman"/>
-                          <a:ea typeface="Times New Roman"/>
-                          <a:cs typeface="Times New Roman"/>
-                          <a:sym typeface="Times New Roman"/>
-                        </a:rPr>
-                        <a:t>Отсутствие хранения доп. данных в объектах</a:t>
-                      </a:r>
-                      <a:endParaRPr sz="2000">
-                        <a:latin typeface="Times New Roman"/>
-                        <a:ea typeface="Times New Roman"/>
-                        <a:cs typeface="Times New Roman"/>
-                        <a:sym typeface="Times New Roman"/>
-                      </a:endParaRPr>
-                    </a:p>
-                  </a:txBody>
-                  <a:tcPr marT="91425" marB="91425" marR="91425" marL="91425" anchor="ctr"/>
-                </a:tc>
-                <a:tc>
-                  <a:txBody>
-                    <a:bodyPr/>
-                    <a:lstStyle/>
-                    <a:p>
-                      <a:pPr indent="0" lvl="0" marL="0" rtl="0" algn="ctr">
-                        <a:spcBef>
-                          <a:spcPts val="0"/>
-                        </a:spcBef>
-                        <a:spcAft>
-                          <a:spcPts val="0"/>
-                        </a:spcAft>
-                        <a:buNone/>
-                      </a:pPr>
-                      <a:r>
-                        <a:rPr lang="ru-RU" sz="2000">
-                          <a:latin typeface="Times New Roman"/>
-                          <a:ea typeface="Times New Roman"/>
-                          <a:cs typeface="Times New Roman"/>
-                          <a:sym typeface="Times New Roman"/>
-                        </a:rPr>
-                        <a:t>Конкурентная сборка мусора</a:t>
-                      </a:r>
-                      <a:endParaRPr sz="2000">
-                        <a:latin typeface="Times New Roman"/>
-                        <a:ea typeface="Times New Roman"/>
-                        <a:cs typeface="Times New Roman"/>
-                        <a:sym typeface="Times New Roman"/>
-                      </a:endParaRPr>
-                    </a:p>
-                  </a:txBody>
-                  <a:tcPr marT="91425" marB="91425" marR="91425" marL="91425" anchor="ctr"/>
-                </a:tc>
-              </a:tr>
-              <a:tr h="128550">
-                <a:tc>
-                  <a:txBody>
-                    <a:bodyPr/>
-                    <a:lstStyle/>
-                    <a:p>
-                      <a:pPr indent="0" lvl="0" marL="0" rtl="0" algn="ctr">
-                        <a:spcBef>
-                          <a:spcPts val="0"/>
-                        </a:spcBef>
-                        <a:spcAft>
-                          <a:spcPts val="0"/>
-                        </a:spcAft>
-                        <a:buNone/>
-                      </a:pPr>
-                      <a:r>
-                        <a:rPr lang="ru-RU" sz="2000">
-                          <a:latin typeface="Times New Roman"/>
-                          <a:ea typeface="Times New Roman"/>
-                          <a:cs typeface="Times New Roman"/>
-                          <a:sym typeface="Times New Roman"/>
-                        </a:rPr>
-                        <a:t>Python</a:t>
-                      </a:r>
-                      <a:endParaRPr sz="2000">
-                        <a:latin typeface="Times New Roman"/>
-                        <a:ea typeface="Times New Roman"/>
-                        <a:cs typeface="Times New Roman"/>
-                        <a:sym typeface="Times New Roman"/>
-                      </a:endParaRPr>
-                    </a:p>
-                  </a:txBody>
-                  <a:tcPr marT="91425" marB="91425" marR="91425" marL="91425" anchor="ctr"/>
-                </a:tc>
-                <a:tc>
-                  <a:txBody>
-                    <a:bodyPr/>
-                    <a:lstStyle/>
-                    <a:p>
-                      <a:pPr indent="0" lvl="0" marL="0" rtl="0" algn="ctr">
-                        <a:spcBef>
-                          <a:spcPts val="0"/>
-                        </a:spcBef>
-                        <a:spcAft>
-                          <a:spcPts val="0"/>
-                        </a:spcAft>
-                        <a:buNone/>
-                      </a:pPr>
-                      <a:r>
-                        <a:rPr lang="ru-RU" sz="2000">
-                          <a:latin typeface="Times New Roman"/>
-                          <a:ea typeface="Times New Roman"/>
-                          <a:cs typeface="Times New Roman"/>
-                          <a:sym typeface="Times New Roman"/>
-                        </a:rPr>
-                        <a:t>По умолчанию</a:t>
-                      </a:r>
-                      <a:endParaRPr sz="2000">
-                        <a:latin typeface="Times New Roman"/>
-                        <a:ea typeface="Times New Roman"/>
-                        <a:cs typeface="Times New Roman"/>
-                        <a:sym typeface="Times New Roman"/>
-                      </a:endParaRPr>
-                    </a:p>
-                  </a:txBody>
-                  <a:tcPr marT="91425" marB="91425" marR="91425" marL="91425" anchor="ctr"/>
-                </a:tc>
-                <a:tc>
-                  <a:txBody>
-                    <a:bodyPr/>
-                    <a:lstStyle/>
-                    <a:p>
-                      <a:pPr indent="0" lvl="0" marL="0" rtl="0" algn="ctr">
-                        <a:spcBef>
-                          <a:spcPts val="0"/>
-                        </a:spcBef>
-                        <a:spcAft>
-                          <a:spcPts val="0"/>
-                        </a:spcAft>
-                        <a:buNone/>
-                      </a:pPr>
-                      <a:r>
-                        <a:rPr lang="ru-RU" sz="2000">
-                          <a:latin typeface="Times New Roman"/>
-                          <a:ea typeface="Times New Roman"/>
-                          <a:cs typeface="Times New Roman"/>
-                          <a:sym typeface="Times New Roman"/>
-                        </a:rPr>
-                        <a:t>+</a:t>
-                      </a:r>
-                      <a:endParaRPr sz="2000">
-                        <a:latin typeface="Times New Roman"/>
-                        <a:ea typeface="Times New Roman"/>
-                        <a:cs typeface="Times New Roman"/>
-                        <a:sym typeface="Times New Roman"/>
-                      </a:endParaRPr>
-                    </a:p>
-                  </a:txBody>
-                  <a:tcPr marT="91425" marB="91425" marR="91425" marL="91425" anchor="ctr"/>
-                </a:tc>
-                <a:tc>
-                  <a:txBody>
-                    <a:bodyPr/>
-                    <a:lstStyle/>
-                    <a:p>
-                      <a:pPr indent="0" lvl="0" marL="0" rtl="0" algn="ctr">
-                        <a:spcBef>
-                          <a:spcPts val="0"/>
-                        </a:spcBef>
-                        <a:spcAft>
-                          <a:spcPts val="0"/>
-                        </a:spcAft>
-                        <a:buNone/>
-                      </a:pPr>
-                      <a:r>
-                        <a:rPr lang="ru-RU" sz="2000">
-                          <a:latin typeface="Times New Roman"/>
-                          <a:ea typeface="Times New Roman"/>
-                          <a:cs typeface="Times New Roman"/>
-                          <a:sym typeface="Times New Roman"/>
-                        </a:rPr>
-                        <a:t>-</a:t>
-                      </a:r>
-                      <a:endParaRPr sz="2000">
-                        <a:latin typeface="Times New Roman"/>
-                        <a:ea typeface="Times New Roman"/>
-                        <a:cs typeface="Times New Roman"/>
-                        <a:sym typeface="Times New Roman"/>
-                      </a:endParaRPr>
-                    </a:p>
-                  </a:txBody>
-                  <a:tcPr marT="91425" marB="91425" marR="91425" marL="91425" anchor="ctr"/>
-                </a:tc>
-                <a:tc>
-                  <a:txBody>
-                    <a:bodyPr/>
-                    <a:lstStyle/>
-                    <a:p>
-                      <a:pPr indent="0" lvl="0" marL="0" rtl="0" algn="ctr">
-                        <a:spcBef>
-                          <a:spcPts val="0"/>
-                        </a:spcBef>
-                        <a:spcAft>
-                          <a:spcPts val="0"/>
-                        </a:spcAft>
-                        <a:buNone/>
-                      </a:pPr>
-                      <a:r>
-                        <a:rPr lang="ru-RU" sz="2000">
-                          <a:latin typeface="Times New Roman"/>
-                          <a:ea typeface="Times New Roman"/>
-                          <a:cs typeface="Times New Roman"/>
-                          <a:sym typeface="Times New Roman"/>
-                        </a:rPr>
-                        <a:t>+</a:t>
-                      </a:r>
-                      <a:endParaRPr sz="2000">
-                        <a:latin typeface="Times New Roman"/>
-                        <a:ea typeface="Times New Roman"/>
-                        <a:cs typeface="Times New Roman"/>
-                        <a:sym typeface="Times New Roman"/>
-                      </a:endParaRPr>
-                    </a:p>
-                  </a:txBody>
-                  <a:tcPr marT="91425" marB="91425" marR="91425" marL="91425" anchor="ctr"/>
-                </a:tc>
-              </a:tr>
-              <a:tr h="100000">
-                <a:tc rowSpan="4">
-                  <a:txBody>
-                    <a:bodyPr/>
-                    <a:lstStyle/>
-                    <a:p>
-                      <a:pPr indent="0" lvl="0" marL="0" rtl="0" algn="ctr">
-                        <a:spcBef>
-                          <a:spcPts val="0"/>
-                        </a:spcBef>
-                        <a:spcAft>
-                          <a:spcPts val="0"/>
-                        </a:spcAft>
-                        <a:buNone/>
-                      </a:pPr>
-                      <a:r>
-                        <a:rPr lang="ru-RU" sz="2000">
-                          <a:latin typeface="Times New Roman"/>
-                          <a:ea typeface="Times New Roman"/>
-                          <a:cs typeface="Times New Roman"/>
-                          <a:sym typeface="Times New Roman"/>
-                        </a:rPr>
-                        <a:t>Java</a:t>
-                      </a:r>
-                      <a:endParaRPr sz="2000">
-                        <a:latin typeface="Times New Roman"/>
-                        <a:ea typeface="Times New Roman"/>
-                        <a:cs typeface="Times New Roman"/>
-                        <a:sym typeface="Times New Roman"/>
-                      </a:endParaRPr>
-                    </a:p>
-                  </a:txBody>
-                  <a:tcPr marT="91425" marB="91425" marR="91425" marL="91425" anchor="ctr"/>
-                </a:tc>
-                <a:tc>
-                  <a:txBody>
-                    <a:bodyPr/>
-                    <a:lstStyle/>
-                    <a:p>
-                      <a:pPr indent="0" lvl="0" marL="0" rtl="0" algn="ctr">
-                        <a:spcBef>
-                          <a:spcPts val="0"/>
-                        </a:spcBef>
-                        <a:spcAft>
-                          <a:spcPts val="0"/>
-                        </a:spcAft>
-                        <a:buNone/>
-                      </a:pPr>
-                      <a:r>
-                        <a:rPr lang="ru-RU" sz="2000">
-                          <a:latin typeface="Times New Roman"/>
-                          <a:ea typeface="Times New Roman"/>
-                          <a:cs typeface="Times New Roman"/>
-                          <a:sym typeface="Times New Roman"/>
-                        </a:rPr>
-                        <a:t>Serial</a:t>
-                      </a:r>
-                      <a:endParaRPr sz="2000">
-                        <a:latin typeface="Times New Roman"/>
-                        <a:ea typeface="Times New Roman"/>
-                        <a:cs typeface="Times New Roman"/>
-                        <a:sym typeface="Times New Roman"/>
-                      </a:endParaRPr>
-                    </a:p>
-                  </a:txBody>
-                  <a:tcPr marT="91425" marB="91425" marR="91425" marL="91425" anchor="ctr"/>
-                </a:tc>
-                <a:tc>
-                  <a:txBody>
-                    <a:bodyPr/>
-                    <a:lstStyle/>
-                    <a:p>
-                      <a:pPr indent="0" lvl="0" marL="0" rtl="0" algn="ctr">
-                        <a:spcBef>
-                          <a:spcPts val="0"/>
-                        </a:spcBef>
-                        <a:spcAft>
-                          <a:spcPts val="0"/>
-                        </a:spcAft>
-                        <a:buNone/>
-                      </a:pPr>
-                      <a:r>
-                        <a:rPr lang="ru-RU" sz="2000">
-                          <a:latin typeface="Times New Roman"/>
-                          <a:ea typeface="Times New Roman"/>
-                          <a:cs typeface="Times New Roman"/>
-                          <a:sym typeface="Times New Roman"/>
-                        </a:rPr>
-                        <a:t>+</a:t>
-                      </a:r>
-                      <a:endParaRPr sz="2000">
-                        <a:latin typeface="Times New Roman"/>
-                        <a:ea typeface="Times New Roman"/>
-                        <a:cs typeface="Times New Roman"/>
-                        <a:sym typeface="Times New Roman"/>
-                      </a:endParaRPr>
-                    </a:p>
-                  </a:txBody>
-                  <a:tcPr marT="91425" marB="91425" marR="91425" marL="91425" anchor="ctr"/>
-                </a:tc>
-                <a:tc>
-                  <a:txBody>
-                    <a:bodyPr/>
-                    <a:lstStyle/>
-                    <a:p>
-                      <a:pPr indent="0" lvl="0" marL="0" rtl="0" algn="ctr">
-                        <a:spcBef>
-                          <a:spcPts val="0"/>
-                        </a:spcBef>
-                        <a:spcAft>
-                          <a:spcPts val="0"/>
-                        </a:spcAft>
-                        <a:buNone/>
-                      </a:pPr>
-                      <a:r>
-                        <a:rPr lang="ru-RU" sz="2000">
-                          <a:latin typeface="Times New Roman"/>
-                          <a:ea typeface="Times New Roman"/>
-                          <a:cs typeface="Times New Roman"/>
-                          <a:sym typeface="Times New Roman"/>
-                        </a:rPr>
-                        <a:t>+</a:t>
-                      </a:r>
-                      <a:endParaRPr sz="2000">
-                        <a:latin typeface="Times New Roman"/>
-                        <a:ea typeface="Times New Roman"/>
-                        <a:cs typeface="Times New Roman"/>
-                        <a:sym typeface="Times New Roman"/>
-                      </a:endParaRPr>
-                    </a:p>
-                  </a:txBody>
-                  <a:tcPr marT="91425" marB="91425" marR="91425" marL="91425" anchor="ctr"/>
-                </a:tc>
-                <a:tc>
-                  <a:txBody>
-                    <a:bodyPr/>
-                    <a:lstStyle/>
-                    <a:p>
-                      <a:pPr indent="0" lvl="0" marL="0" rtl="0" algn="ctr">
-                        <a:spcBef>
-                          <a:spcPts val="0"/>
-                        </a:spcBef>
-                        <a:spcAft>
-                          <a:spcPts val="0"/>
-                        </a:spcAft>
-                        <a:buNone/>
-                      </a:pPr>
-                      <a:r>
-                        <a:rPr lang="ru-RU" sz="2000">
-                          <a:latin typeface="Times New Roman"/>
-                          <a:ea typeface="Times New Roman"/>
-                          <a:cs typeface="Times New Roman"/>
-                          <a:sym typeface="Times New Roman"/>
-                        </a:rPr>
-                        <a:t>+</a:t>
-                      </a:r>
-                      <a:endParaRPr sz="2000">
-                        <a:latin typeface="Times New Roman"/>
-                        <a:ea typeface="Times New Roman"/>
-                        <a:cs typeface="Times New Roman"/>
-                        <a:sym typeface="Times New Roman"/>
-                      </a:endParaRPr>
-                    </a:p>
-                  </a:txBody>
-                  <a:tcPr marT="91425" marB="91425" marR="91425" marL="91425" anchor="ctr"/>
-                </a:tc>
-              </a:tr>
-              <a:tr h="100000">
-                <a:tc vMerge="1"/>
-                <a:tc>
-                  <a:txBody>
-                    <a:bodyPr/>
-                    <a:lstStyle/>
-                    <a:p>
-                      <a:pPr indent="0" lvl="0" marL="0" rtl="0" algn="ctr">
-                        <a:spcBef>
-                          <a:spcPts val="0"/>
-                        </a:spcBef>
-                        <a:spcAft>
-                          <a:spcPts val="0"/>
-                        </a:spcAft>
-                        <a:buNone/>
-                      </a:pPr>
-                      <a:r>
-                        <a:rPr lang="ru-RU" sz="2000">
-                          <a:latin typeface="Times New Roman"/>
-                          <a:ea typeface="Times New Roman"/>
-                          <a:cs typeface="Times New Roman"/>
-                          <a:sym typeface="Times New Roman"/>
-                        </a:rPr>
-                        <a:t>Parallel</a:t>
-                      </a:r>
-                      <a:endParaRPr sz="2000">
-                        <a:latin typeface="Times New Roman"/>
-                        <a:ea typeface="Times New Roman"/>
-                        <a:cs typeface="Times New Roman"/>
-                        <a:sym typeface="Times New Roman"/>
-                      </a:endParaRPr>
-                    </a:p>
-                  </a:txBody>
-                  <a:tcPr marT="91425" marB="91425" marR="91425" marL="91425" anchor="ctr"/>
-                </a:tc>
-                <a:tc>
-                  <a:txBody>
-                    <a:bodyPr/>
-                    <a:lstStyle/>
-                    <a:p>
-                      <a:pPr indent="0" lvl="0" marL="0" rtl="0" algn="ctr">
-                        <a:spcBef>
-                          <a:spcPts val="0"/>
-                        </a:spcBef>
-                        <a:spcAft>
-                          <a:spcPts val="0"/>
-                        </a:spcAft>
-                        <a:buNone/>
-                      </a:pPr>
-                      <a:r>
-                        <a:rPr lang="ru-RU" sz="2000">
-                          <a:latin typeface="Times New Roman"/>
-                          <a:ea typeface="Times New Roman"/>
-                          <a:cs typeface="Times New Roman"/>
-                          <a:sym typeface="Times New Roman"/>
-                        </a:rPr>
-                        <a:t>+</a:t>
-                      </a:r>
-                      <a:endParaRPr sz="2000">
-                        <a:latin typeface="Times New Roman"/>
-                        <a:ea typeface="Times New Roman"/>
-                        <a:cs typeface="Times New Roman"/>
-                        <a:sym typeface="Times New Roman"/>
-                      </a:endParaRPr>
-                    </a:p>
-                  </a:txBody>
-                  <a:tcPr marT="91425" marB="91425" marR="91425" marL="91425" anchor="ctr"/>
-                </a:tc>
-                <a:tc>
-                  <a:txBody>
-                    <a:bodyPr/>
-                    <a:lstStyle/>
-                    <a:p>
-                      <a:pPr indent="0" lvl="0" marL="0" rtl="0" algn="ctr">
-                        <a:spcBef>
-                          <a:spcPts val="0"/>
-                        </a:spcBef>
-                        <a:spcAft>
-                          <a:spcPts val="0"/>
-                        </a:spcAft>
-                        <a:buNone/>
-                      </a:pPr>
-                      <a:r>
-                        <a:rPr lang="ru-RU" sz="2000">
-                          <a:latin typeface="Times New Roman"/>
-                          <a:ea typeface="Times New Roman"/>
-                          <a:cs typeface="Times New Roman"/>
-                          <a:sym typeface="Times New Roman"/>
-                        </a:rPr>
-                        <a:t>+</a:t>
-                      </a:r>
-                      <a:endParaRPr sz="2000">
-                        <a:latin typeface="Times New Roman"/>
-                        <a:ea typeface="Times New Roman"/>
-                        <a:cs typeface="Times New Roman"/>
-                        <a:sym typeface="Times New Roman"/>
-                      </a:endParaRPr>
-                    </a:p>
-                  </a:txBody>
-                  <a:tcPr marT="91425" marB="91425" marR="91425" marL="91425" anchor="ctr"/>
-                </a:tc>
-                <a:tc>
-                  <a:txBody>
-                    <a:bodyPr/>
-                    <a:lstStyle/>
-                    <a:p>
-                      <a:pPr indent="0" lvl="0" marL="0" rtl="0" algn="ctr">
-                        <a:spcBef>
-                          <a:spcPts val="0"/>
-                        </a:spcBef>
-                        <a:spcAft>
-                          <a:spcPts val="0"/>
-                        </a:spcAft>
-                        <a:buNone/>
-                      </a:pPr>
-                      <a:r>
-                        <a:rPr lang="ru-RU" sz="2000">
-                          <a:latin typeface="Times New Roman"/>
-                          <a:ea typeface="Times New Roman"/>
-                          <a:cs typeface="Times New Roman"/>
-                          <a:sym typeface="Times New Roman"/>
-                        </a:rPr>
-                        <a:t>+</a:t>
-                      </a:r>
-                      <a:endParaRPr sz="2000">
-                        <a:latin typeface="Times New Roman"/>
-                        <a:ea typeface="Times New Roman"/>
-                        <a:cs typeface="Times New Roman"/>
-                        <a:sym typeface="Times New Roman"/>
-                      </a:endParaRPr>
-                    </a:p>
-                  </a:txBody>
-                  <a:tcPr marT="91425" marB="91425" marR="91425" marL="91425" anchor="ctr"/>
-                </a:tc>
-              </a:tr>
-              <a:tr h="100000">
-                <a:tc vMerge="1"/>
-                <a:tc>
-                  <a:txBody>
-                    <a:bodyPr/>
-                    <a:lstStyle/>
-                    <a:p>
-                      <a:pPr indent="0" lvl="0" marL="0" rtl="0" algn="ctr">
-                        <a:spcBef>
-                          <a:spcPts val="0"/>
-                        </a:spcBef>
-                        <a:spcAft>
-                          <a:spcPts val="0"/>
-                        </a:spcAft>
-                        <a:buNone/>
-                      </a:pPr>
-                      <a:r>
-                        <a:rPr lang="ru-RU" sz="2000">
-                          <a:latin typeface="Times New Roman"/>
-                          <a:ea typeface="Times New Roman"/>
-                          <a:cs typeface="Times New Roman"/>
-                          <a:sym typeface="Times New Roman"/>
-                        </a:rPr>
-                        <a:t>Garbage-First</a:t>
-                      </a:r>
-                      <a:endParaRPr sz="2000">
-                        <a:latin typeface="Times New Roman"/>
-                        <a:ea typeface="Times New Roman"/>
-                        <a:cs typeface="Times New Roman"/>
-                        <a:sym typeface="Times New Roman"/>
-                      </a:endParaRPr>
-                    </a:p>
-                  </a:txBody>
-                  <a:tcPr marT="91425" marB="91425" marR="91425" marL="91425" anchor="ctr"/>
-                </a:tc>
-                <a:tc>
-                  <a:txBody>
-                    <a:bodyPr/>
-                    <a:lstStyle/>
-                    <a:p>
-                      <a:pPr indent="0" lvl="0" marL="0" rtl="0" algn="ctr">
-                        <a:spcBef>
-                          <a:spcPts val="0"/>
-                        </a:spcBef>
-                        <a:spcAft>
-                          <a:spcPts val="0"/>
-                        </a:spcAft>
-                        <a:buNone/>
-                      </a:pPr>
-                      <a:r>
-                        <a:rPr lang="ru-RU" sz="2000">
-                          <a:latin typeface="Times New Roman"/>
-                          <a:ea typeface="Times New Roman"/>
-                          <a:cs typeface="Times New Roman"/>
-                          <a:sym typeface="Times New Roman"/>
-                        </a:rPr>
-                        <a:t>+</a:t>
-                      </a:r>
-                      <a:endParaRPr sz="2000">
-                        <a:latin typeface="Times New Roman"/>
-                        <a:ea typeface="Times New Roman"/>
-                        <a:cs typeface="Times New Roman"/>
-                        <a:sym typeface="Times New Roman"/>
-                      </a:endParaRPr>
-                    </a:p>
-                  </a:txBody>
-                  <a:tcPr marT="91425" marB="91425" marR="91425" marL="91425" anchor="ctr"/>
-                </a:tc>
-                <a:tc>
-                  <a:txBody>
-                    <a:bodyPr/>
-                    <a:lstStyle/>
-                    <a:p>
-                      <a:pPr indent="0" lvl="0" marL="0" rtl="0" algn="ctr">
-                        <a:spcBef>
-                          <a:spcPts val="0"/>
-                        </a:spcBef>
-                        <a:spcAft>
-                          <a:spcPts val="0"/>
-                        </a:spcAft>
-                        <a:buNone/>
-                      </a:pPr>
-                      <a:r>
-                        <a:rPr lang="ru-RU" sz="2000">
-                          <a:latin typeface="Times New Roman"/>
-                          <a:ea typeface="Times New Roman"/>
-                          <a:cs typeface="Times New Roman"/>
-                          <a:sym typeface="Times New Roman"/>
-                        </a:rPr>
-                        <a:t>+</a:t>
-                      </a:r>
-                      <a:endParaRPr sz="2000">
-                        <a:latin typeface="Times New Roman"/>
-                        <a:ea typeface="Times New Roman"/>
-                        <a:cs typeface="Times New Roman"/>
-                        <a:sym typeface="Times New Roman"/>
-                      </a:endParaRPr>
-                    </a:p>
-                  </a:txBody>
-                  <a:tcPr marT="91425" marB="91425" marR="91425" marL="91425" anchor="ctr"/>
-                </a:tc>
-                <a:tc>
-                  <a:txBody>
-                    <a:bodyPr/>
-                    <a:lstStyle/>
-                    <a:p>
-                      <a:pPr indent="0" lvl="0" marL="0" rtl="0" algn="ctr">
-                        <a:spcBef>
-                          <a:spcPts val="0"/>
-                        </a:spcBef>
-                        <a:spcAft>
-                          <a:spcPts val="0"/>
-                        </a:spcAft>
-                        <a:buNone/>
-                      </a:pPr>
-                      <a:r>
-                        <a:rPr lang="ru-RU" sz="2000">
-                          <a:latin typeface="Times New Roman"/>
-                          <a:ea typeface="Times New Roman"/>
-                          <a:cs typeface="Times New Roman"/>
-                          <a:sym typeface="Times New Roman"/>
-                        </a:rPr>
-                        <a:t>+</a:t>
-                      </a:r>
-                      <a:endParaRPr sz="2000">
-                        <a:latin typeface="Times New Roman"/>
-                        <a:ea typeface="Times New Roman"/>
-                        <a:cs typeface="Times New Roman"/>
-                        <a:sym typeface="Times New Roman"/>
-                      </a:endParaRPr>
-                    </a:p>
-                  </a:txBody>
-                  <a:tcPr marT="91425" marB="91425" marR="91425" marL="91425" anchor="ctr"/>
-                </a:tc>
-              </a:tr>
-              <a:tr h="100000">
-                <a:tc vMerge="1"/>
-                <a:tc>
-                  <a:txBody>
-                    <a:bodyPr/>
-                    <a:lstStyle/>
-                    <a:p>
-                      <a:pPr indent="0" lvl="0" marL="0" rtl="0" algn="ctr">
-                        <a:spcBef>
-                          <a:spcPts val="0"/>
-                        </a:spcBef>
-                        <a:spcAft>
-                          <a:spcPts val="0"/>
-                        </a:spcAft>
-                        <a:buNone/>
-                      </a:pPr>
-                      <a:r>
-                        <a:rPr lang="ru-RU" sz="2000">
-                          <a:latin typeface="Times New Roman"/>
-                          <a:ea typeface="Times New Roman"/>
-                          <a:cs typeface="Times New Roman"/>
-                          <a:sym typeface="Times New Roman"/>
-                        </a:rPr>
-                        <a:t>ZGC</a:t>
-                      </a:r>
-                      <a:endParaRPr sz="2000">
-                        <a:latin typeface="Times New Roman"/>
-                        <a:ea typeface="Times New Roman"/>
-                        <a:cs typeface="Times New Roman"/>
-                        <a:sym typeface="Times New Roman"/>
-                      </a:endParaRPr>
-                    </a:p>
-                  </a:txBody>
-                  <a:tcPr marT="91425" marB="91425" marR="91425" marL="91425" anchor="ctr"/>
-                </a:tc>
-                <a:tc>
-                  <a:txBody>
-                    <a:bodyPr/>
-                    <a:lstStyle/>
-                    <a:p>
-                      <a:pPr indent="0" lvl="0" marL="0" rtl="0" algn="ctr">
-                        <a:spcBef>
-                          <a:spcPts val="0"/>
-                        </a:spcBef>
-                        <a:spcAft>
-                          <a:spcPts val="0"/>
-                        </a:spcAft>
-                        <a:buNone/>
-                      </a:pPr>
-                      <a:r>
-                        <a:rPr lang="ru-RU" sz="2000">
-                          <a:latin typeface="Times New Roman"/>
-                          <a:ea typeface="Times New Roman"/>
-                          <a:cs typeface="Times New Roman"/>
-                          <a:sym typeface="Times New Roman"/>
-                        </a:rPr>
-                        <a:t>+</a:t>
-                      </a:r>
-                      <a:endParaRPr sz="2000">
-                        <a:latin typeface="Times New Roman"/>
-                        <a:ea typeface="Times New Roman"/>
-                        <a:cs typeface="Times New Roman"/>
-                        <a:sym typeface="Times New Roman"/>
-                      </a:endParaRPr>
-                    </a:p>
-                  </a:txBody>
-                  <a:tcPr marT="91425" marB="91425" marR="91425" marL="91425" anchor="ctr"/>
-                </a:tc>
-                <a:tc>
-                  <a:txBody>
-                    <a:bodyPr/>
-                    <a:lstStyle/>
-                    <a:p>
-                      <a:pPr indent="0" lvl="0" marL="0" rtl="0" algn="ctr">
-                        <a:spcBef>
-                          <a:spcPts val="0"/>
-                        </a:spcBef>
-                        <a:spcAft>
-                          <a:spcPts val="0"/>
-                        </a:spcAft>
-                        <a:buNone/>
-                      </a:pPr>
-                      <a:r>
-                        <a:rPr lang="ru-RU" sz="2000">
-                          <a:latin typeface="Times New Roman"/>
-                          <a:ea typeface="Times New Roman"/>
-                          <a:cs typeface="Times New Roman"/>
-                          <a:sym typeface="Times New Roman"/>
-                        </a:rPr>
-                        <a:t>+</a:t>
-                      </a:r>
-                      <a:endParaRPr sz="2000">
-                        <a:latin typeface="Times New Roman"/>
-                        <a:ea typeface="Times New Roman"/>
-                        <a:cs typeface="Times New Roman"/>
-                        <a:sym typeface="Times New Roman"/>
-                      </a:endParaRPr>
-                    </a:p>
-                  </a:txBody>
-                  <a:tcPr marT="91425" marB="91425" marR="91425" marL="91425" anchor="ctr"/>
-                </a:tc>
-                <a:tc>
-                  <a:txBody>
-                    <a:bodyPr/>
-                    <a:lstStyle/>
-                    <a:p>
-                      <a:pPr indent="0" lvl="0" marL="0" rtl="0" algn="ctr">
-                        <a:spcBef>
-                          <a:spcPts val="0"/>
-                        </a:spcBef>
-                        <a:spcAft>
-                          <a:spcPts val="0"/>
-                        </a:spcAft>
-                        <a:buNone/>
-                      </a:pPr>
-                      <a:r>
-                        <a:rPr lang="ru-RU" sz="2000">
-                          <a:latin typeface="Times New Roman"/>
-                          <a:ea typeface="Times New Roman"/>
-                          <a:cs typeface="Times New Roman"/>
-                          <a:sym typeface="Times New Roman"/>
-                        </a:rPr>
-                        <a:t>+</a:t>
-                      </a:r>
-                      <a:endParaRPr sz="2000">
-                        <a:latin typeface="Times New Roman"/>
-                        <a:ea typeface="Times New Roman"/>
-                        <a:cs typeface="Times New Roman"/>
-                        <a:sym typeface="Times New Roman"/>
-                      </a:endParaRPr>
-                    </a:p>
-                  </a:txBody>
-                  <a:tcPr marT="91425" marB="91425" marR="91425" marL="91425" anchor="ctr"/>
-                </a:tc>
-              </a:tr>
-              <a:tr h="100000">
-                <a:tc>
-                  <a:txBody>
-                    <a:bodyPr/>
-                    <a:lstStyle/>
-                    <a:p>
-                      <a:pPr indent="0" lvl="0" marL="0" rtl="0" algn="ctr">
-                        <a:spcBef>
-                          <a:spcPts val="0"/>
-                        </a:spcBef>
-                        <a:spcAft>
-                          <a:spcPts val="0"/>
-                        </a:spcAft>
-                        <a:buNone/>
-                      </a:pPr>
-                      <a:r>
-                        <a:rPr lang="ru-RU" sz="2000">
-                          <a:latin typeface="Times New Roman"/>
-                          <a:ea typeface="Times New Roman"/>
-                          <a:cs typeface="Times New Roman"/>
-                          <a:sym typeface="Times New Roman"/>
-                        </a:rPr>
-                        <a:t>JavaScript</a:t>
-                      </a:r>
-                      <a:endParaRPr sz="2000">
-                        <a:latin typeface="Times New Roman"/>
-                        <a:ea typeface="Times New Roman"/>
-                        <a:cs typeface="Times New Roman"/>
-                        <a:sym typeface="Times New Roman"/>
-                      </a:endParaRPr>
-                    </a:p>
-                  </a:txBody>
-                  <a:tcPr marT="91425" marB="91425" marR="91425" marL="91425" anchor="ctr"/>
-                </a:tc>
-                <a:tc>
-                  <a:txBody>
-                    <a:bodyPr/>
-                    <a:lstStyle/>
-                    <a:p>
-                      <a:pPr indent="0" lvl="0" marL="0" rtl="0" algn="ctr">
-                        <a:spcBef>
-                          <a:spcPts val="0"/>
-                        </a:spcBef>
-                        <a:spcAft>
-                          <a:spcPts val="0"/>
-                        </a:spcAft>
-                        <a:buNone/>
-                      </a:pPr>
-                      <a:r>
-                        <a:rPr lang="ru-RU" sz="2000">
-                          <a:solidFill>
-                            <a:schemeClr val="dk1"/>
-                          </a:solidFill>
-                          <a:latin typeface="Times New Roman"/>
-                          <a:ea typeface="Times New Roman"/>
-                          <a:cs typeface="Times New Roman"/>
-                          <a:sym typeface="Times New Roman"/>
-                        </a:rPr>
-                        <a:t>По умолчанию</a:t>
-                      </a:r>
-                      <a:endParaRPr sz="2000">
-                        <a:latin typeface="Times New Roman"/>
-                        <a:ea typeface="Times New Roman"/>
-                        <a:cs typeface="Times New Roman"/>
-                        <a:sym typeface="Times New Roman"/>
-                      </a:endParaRPr>
-                    </a:p>
-                  </a:txBody>
-                  <a:tcPr marT="91425" marB="91425" marR="91425" marL="91425" anchor="ctr"/>
-                </a:tc>
-                <a:tc>
-                  <a:txBody>
-                    <a:bodyPr/>
-                    <a:lstStyle/>
-                    <a:p>
-                      <a:pPr indent="0" lvl="0" marL="0" rtl="0" algn="ctr">
-                        <a:spcBef>
-                          <a:spcPts val="0"/>
-                        </a:spcBef>
-                        <a:spcAft>
-                          <a:spcPts val="0"/>
-                        </a:spcAft>
-                        <a:buNone/>
-                      </a:pPr>
-                      <a:r>
-                        <a:rPr lang="ru-RU" sz="2000">
-                          <a:latin typeface="Times New Roman"/>
-                          <a:ea typeface="Times New Roman"/>
-                          <a:cs typeface="Times New Roman"/>
-                          <a:sym typeface="Times New Roman"/>
-                        </a:rPr>
-                        <a:t>-</a:t>
-                      </a:r>
-                      <a:endParaRPr sz="2000">
-                        <a:latin typeface="Times New Roman"/>
-                        <a:ea typeface="Times New Roman"/>
-                        <a:cs typeface="Times New Roman"/>
-                        <a:sym typeface="Times New Roman"/>
-                      </a:endParaRPr>
-                    </a:p>
-                  </a:txBody>
-                  <a:tcPr marT="91425" marB="91425" marR="91425" marL="91425" anchor="ctr"/>
-                </a:tc>
-                <a:tc>
-                  <a:txBody>
-                    <a:bodyPr/>
-                    <a:lstStyle/>
-                    <a:p>
-                      <a:pPr indent="0" lvl="0" marL="0" rtl="0" algn="ctr">
-                        <a:spcBef>
-                          <a:spcPts val="0"/>
-                        </a:spcBef>
-                        <a:spcAft>
-                          <a:spcPts val="0"/>
-                        </a:spcAft>
-                        <a:buNone/>
-                      </a:pPr>
-                      <a:r>
-                        <a:rPr lang="ru-RU" sz="2000">
-                          <a:latin typeface="Times New Roman"/>
-                          <a:ea typeface="Times New Roman"/>
-                          <a:cs typeface="Times New Roman"/>
-                          <a:sym typeface="Times New Roman"/>
-                        </a:rPr>
-                        <a:t>+</a:t>
-                      </a:r>
-                      <a:endParaRPr sz="2000">
-                        <a:latin typeface="Times New Roman"/>
-                        <a:ea typeface="Times New Roman"/>
-                        <a:cs typeface="Times New Roman"/>
-                        <a:sym typeface="Times New Roman"/>
-                      </a:endParaRPr>
-                    </a:p>
-                  </a:txBody>
-                  <a:tcPr marT="91425" marB="91425" marR="91425" marL="91425" anchor="ctr"/>
-                </a:tc>
-                <a:tc>
-                  <a:txBody>
-                    <a:bodyPr/>
-                    <a:lstStyle/>
-                    <a:p>
-                      <a:pPr indent="0" lvl="0" marL="0" rtl="0" algn="ctr">
-                        <a:spcBef>
-                          <a:spcPts val="0"/>
-                        </a:spcBef>
-                        <a:spcAft>
-                          <a:spcPts val="0"/>
-                        </a:spcAft>
-                        <a:buNone/>
-                      </a:pPr>
-                      <a:r>
-                        <a:rPr lang="ru-RU" sz="2000">
-                          <a:latin typeface="Times New Roman"/>
-                          <a:ea typeface="Times New Roman"/>
-                          <a:cs typeface="Times New Roman"/>
-                          <a:sym typeface="Times New Roman"/>
-                        </a:rPr>
-                        <a:t>-</a:t>
-                      </a:r>
-                      <a:endParaRPr sz="2000">
-                        <a:latin typeface="Times New Roman"/>
-                        <a:ea typeface="Times New Roman"/>
-                        <a:cs typeface="Times New Roman"/>
-                        <a:sym typeface="Times New Roman"/>
-                      </a:endParaRPr>
-                    </a:p>
-                  </a:txBody>
-                  <a:tcPr marT="91425" marB="91425" marR="91425" marL="91425" anchor="ctr"/>
-                </a:tc>
-              </a:tr>
-              <a:tr h="103450">
-                <a:tc>
-                  <a:txBody>
-                    <a:bodyPr/>
-                    <a:lstStyle/>
-                    <a:p>
-                      <a:pPr indent="0" lvl="0" marL="0" rtl="0" algn="ctr">
-                        <a:spcBef>
-                          <a:spcPts val="0"/>
-                        </a:spcBef>
-                        <a:spcAft>
-                          <a:spcPts val="0"/>
-                        </a:spcAft>
-                        <a:buNone/>
-                      </a:pPr>
-                      <a:r>
-                        <a:rPr lang="ru-RU" sz="2000">
-                          <a:latin typeface="Times New Roman"/>
-                          <a:ea typeface="Times New Roman"/>
-                          <a:cs typeface="Times New Roman"/>
-                          <a:sym typeface="Times New Roman"/>
-                        </a:rPr>
-                        <a:t>C#</a:t>
-                      </a:r>
-                      <a:endParaRPr sz="2000">
-                        <a:latin typeface="Times New Roman"/>
-                        <a:ea typeface="Times New Roman"/>
-                        <a:cs typeface="Times New Roman"/>
-                        <a:sym typeface="Times New Roman"/>
-                      </a:endParaRPr>
-                    </a:p>
-                  </a:txBody>
-                  <a:tcPr marT="91425" marB="91425" marR="91425" marL="91425" anchor="ctr"/>
-                </a:tc>
-                <a:tc>
-                  <a:txBody>
-                    <a:bodyPr/>
-                    <a:lstStyle/>
-                    <a:p>
-                      <a:pPr indent="0" lvl="0" marL="0" rtl="0" algn="ctr">
-                        <a:spcBef>
-                          <a:spcPts val="0"/>
-                        </a:spcBef>
-                        <a:spcAft>
-                          <a:spcPts val="0"/>
-                        </a:spcAft>
-                        <a:buNone/>
-                      </a:pPr>
-                      <a:r>
-                        <a:rPr lang="ru-RU" sz="2000">
-                          <a:solidFill>
-                            <a:schemeClr val="dk1"/>
-                          </a:solidFill>
-                          <a:latin typeface="Times New Roman"/>
-                          <a:ea typeface="Times New Roman"/>
-                          <a:cs typeface="Times New Roman"/>
-                          <a:sym typeface="Times New Roman"/>
-                        </a:rPr>
-                        <a:t>По умолчанию</a:t>
-                      </a:r>
-                      <a:endParaRPr sz="2000">
-                        <a:latin typeface="Times New Roman"/>
-                        <a:ea typeface="Times New Roman"/>
-                        <a:cs typeface="Times New Roman"/>
-                        <a:sym typeface="Times New Roman"/>
-                      </a:endParaRPr>
-                    </a:p>
-                  </a:txBody>
-                  <a:tcPr marT="91425" marB="91425" marR="91425" marL="91425" anchor="ctr"/>
-                </a:tc>
-                <a:tc>
-                  <a:txBody>
-                    <a:bodyPr/>
-                    <a:lstStyle/>
-                    <a:p>
-                      <a:pPr indent="0" lvl="0" marL="0" rtl="0" algn="ctr">
-                        <a:spcBef>
-                          <a:spcPts val="0"/>
-                        </a:spcBef>
-                        <a:spcAft>
-                          <a:spcPts val="0"/>
-                        </a:spcAft>
-                        <a:buNone/>
-                      </a:pPr>
-                      <a:r>
-                        <a:rPr lang="ru-RU" sz="2000">
-                          <a:latin typeface="Times New Roman"/>
-                          <a:ea typeface="Times New Roman"/>
-                          <a:cs typeface="Times New Roman"/>
-                          <a:sym typeface="Times New Roman"/>
-                        </a:rPr>
-                        <a:t>+</a:t>
-                      </a:r>
-                      <a:endParaRPr sz="2000">
-                        <a:latin typeface="Times New Roman"/>
-                        <a:ea typeface="Times New Roman"/>
-                        <a:cs typeface="Times New Roman"/>
-                        <a:sym typeface="Times New Roman"/>
-                      </a:endParaRPr>
-                    </a:p>
-                  </a:txBody>
-                  <a:tcPr marT="91425" marB="91425" marR="91425" marL="91425" anchor="ctr"/>
-                </a:tc>
-                <a:tc>
-                  <a:txBody>
-                    <a:bodyPr/>
-                    <a:lstStyle/>
-                    <a:p>
-                      <a:pPr indent="0" lvl="0" marL="0" rtl="0" algn="ctr">
-                        <a:spcBef>
-                          <a:spcPts val="0"/>
-                        </a:spcBef>
-                        <a:spcAft>
-                          <a:spcPts val="0"/>
-                        </a:spcAft>
-                        <a:buNone/>
-                      </a:pPr>
-                      <a:r>
-                        <a:rPr lang="ru-RU" sz="2000">
-                          <a:latin typeface="Times New Roman"/>
-                          <a:ea typeface="Times New Roman"/>
-                          <a:cs typeface="Times New Roman"/>
-                          <a:sym typeface="Times New Roman"/>
-                        </a:rPr>
-                        <a:t>+</a:t>
-                      </a:r>
-                      <a:endParaRPr sz="2000">
-                        <a:latin typeface="Times New Roman"/>
-                        <a:ea typeface="Times New Roman"/>
-                        <a:cs typeface="Times New Roman"/>
-                        <a:sym typeface="Times New Roman"/>
-                      </a:endParaRPr>
-                    </a:p>
-                  </a:txBody>
-                  <a:tcPr marT="91425" marB="91425" marR="91425" marL="91425" anchor="ctr"/>
-                </a:tc>
-                <a:tc>
-                  <a:txBody>
-                    <a:bodyPr/>
-                    <a:lstStyle/>
-                    <a:p>
-                      <a:pPr indent="0" lvl="0" marL="0" rtl="0" algn="ctr">
-                        <a:spcBef>
-                          <a:spcPts val="0"/>
-                        </a:spcBef>
-                        <a:spcAft>
-                          <a:spcPts val="0"/>
-                        </a:spcAft>
-                        <a:buNone/>
-                      </a:pPr>
-                      <a:r>
-                        <a:rPr lang="ru-RU" sz="2000">
-                          <a:latin typeface="Times New Roman"/>
-                          <a:ea typeface="Times New Roman"/>
-                          <a:cs typeface="Times New Roman"/>
-                          <a:sym typeface="Times New Roman"/>
-                        </a:rPr>
-                        <a:t>+</a:t>
-                      </a:r>
-                      <a:endParaRPr sz="2000">
-                        <a:latin typeface="Times New Roman"/>
-                        <a:ea typeface="Times New Roman"/>
-                        <a:cs typeface="Times New Roman"/>
-                        <a:sym typeface="Times New Roman"/>
-                      </a:endParaRPr>
-                    </a:p>
-                  </a:txBody>
-                  <a:tcPr marT="91425" marB="91425" marR="91425" marL="91425" anchor="ctr"/>
-                </a:tc>
-              </a:tr>
-              <a:tr h="167075">
-                <a:tc>
-                  <a:txBody>
-                    <a:bodyPr/>
-                    <a:lstStyle/>
-                    <a:p>
-                      <a:pPr indent="0" lvl="0" marL="0" rtl="0" algn="ctr">
-                        <a:spcBef>
-                          <a:spcPts val="0"/>
-                        </a:spcBef>
-                        <a:spcAft>
-                          <a:spcPts val="0"/>
-                        </a:spcAft>
-                        <a:buNone/>
-                      </a:pPr>
-                      <a:r>
-                        <a:rPr lang="ru-RU" sz="2000">
-                          <a:latin typeface="Times New Roman"/>
-                          <a:ea typeface="Times New Roman"/>
-                          <a:cs typeface="Times New Roman"/>
-                          <a:sym typeface="Times New Roman"/>
-                        </a:rPr>
-                        <a:t>Golang</a:t>
-                      </a:r>
-                      <a:endParaRPr sz="2000">
-                        <a:latin typeface="Times New Roman"/>
-                        <a:ea typeface="Times New Roman"/>
-                        <a:cs typeface="Times New Roman"/>
-                        <a:sym typeface="Times New Roman"/>
-                      </a:endParaRPr>
-                    </a:p>
-                  </a:txBody>
-                  <a:tcPr marT="91425" marB="91425" marR="91425" marL="91425" anchor="ctr"/>
-                </a:tc>
-                <a:tc>
-                  <a:txBody>
-                    <a:bodyPr/>
-                    <a:lstStyle/>
-                    <a:p>
-                      <a:pPr indent="0" lvl="0" marL="0" rtl="0" algn="ctr">
-                        <a:spcBef>
-                          <a:spcPts val="0"/>
-                        </a:spcBef>
-                        <a:spcAft>
-                          <a:spcPts val="0"/>
-                        </a:spcAft>
-                        <a:buNone/>
-                      </a:pPr>
-                      <a:r>
-                        <a:rPr lang="ru-RU" sz="2000">
-                          <a:solidFill>
-                            <a:schemeClr val="dk1"/>
-                          </a:solidFill>
-                          <a:latin typeface="Times New Roman"/>
-                          <a:ea typeface="Times New Roman"/>
-                          <a:cs typeface="Times New Roman"/>
-                          <a:sym typeface="Times New Roman"/>
-                        </a:rPr>
-                        <a:t>По умолчанию</a:t>
-                      </a:r>
-                      <a:endParaRPr sz="2000">
-                        <a:latin typeface="Times New Roman"/>
-                        <a:ea typeface="Times New Roman"/>
-                        <a:cs typeface="Times New Roman"/>
-                        <a:sym typeface="Times New Roman"/>
-                      </a:endParaRPr>
-                    </a:p>
-                  </a:txBody>
-                  <a:tcPr marT="91425" marB="91425" marR="91425" marL="91425" anchor="ctr"/>
-                </a:tc>
-                <a:tc>
-                  <a:txBody>
-                    <a:bodyPr/>
-                    <a:lstStyle/>
-                    <a:p>
-                      <a:pPr indent="0" lvl="0" marL="0" rtl="0" algn="ctr">
-                        <a:spcBef>
-                          <a:spcPts val="0"/>
-                        </a:spcBef>
-                        <a:spcAft>
-                          <a:spcPts val="0"/>
-                        </a:spcAft>
-                        <a:buNone/>
-                      </a:pPr>
-                      <a:r>
-                        <a:rPr lang="ru-RU" sz="2000">
-                          <a:latin typeface="Times New Roman"/>
-                          <a:ea typeface="Times New Roman"/>
-                          <a:cs typeface="Times New Roman"/>
-                          <a:sym typeface="Times New Roman"/>
-                        </a:rPr>
-                        <a:t>-</a:t>
-                      </a:r>
-                      <a:endParaRPr sz="2000">
-                        <a:latin typeface="Times New Roman"/>
-                        <a:ea typeface="Times New Roman"/>
-                        <a:cs typeface="Times New Roman"/>
-                        <a:sym typeface="Times New Roman"/>
-                      </a:endParaRPr>
-                    </a:p>
-                  </a:txBody>
-                  <a:tcPr marT="91425" marB="91425" marR="91425" marL="91425" anchor="ctr"/>
-                </a:tc>
-                <a:tc>
-                  <a:txBody>
-                    <a:bodyPr/>
-                    <a:lstStyle/>
-                    <a:p>
-                      <a:pPr indent="0" lvl="0" marL="0" rtl="0" algn="ctr">
-                        <a:spcBef>
-                          <a:spcPts val="0"/>
-                        </a:spcBef>
-                        <a:spcAft>
-                          <a:spcPts val="0"/>
-                        </a:spcAft>
-                        <a:buNone/>
-                      </a:pPr>
-                      <a:r>
-                        <a:rPr lang="ru-RU" sz="2000">
-                          <a:latin typeface="Times New Roman"/>
-                          <a:ea typeface="Times New Roman"/>
-                          <a:cs typeface="Times New Roman"/>
-                          <a:sym typeface="Times New Roman"/>
-                        </a:rPr>
-                        <a:t>+</a:t>
-                      </a:r>
-                      <a:endParaRPr sz="2000">
-                        <a:latin typeface="Times New Roman"/>
-                        <a:ea typeface="Times New Roman"/>
-                        <a:cs typeface="Times New Roman"/>
-                        <a:sym typeface="Times New Roman"/>
-                      </a:endParaRPr>
-                    </a:p>
-                  </a:txBody>
-                  <a:tcPr marT="91425" marB="91425" marR="91425" marL="91425" anchor="ctr"/>
-                </a:tc>
-                <a:tc>
-                  <a:txBody>
-                    <a:bodyPr/>
-                    <a:lstStyle/>
-                    <a:p>
-                      <a:pPr indent="0" lvl="0" marL="0" rtl="0" algn="ctr">
-                        <a:spcBef>
-                          <a:spcPts val="0"/>
-                        </a:spcBef>
-                        <a:spcAft>
-                          <a:spcPts val="0"/>
-                        </a:spcAft>
-                        <a:buNone/>
-                      </a:pPr>
-                      <a:r>
-                        <a:rPr lang="ru-RU" sz="2000">
-                          <a:latin typeface="Times New Roman"/>
-                          <a:ea typeface="Times New Roman"/>
-                          <a:cs typeface="Times New Roman"/>
-                          <a:sym typeface="Times New Roman"/>
-                        </a:rPr>
-                        <a:t>+</a:t>
-                      </a:r>
-                      <a:endParaRPr sz="2000">
-                        <a:latin typeface="Times New Roman"/>
-                        <a:ea typeface="Times New Roman"/>
-                        <a:cs typeface="Times New Roman"/>
-                        <a:sym typeface="Times New Roman"/>
-                      </a:endParaRPr>
-                    </a:p>
-                  </a:txBody>
-                  <a:tcPr marT="91425" marB="91425" marR="91425" marL="91425" anchor="ctr"/>
-                </a:tc>
-              </a:tr>
-            </a:tbl>
-          </a:graphicData>
-        </a:graphic>
-      </p:graphicFrame>
     </p:spTree>
   </p:cSld>
   <p:clrMapOvr>
